--- a/deel1.pptx
+++ b/deel1.pptx
@@ -5,7 +5,7 @@
     <p:sldMasterId id="2147483648" r:id="rId1"/>
   </p:sldMasterIdLst>
   <p:notesMasterIdLst>
-    <p:notesMasterId r:id="rId53"/>
+    <p:notesMasterId r:id="rId48"/>
   </p:notesMasterIdLst>
   <p:sldIdLst>
     <p:sldId id="275" r:id="rId2"/>
@@ -41,24 +41,19 @@
     <p:sldId id="352" r:id="rId32"/>
     <p:sldId id="383" r:id="rId33"/>
     <p:sldId id="365" r:id="rId34"/>
-    <p:sldId id="364" r:id="rId35"/>
-    <p:sldId id="350" r:id="rId36"/>
+    <p:sldId id="350" r:id="rId35"/>
+    <p:sldId id="364" r:id="rId36"/>
     <p:sldId id="389" r:id="rId37"/>
     <p:sldId id="385" r:id="rId38"/>
     <p:sldId id="382" r:id="rId39"/>
     <p:sldId id="386" r:id="rId40"/>
     <p:sldId id="320" r:id="rId41"/>
-    <p:sldId id="391" r:id="rId42"/>
-    <p:sldId id="357" r:id="rId43"/>
-    <p:sldId id="390" r:id="rId44"/>
-    <p:sldId id="353" r:id="rId45"/>
-    <p:sldId id="354" r:id="rId46"/>
-    <p:sldId id="355" r:id="rId47"/>
-    <p:sldId id="356" r:id="rId48"/>
-    <p:sldId id="330" r:id="rId49"/>
-    <p:sldId id="339" r:id="rId50"/>
-    <p:sldId id="278" r:id="rId51"/>
-    <p:sldId id="315" r:id="rId52"/>
+    <p:sldId id="404" r:id="rId42"/>
+    <p:sldId id="391" r:id="rId43"/>
+    <p:sldId id="330" r:id="rId44"/>
+    <p:sldId id="339" r:id="rId45"/>
+    <p:sldId id="278" r:id="rId46"/>
+    <p:sldId id="315" r:id="rId47"/>
   </p:sldIdLst>
   <p:sldSz cx="9144000" cy="6858000" type="screen4x3"/>
   <p:notesSz cx="6858000" cy="9144000"/>
@@ -242,7 +237,7 @@
           <a:p>
             <a:fld id="{26950E59-91FA-400F-9B65-5FF464248520}" type="datetimeFigureOut">
               <a:rPr lang="nl-NL" smtClean="0"/>
-              <a:t>22-4-2015</a:t>
+              <a:t>28-4-2015</a:t>
             </a:fld>
             <a:endParaRPr lang="nl-NL"/>
           </a:p>
@@ -3969,15 +3964,7 @@
             </a:r>
             <a:r>
               <a:rPr lang="nl-NL" dirty="0" smtClean="0"/>
-              <a:t> </a:t>
-            </a:r>
-            <a:r>
-              <a:rPr lang="nl-NL" dirty="0" smtClean="0"/>
-              <a:t>Engineers – part 1</a:t>
-            </a:r>
-            <a:r>
-              <a:rPr lang="nl-NL" dirty="0" smtClean="0"/>
-              <a:t/>
+              <a:t> Engineers – part 1</a:t>
             </a:r>
             <a:br>
               <a:rPr lang="nl-NL" dirty="0" smtClean="0"/>
@@ -9204,11 +9191,7 @@
             </a:r>
             <a:r>
               <a:rPr lang="nl-NL" dirty="0" smtClean="0"/>
-              <a:t>			list </a:t>
-            </a:r>
-            <a:r>
-              <a:rPr lang="nl-NL" dirty="0" smtClean="0"/>
-              <a:t>files </a:t>
+              <a:t>			list files </a:t>
             </a:r>
             <a:r>
               <a:rPr lang="nl-NL" dirty="0" err="1" smtClean="0"/>
@@ -9604,11 +9587,7 @@
           <a:p>
             <a:r>
               <a:rPr lang="en-US" dirty="0" smtClean="0"/>
-              <a:t>Computation </a:t>
-            </a:r>
-            <a:r>
-              <a:rPr lang="en-US" dirty="0" smtClean="0"/>
-              <a:t>Graph</a:t>
+              <a:t>Computation Graph</a:t>
             </a:r>
           </a:p>
           <a:p>
@@ -10949,7 +10928,7 @@
         <p:spPr/>
         <p:txBody>
           <a:bodyPr>
-            <a:normAutofit fontScale="92500"/>
+            <a:normAutofit fontScale="92500" lnSpcReduction="20000"/>
           </a:bodyPr>
           <a:lstStyle/>
           <a:p>
@@ -11018,7 +10997,7 @@
                   <a:srgbClr val="0070C0"/>
                 </a:solidFill>
               </a:rPr>
-              <a:t>distribution_name</a:t>
+              <a:t>distribution</a:t>
             </a:r>
             <a:r>
               <a:rPr lang="nl-NL" i="1" dirty="0" smtClean="0">
@@ -11036,6 +11015,11 @@
               </a:rPr>
               <a:t>/…</a:t>
             </a:r>
+            <a:endParaRPr lang="nl-NL" dirty="0" smtClean="0">
+              <a:solidFill>
+                <a:srgbClr val="0070C0"/>
+              </a:solidFill>
+            </a:endParaRPr>
           </a:p>
           <a:p>
             <a:pPr marL="457200" lvl="1" indent="0">
@@ -11127,11 +11111,46 @@
               </a:rPr>
               <a:t>ros-indigo-package-name</a:t>
             </a:r>
-            <a:endParaRPr lang="nl-NL" dirty="0" smtClean="0">
-              <a:solidFill>
-                <a:schemeClr val="accent1"/>
-              </a:solidFill>
-            </a:endParaRPr>
+          </a:p>
+          <a:p>
+            <a:pPr lvl="1"/>
+            <a:r>
+              <a:rPr lang="nl-NL" dirty="0" err="1" smtClean="0"/>
+              <a:t>Added</a:t>
+            </a:r>
+            <a:r>
+              <a:rPr lang="nl-NL" dirty="0" smtClean="0"/>
+              <a:t> </a:t>
+            </a:r>
+            <a:r>
+              <a:rPr lang="nl-NL" dirty="0" err="1" smtClean="0"/>
+              <a:t>to</a:t>
+            </a:r>
+            <a:r>
+              <a:rPr lang="nl-NL" dirty="0" smtClean="0"/>
+              <a:t> /</a:t>
+            </a:r>
+            <a:r>
+              <a:rPr lang="nl-NL" dirty="0" err="1" smtClean="0"/>
+              <a:t>opt</a:t>
+            </a:r>
+            <a:r>
+              <a:rPr lang="nl-NL" dirty="0" smtClean="0"/>
+              <a:t>/ros</a:t>
+            </a:r>
+            <a:r>
+              <a:rPr lang="nl-NL" dirty="0"/>
+              <a:t>/&lt;</a:t>
+            </a:r>
+            <a:r>
+              <a:rPr lang="nl-NL" dirty="0" err="1" smtClean="0"/>
+              <a:t>distribution</a:t>
+            </a:r>
+            <a:r>
+              <a:rPr lang="nl-NL" dirty="0" smtClean="0"/>
+              <a:t>&gt;/…</a:t>
+            </a:r>
+            <a:endParaRPr lang="nl-NL" dirty="0" smtClean="0"/>
           </a:p>
           <a:p>
             <a:pPr marL="457200" lvl="1" indent="0">
@@ -11171,8 +11190,16 @@
           <a:p>
             <a:pPr lvl="1"/>
             <a:r>
-              <a:rPr lang="nl-NL" dirty="0" smtClean="0"/>
-              <a:t>Download in </a:t>
+              <a:rPr lang="nl-NL" dirty="0" err="1" smtClean="0"/>
+              <a:t>Downloaded</a:t>
+            </a:r>
+            <a:r>
+              <a:rPr lang="nl-NL" dirty="0" smtClean="0"/>
+              <a:t> </a:t>
+            </a:r>
+            <a:r>
+              <a:rPr lang="nl-NL" dirty="0" smtClean="0"/>
+              <a:t>in </a:t>
             </a:r>
             <a:r>
               <a:rPr lang="nl-NL" dirty="0" err="1" smtClean="0"/>
@@ -11183,7 +11210,11 @@
               <a:t> </a:t>
             </a:r>
             <a:r>
-              <a:rPr lang="nl-NL" dirty="0" err="1" smtClean="0"/>
+              <a:rPr lang="nl-NL" dirty="0" err="1" smtClean="0">
+                <a:solidFill>
+                  <a:srgbClr val="0070C0"/>
+                </a:solidFill>
+              </a:rPr>
               <a:t>workspace</a:t>
             </a:r>
             <a:r>
@@ -11531,117 +11562,108 @@
             </a:r>
             <a:r>
               <a:rPr lang="en-GB" sz="2400" dirty="0"/>
+              <a:t>		</a:t>
+            </a:r>
+            <a:r>
+              <a:rPr lang="en-GB" sz="2400" dirty="0" smtClean="0"/>
+              <a:t>    		CMakeLists.txt</a:t>
+            </a:r>
+            <a:endParaRPr lang="en-GB" sz="2400" dirty="0"/>
+          </a:p>
+          <a:p>
+            <a:r>
+              <a:rPr lang="nl-NL" sz="2400" dirty="0"/>
+              <a:t>		</a:t>
+            </a:r>
+            <a:r>
+              <a:rPr lang="nl-NL" sz="2400" dirty="0" smtClean="0"/>
               <a:t>	</a:t>
+            </a:r>
+            <a:r>
+              <a:rPr lang="nl-NL" sz="2400" dirty="0" err="1" smtClean="0"/>
+              <a:t>src</a:t>
+            </a:r>
+            <a:r>
+              <a:rPr lang="nl-NL" sz="2400" dirty="0"/>
+              <a:t>/		</a:t>
+            </a:r>
+          </a:p>
+          <a:p>
+            <a:r>
+              <a:rPr lang="nl-NL" sz="2400" dirty="0"/>
+              <a:t>			</a:t>
+            </a:r>
+            <a:r>
+              <a:rPr lang="nl-NL" sz="2400" dirty="0" err="1"/>
+              <a:t>launch</a:t>
+            </a:r>
+            <a:r>
+              <a:rPr lang="nl-NL" sz="2400" dirty="0"/>
+              <a:t>/</a:t>
+            </a:r>
+          </a:p>
+          <a:p>
+            <a:r>
+              <a:rPr lang="nl-NL" sz="2400" dirty="0"/>
+              <a:t>			…</a:t>
+            </a:r>
+          </a:p>
+          <a:p>
+            <a:r>
+              <a:rPr lang="nl-NL" sz="2400" dirty="0"/>
+              <a:t>		</a:t>
+            </a:r>
+            <a:r>
+              <a:rPr lang="nl-NL" sz="2400" dirty="0" smtClean="0"/>
+              <a:t>…</a:t>
+            </a:r>
+            <a:endParaRPr lang="nl-NL" sz="2400" dirty="0"/>
+          </a:p>
+          <a:p>
+            <a:r>
+              <a:rPr lang="nl-NL" sz="2400" dirty="0"/>
+              <a:t>	</a:t>
+            </a:r>
+            <a:r>
+              <a:rPr lang="nl-NL" sz="2400" dirty="0" err="1"/>
+              <a:t>build</a:t>
+            </a:r>
+            <a:r>
+              <a:rPr lang="nl-NL" sz="2400" dirty="0"/>
+              <a:t>/</a:t>
+            </a:r>
+          </a:p>
+          <a:p>
+            <a:r>
+              <a:rPr lang="nl-NL" sz="2400" dirty="0"/>
+              <a:t>	</a:t>
+            </a:r>
+            <a:r>
+              <a:rPr lang="nl-NL" sz="2400" dirty="0" err="1"/>
+              <a:t>devel</a:t>
+            </a:r>
+            <a:r>
+              <a:rPr lang="nl-NL" sz="2400" dirty="0"/>
+              <a:t>/</a:t>
+            </a:r>
+          </a:p>
+          <a:p>
+            <a:r>
+              <a:rPr lang="nl-NL" sz="2400" dirty="0"/>
+              <a:t>	</a:t>
+            </a:r>
+            <a:r>
+              <a:rPr lang="nl-NL" sz="2400" dirty="0" err="1"/>
+              <a:t>install</a:t>
+            </a:r>
+            <a:r>
+              <a:rPr lang="nl-NL" sz="2400" dirty="0" smtClean="0"/>
+              <a:t>/</a:t>
             </a:r>
             <a:r>
               <a:rPr lang="en-GB" sz="2400" dirty="0"/>
               <a:t>	</a:t>
             </a:r>
-            <a:r>
-              <a:rPr lang="en-GB" sz="2400" dirty="0" smtClean="0"/>
-              <a:t>    		CMakeLists.txt</a:t>
-            </a:r>
-            <a:endParaRPr lang="en-GB" sz="2400" dirty="0"/>
-          </a:p>
-          <a:p>
-            <a:r>
-              <a:rPr lang="nl-NL" sz="2400" dirty="0"/>
-              <a:t>		</a:t>
-            </a:r>
-            <a:r>
-              <a:rPr lang="nl-NL" sz="2400" dirty="0" smtClean="0"/>
-              <a:t>	</a:t>
-            </a:r>
-            <a:r>
-              <a:rPr lang="nl-NL" sz="2400" dirty="0" err="1" smtClean="0"/>
-              <a:t>src</a:t>
-            </a:r>
-            <a:r>
-              <a:rPr lang="nl-NL" sz="2400" dirty="0"/>
-              <a:t>/		</a:t>
-            </a:r>
-          </a:p>
-          <a:p>
-            <a:r>
-              <a:rPr lang="nl-NL" sz="2400" dirty="0"/>
-              <a:t>	</a:t>
-            </a:r>
-            <a:r>
-              <a:rPr lang="nl-NL" sz="2400" dirty="0"/>
-              <a:t>		</a:t>
-            </a:r>
-            <a:r>
-              <a:rPr lang="nl-NL" sz="2400" dirty="0" err="1"/>
-              <a:t>launch</a:t>
-            </a:r>
-            <a:r>
-              <a:rPr lang="nl-NL" sz="2400" dirty="0"/>
-              <a:t>/</a:t>
-            </a:r>
-          </a:p>
-          <a:p>
-            <a:r>
-              <a:rPr lang="nl-NL" sz="2400" dirty="0"/>
-              <a:t>			…</a:t>
-            </a:r>
-          </a:p>
-          <a:p>
-            <a:r>
-              <a:rPr lang="nl-NL" sz="2400" dirty="0"/>
-              <a:t>		</a:t>
-            </a:r>
-            <a:r>
-              <a:rPr lang="nl-NL" sz="2400" dirty="0" smtClean="0"/>
-              <a:t>…</a:t>
-            </a:r>
-            <a:endParaRPr lang="nl-NL" sz="2400" dirty="0"/>
-          </a:p>
-          <a:p>
-            <a:r>
-              <a:rPr lang="nl-NL" sz="2400" dirty="0"/>
-              <a:t>	</a:t>
-            </a:r>
-            <a:r>
-              <a:rPr lang="nl-NL" sz="2400" dirty="0" err="1"/>
-              <a:t>build</a:t>
-            </a:r>
-            <a:r>
-              <a:rPr lang="nl-NL" sz="2400" dirty="0"/>
-              <a:t>/</a:t>
-            </a:r>
-          </a:p>
-          <a:p>
-            <a:r>
-              <a:rPr lang="nl-NL" sz="2400" dirty="0"/>
-              <a:t>	</a:t>
-            </a:r>
-            <a:r>
-              <a:rPr lang="nl-NL" sz="2400" dirty="0" err="1"/>
-              <a:t>devel</a:t>
-            </a:r>
-            <a:r>
-              <a:rPr lang="nl-NL" sz="2400" dirty="0"/>
-              <a:t>/</a:t>
-            </a:r>
-          </a:p>
-          <a:p>
-            <a:r>
-              <a:rPr lang="nl-NL" sz="2400" dirty="0"/>
-              <a:t>	</a:t>
-            </a:r>
-            <a:r>
-              <a:rPr lang="nl-NL" sz="2400" dirty="0" err="1"/>
-              <a:t>install</a:t>
-            </a:r>
-            <a:r>
-              <a:rPr lang="nl-NL" sz="2400" dirty="0" smtClean="0"/>
-              <a:t>/</a:t>
-            </a:r>
-            <a:r>
-              <a:rPr lang="en-GB" sz="2400" dirty="0"/>
-              <a:t>	</a:t>
-            </a:r>
-            <a:endParaRPr lang="en-GB" sz="2400" dirty="0"/>
           </a:p>
         </p:txBody>
       </p:sp>
@@ -11766,7 +11788,12 @@
             <p:ph idx="1"/>
           </p:nvPr>
         </p:nvSpPr>
-        <p:spPr/>
+        <p:spPr>
+          <a:xfrm>
+            <a:off x="457200" y="1600200"/>
+            <a:ext cx="8579296" cy="4525963"/>
+          </a:xfrm>
+        </p:spPr>
         <p:txBody>
           <a:bodyPr>
             <a:normAutofit/>
@@ -11897,8 +11924,24 @@
           </a:p>
           <a:p>
             <a:r>
+              <a:rPr lang="nl-NL" dirty="0"/>
+              <a:t>D</a:t>
+            </a:r>
+            <a:r>
+              <a:rPr lang="nl-NL" dirty="0" smtClean="0"/>
+              <a:t>rive </a:t>
+            </a:r>
+            <a:r>
+              <a:rPr lang="nl-NL" dirty="0" smtClean="0"/>
+              <a:t>a mobile </a:t>
+            </a:r>
+            <a:r>
+              <a:rPr lang="nl-NL" dirty="0" smtClean="0"/>
+              <a:t>robot </a:t>
+            </a:r>
+            <a:r>
               <a:rPr lang="nl-NL" dirty="0" err="1" smtClean="0"/>
-              <a:t>Learn</a:t>
+              <a:t>and</a:t>
             </a:r>
             <a:r>
               <a:rPr lang="nl-NL" dirty="0" smtClean="0"/>
@@ -11906,7 +11949,7 @@
             </a:r>
             <a:r>
               <a:rPr lang="nl-NL" dirty="0" err="1" smtClean="0"/>
-              <a:t>how</a:t>
+              <a:t>use</a:t>
             </a:r>
             <a:r>
               <a:rPr lang="nl-NL" dirty="0" smtClean="0"/>
@@ -11914,19 +11957,15 @@
             </a:r>
             <a:r>
               <a:rPr lang="nl-NL" dirty="0" err="1" smtClean="0"/>
-              <a:t>to</a:t>
-            </a:r>
-            <a:r>
-              <a:rPr lang="nl-NL" dirty="0" smtClean="0"/>
-              <a:t> drive a </a:t>
-            </a:r>
-            <a:r>
-              <a:rPr lang="nl-NL" dirty="0" smtClean="0"/>
-              <a:t>mobile </a:t>
-            </a:r>
-            <a:r>
-              <a:rPr lang="nl-NL" dirty="0" smtClean="0"/>
-              <a:t>robot</a:t>
+              <a:t>its</a:t>
+            </a:r>
+            <a:r>
+              <a:rPr lang="nl-NL" dirty="0" smtClean="0"/>
+              <a:t> </a:t>
+            </a:r>
+            <a:r>
+              <a:rPr lang="nl-NL" dirty="0" smtClean="0"/>
+              <a:t>camera</a:t>
             </a:r>
             <a:endParaRPr lang="en-GB" dirty="0"/>
           </a:p>
@@ -14059,7 +14098,6 @@
               <a:rPr lang="nl-NL" dirty="0" smtClean="0"/>
               <a:t>:</a:t>
             </a:r>
-            <a:endParaRPr lang="nl-NL" dirty="0" smtClean="0"/>
           </a:p>
           <a:p>
             <a:pPr lvl="1"/>
@@ -14067,7 +14105,6 @@
               <a:rPr lang="nl-NL" dirty="0" smtClean="0"/>
               <a:t>Mobile robot</a:t>
             </a:r>
-            <a:endParaRPr lang="nl-NL" dirty="0" smtClean="0"/>
           </a:p>
           <a:p>
             <a:pPr lvl="2"/>
@@ -14083,21 +14120,12 @@
               <a:rPr lang="nl-NL" dirty="0" smtClean="0"/>
               <a:t>ontroller</a:t>
             </a:r>
-            <a:endParaRPr lang="nl-NL" dirty="0" smtClean="0"/>
           </a:p>
           <a:p>
             <a:pPr lvl="2"/>
             <a:r>
               <a:rPr lang="nl-NL" dirty="0" smtClean="0"/>
-              <a:t>On-board </a:t>
-            </a:r>
-            <a:r>
-              <a:rPr lang="nl-NL" dirty="0" smtClean="0"/>
-              <a:t>Laptop running </a:t>
-            </a:r>
-            <a:r>
-              <a:rPr lang="nl-NL" dirty="0" smtClean="0"/>
-              <a:t>ROS, </a:t>
+              <a:t>On-board Laptop running ROS, </a:t>
             </a:r>
             <a:br>
               <a:rPr lang="nl-NL" dirty="0" smtClean="0"/>
@@ -14141,7 +14169,6 @@
               <a:rPr lang="nl-NL" dirty="0" smtClean="0"/>
               <a:t> Laptop</a:t>
             </a:r>
-            <a:endParaRPr lang="nl-NL" dirty="0" smtClean="0"/>
           </a:p>
           <a:p>
             <a:pPr lvl="1"/>
@@ -14667,11 +14694,7 @@
             </a:br>
             <a:r>
               <a:rPr lang="en-US" dirty="0" smtClean="0"/>
-              <a:t>fieldtype2 </a:t>
-            </a:r>
-            <a:r>
-              <a:rPr lang="en-US" dirty="0" smtClean="0"/>
-              <a:t>fieldname2</a:t>
+              <a:t>fieldtype2 fieldname2</a:t>
             </a:r>
             <a:br>
               <a:rPr lang="en-US" dirty="0" smtClean="0"/>
@@ -14680,10 +14703,6 @@
               <a:rPr lang="en-US" dirty="0" smtClean="0"/>
               <a:t>fieldtype3 fieldname3</a:t>
             </a:r>
-            <a:r>
-              <a:rPr lang="en-US" dirty="0" smtClean="0"/>
-              <a:t/>
-            </a:r>
             <a:br>
               <a:rPr lang="en-US" dirty="0" smtClean="0"/>
             </a:br>
@@ -14691,7 +14710,6 @@
               <a:rPr lang="en-US" dirty="0" smtClean="0"/>
               <a:t>…</a:t>
             </a:r>
-            <a:endParaRPr lang="en-US" dirty="0" smtClean="0"/>
           </a:p>
         </p:txBody>
       </p:sp>
@@ -15076,7 +15094,7 @@
         </p:nvSpPr>
         <p:spPr bwMode="auto">
           <a:xfrm>
-            <a:off x="1043608" y="3831431"/>
+            <a:off x="971600" y="3816336"/>
             <a:ext cx="2993127" cy="461665"/>
           </a:xfrm>
           <a:prstGeom prst="rect">
@@ -15119,7 +15137,7 @@
                   <a:noFill/>
                 </a:ln>
                 <a:solidFill>
-                  <a:srgbClr val="FF0000"/>
+                  <a:srgbClr val="0070C0"/>
                 </a:solidFill>
                 <a:effectLst/>
                 <a:latin typeface="courier"/>
@@ -15133,7 +15151,7 @@
                   <a:noFill/>
                 </a:ln>
                 <a:solidFill>
-                  <a:srgbClr val="FF0000"/>
+                  <a:srgbClr val="0070C0"/>
                 </a:solidFill>
                 <a:effectLst/>
                 <a:latin typeface="Arial" pitchFamily="34" charset="0"/>
@@ -15146,7 +15164,7 @@
                 <a:noFill/>
               </a:ln>
               <a:solidFill>
-                <a:srgbClr val="FF0000"/>
+                <a:srgbClr val="0070C0"/>
               </a:solidFill>
               <a:effectLst/>
               <a:latin typeface="Arial" pitchFamily="34" charset="0"/>
@@ -15260,7 +15278,42 @@
             </a:r>
             <a:r>
               <a:rPr lang="nl-NL" dirty="0" smtClean="0"/>
-              <a:t>ROS packages</a:t>
+              <a:t>ROS </a:t>
+            </a:r>
+            <a:r>
+              <a:rPr lang="nl-NL" dirty="0" smtClean="0"/>
+              <a:t>packages</a:t>
+            </a:r>
+          </a:p>
+          <a:p>
+            <a:pPr lvl="1"/>
+            <a:r>
+              <a:rPr lang="nl-NL"/>
+              <a:t>&gt;</a:t>
+            </a:r>
+            <a:r>
+              <a:rPr lang="nl-NL" smtClean="0"/>
+              <a:t> </a:t>
+            </a:r>
+            <a:r>
+              <a:rPr lang="nl-NL" dirty="0" smtClean="0"/>
+              <a:t>2000 ready-</a:t>
+            </a:r>
+            <a:r>
+              <a:rPr lang="nl-NL" dirty="0" err="1" smtClean="0"/>
+              <a:t>to</a:t>
+            </a:r>
+            <a:r>
+              <a:rPr lang="nl-NL" dirty="0" smtClean="0"/>
+              <a:t>-</a:t>
+            </a:r>
+            <a:r>
+              <a:rPr lang="nl-NL" dirty="0" err="1" smtClean="0"/>
+              <a:t>use</a:t>
+            </a:r>
+            <a:r>
+              <a:rPr lang="nl-NL" dirty="0" smtClean="0"/>
+              <a:t> packages</a:t>
             </a:r>
             <a:endParaRPr lang="en-GB" dirty="0"/>
           </a:p>
@@ -15358,8 +15411,8 @@
         </p:blipFill>
         <p:spPr bwMode="auto">
           <a:xfrm>
-            <a:off x="1691680" y="2492896"/>
-            <a:ext cx="5715000" cy="3524251"/>
+            <a:off x="2195736" y="2803731"/>
+            <a:ext cx="5210944" cy="3213416"/>
           </a:xfrm>
           <a:prstGeom prst="rect">
             <a:avLst/>
@@ -15724,6 +15777,45 @@
           </a:ln>
         </p:spPr>
       </p:pic>
+      <p:sp>
+        <p:nvSpPr>
+          <p:cNvPr id="3" name="Tekstvak 2"/>
+          <p:cNvSpPr txBox="1"/>
+          <p:nvPr/>
+        </p:nvSpPr>
+        <p:spPr>
+          <a:xfrm>
+            <a:off x="3275856" y="1340768"/>
+            <a:ext cx="2780911" cy="461665"/>
+          </a:xfrm>
+          <a:prstGeom prst="rect">
+            <a:avLst/>
+          </a:prstGeom>
+          <a:noFill/>
+        </p:spPr>
+        <p:txBody>
+          <a:bodyPr wrap="square" rtlCol="0">
+            <a:spAutoFit/>
+          </a:bodyPr>
+          <a:lstStyle/>
+          <a:p>
+            <a:pPr algn="ctr"/>
+            <a:r>
+              <a:rPr lang="nl-NL" sz="2400" b="1" dirty="0" smtClean="0">
+                <a:solidFill>
+                  <a:srgbClr val="0070C0"/>
+                </a:solidFill>
+              </a:rPr>
+              <a:t>Parameter Server</a:t>
+            </a:r>
+            <a:endParaRPr lang="en-GB" sz="2400" b="1" dirty="0">
+              <a:solidFill>
+                <a:srgbClr val="0070C0"/>
+              </a:solidFill>
+            </a:endParaRPr>
+          </a:p>
+        </p:txBody>
+      </p:sp>
     </p:spTree>
     <p:extLst>
       <p:ext uri="{BB962C8B-B14F-4D97-AF65-F5344CB8AC3E}">
@@ -16314,350 +16406,6 @@
       </p:grpSpPr>
       <p:sp>
         <p:nvSpPr>
-          <p:cNvPr id="7" name="Titel 6"/>
-          <p:cNvSpPr>
-            <a:spLocks noGrp="1"/>
-          </p:cNvSpPr>
-          <p:nvPr>
-            <p:ph type="title"/>
-          </p:nvPr>
-        </p:nvSpPr>
-        <p:spPr/>
-        <p:txBody>
-          <a:bodyPr/>
-          <a:lstStyle/>
-          <a:p>
-            <a:r>
-              <a:rPr lang="nl-NL" dirty="0" smtClean="0"/>
-              <a:t>Running a ROS node</a:t>
-            </a:r>
-            <a:endParaRPr lang="en-GB" dirty="0"/>
-          </a:p>
-        </p:txBody>
-      </p:sp>
-      <p:sp>
-        <p:nvSpPr>
-          <p:cNvPr id="8" name="Tijdelijke aanduiding voor inhoud 7"/>
-          <p:cNvSpPr>
-            <a:spLocks noGrp="1"/>
-          </p:cNvSpPr>
-          <p:nvPr>
-            <p:ph idx="1"/>
-          </p:nvPr>
-        </p:nvSpPr>
-        <p:spPr/>
-        <p:txBody>
-          <a:bodyPr/>
-          <a:lstStyle/>
-          <a:p>
-            <a:r>
-              <a:rPr lang="nl-NL" dirty="0">
-                <a:solidFill>
-                  <a:schemeClr val="tx2"/>
-                </a:solidFill>
-              </a:rPr>
-              <a:t>s</a:t>
-            </a:r>
-            <a:r>
-              <a:rPr lang="nl-NL" dirty="0" smtClean="0">
-                <a:solidFill>
-                  <a:schemeClr val="tx2"/>
-                </a:solidFill>
-              </a:rPr>
-              <a:t>ource ~/</a:t>
-            </a:r>
-            <a:r>
-              <a:rPr lang="nl-NL" i="1" dirty="0" smtClean="0">
-                <a:solidFill>
-                  <a:schemeClr val="tx2"/>
-                </a:solidFill>
-              </a:rPr>
-              <a:t>&lt;</a:t>
-            </a:r>
-            <a:r>
-              <a:rPr lang="nl-NL" i="1" dirty="0" err="1" smtClean="0">
-                <a:solidFill>
-                  <a:schemeClr val="tx2"/>
-                </a:solidFill>
-              </a:rPr>
-              <a:t>workspace</a:t>
-            </a:r>
-            <a:r>
-              <a:rPr lang="nl-NL" i="1" dirty="0" smtClean="0">
-                <a:solidFill>
-                  <a:schemeClr val="tx2"/>
-                </a:solidFill>
-              </a:rPr>
-              <a:t>&gt;</a:t>
-            </a:r>
-            <a:r>
-              <a:rPr lang="nl-NL" dirty="0" smtClean="0">
-                <a:solidFill>
-                  <a:schemeClr val="tx2"/>
-                </a:solidFill>
-              </a:rPr>
-              <a:t>/</a:t>
-            </a:r>
-            <a:r>
-              <a:rPr lang="nl-NL" dirty="0" err="1" smtClean="0">
-                <a:solidFill>
-                  <a:schemeClr val="tx2"/>
-                </a:solidFill>
-              </a:rPr>
-              <a:t>devel</a:t>
-            </a:r>
-            <a:r>
-              <a:rPr lang="nl-NL" dirty="0" smtClean="0">
-                <a:solidFill>
-                  <a:schemeClr val="tx2"/>
-                </a:solidFill>
-              </a:rPr>
-              <a:t>/</a:t>
-            </a:r>
-            <a:r>
-              <a:rPr lang="nl-NL" dirty="0" err="1" smtClean="0">
-                <a:solidFill>
-                  <a:schemeClr val="tx2"/>
-                </a:solidFill>
-              </a:rPr>
-              <a:t>setup.bash</a:t>
-            </a:r>
-            <a:endParaRPr lang="nl-NL" dirty="0" smtClean="0">
-              <a:solidFill>
-                <a:schemeClr val="tx2"/>
-              </a:solidFill>
-            </a:endParaRPr>
-          </a:p>
-          <a:p>
-            <a:pPr lvl="1"/>
-            <a:r>
-              <a:rPr lang="nl-NL" dirty="0" smtClean="0"/>
-              <a:t>set </a:t>
-            </a:r>
-            <a:r>
-              <a:rPr lang="nl-NL" dirty="0" err="1" smtClean="0"/>
-              <a:t>workspace</a:t>
-            </a:r>
-            <a:endParaRPr lang="nl-NL" dirty="0" smtClean="0"/>
-          </a:p>
-          <a:p>
-            <a:pPr lvl="1"/>
-            <a:endParaRPr lang="nl-NL" dirty="0" smtClean="0"/>
-          </a:p>
-          <a:p>
-            <a:r>
-              <a:rPr lang="nl-NL" dirty="0" err="1">
-                <a:solidFill>
-                  <a:schemeClr val="tx2"/>
-                </a:solidFill>
-              </a:rPr>
-              <a:t>r</a:t>
-            </a:r>
-            <a:r>
-              <a:rPr lang="nl-NL" dirty="0" err="1" smtClean="0">
-                <a:solidFill>
-                  <a:schemeClr val="tx2"/>
-                </a:solidFill>
-              </a:rPr>
-              <a:t>oscore</a:t>
-            </a:r>
-            <a:endParaRPr lang="nl-NL" dirty="0" smtClean="0">
-              <a:solidFill>
-                <a:schemeClr val="tx2"/>
-              </a:solidFill>
-            </a:endParaRPr>
-          </a:p>
-          <a:p>
-            <a:pPr lvl="1"/>
-            <a:r>
-              <a:rPr lang="nl-NL" dirty="0" smtClean="0"/>
-              <a:t>start the ROS Master</a:t>
-            </a:r>
-          </a:p>
-          <a:p>
-            <a:pPr lvl="1"/>
-            <a:endParaRPr lang="nl-NL" dirty="0" smtClean="0"/>
-          </a:p>
-          <a:p>
-            <a:r>
-              <a:rPr lang="nl-NL" dirty="0" err="1" smtClean="0">
-                <a:solidFill>
-                  <a:schemeClr val="tx2"/>
-                </a:solidFill>
-              </a:rPr>
-              <a:t>rosrun</a:t>
-            </a:r>
-            <a:r>
-              <a:rPr lang="nl-NL" dirty="0" smtClean="0">
-                <a:solidFill>
-                  <a:schemeClr val="tx2"/>
-                </a:solidFill>
-              </a:rPr>
-              <a:t> </a:t>
-            </a:r>
-            <a:r>
-              <a:rPr lang="nl-NL" i="1" dirty="0" smtClean="0">
-                <a:solidFill>
-                  <a:schemeClr val="tx2"/>
-                </a:solidFill>
-              </a:rPr>
-              <a:t>&lt;package&gt; &lt;</a:t>
-            </a:r>
-            <a:r>
-              <a:rPr lang="nl-NL" i="1" dirty="0" err="1" smtClean="0">
-                <a:solidFill>
-                  <a:schemeClr val="tx2"/>
-                </a:solidFill>
-              </a:rPr>
-              <a:t>node_name</a:t>
-            </a:r>
-            <a:r>
-              <a:rPr lang="nl-NL" i="1" dirty="0" smtClean="0">
-                <a:solidFill>
-                  <a:schemeClr val="tx2"/>
-                </a:solidFill>
-              </a:rPr>
-              <a:t>&gt;</a:t>
-            </a:r>
-          </a:p>
-          <a:p>
-            <a:pPr lvl="1"/>
-            <a:r>
-              <a:rPr lang="nl-NL" dirty="0"/>
-              <a:t>s</a:t>
-            </a:r>
-            <a:r>
-              <a:rPr lang="nl-NL" dirty="0" smtClean="0"/>
-              <a:t>tart the node (</a:t>
-            </a:r>
-            <a:r>
-              <a:rPr lang="nl-NL" dirty="0" err="1" smtClean="0"/>
-              <a:t>and</a:t>
-            </a:r>
-            <a:r>
-              <a:rPr lang="nl-NL" dirty="0" smtClean="0"/>
-              <a:t> </a:t>
-            </a:r>
-            <a:r>
-              <a:rPr lang="nl-NL" dirty="0" err="1" smtClean="0"/>
-              <a:t>its</a:t>
-            </a:r>
-            <a:r>
-              <a:rPr lang="nl-NL" dirty="0" smtClean="0"/>
-              <a:t> topics)</a:t>
-            </a:r>
-            <a:endParaRPr lang="en-GB" dirty="0"/>
-          </a:p>
-        </p:txBody>
-      </p:sp>
-      <p:sp>
-        <p:nvSpPr>
-          <p:cNvPr id="4" name="Tijdelijke aanduiding voor datum 3"/>
-          <p:cNvSpPr>
-            <a:spLocks noGrp="1"/>
-          </p:cNvSpPr>
-          <p:nvPr>
-            <p:ph type="dt" sz="half" idx="10"/>
-          </p:nvPr>
-        </p:nvSpPr>
-        <p:spPr/>
-        <p:txBody>
-          <a:bodyPr/>
-          <a:lstStyle/>
-          <a:p>
-            <a:r>
-              <a:rPr lang="en-US" smtClean="0"/>
-              <a:t>23-4-2015</a:t>
-            </a:r>
-            <a:endParaRPr lang="nl-NL"/>
-          </a:p>
-        </p:txBody>
-      </p:sp>
-      <p:sp>
-        <p:nvSpPr>
-          <p:cNvPr id="5" name="Tijdelijke aanduiding voor voettekst 4"/>
-          <p:cNvSpPr>
-            <a:spLocks noGrp="1"/>
-          </p:cNvSpPr>
-          <p:nvPr>
-            <p:ph type="ftr" sz="quarter" idx="11"/>
-          </p:nvPr>
-        </p:nvSpPr>
-        <p:spPr/>
-        <p:txBody>
-          <a:bodyPr/>
-          <a:lstStyle/>
-          <a:p>
-            <a:r>
-              <a:rPr lang="nl-NL" smtClean="0"/>
-              <a:t>Eric Dortmans / Fontys Hogeschool ICT</a:t>
-            </a:r>
-            <a:endParaRPr lang="nl-NL"/>
-          </a:p>
-        </p:txBody>
-      </p:sp>
-      <p:sp>
-        <p:nvSpPr>
-          <p:cNvPr id="6" name="Tijdelijke aanduiding voor dianummer 5"/>
-          <p:cNvSpPr>
-            <a:spLocks noGrp="1"/>
-          </p:cNvSpPr>
-          <p:nvPr>
-            <p:ph type="sldNum" sz="quarter" idx="12"/>
-          </p:nvPr>
-        </p:nvSpPr>
-        <p:spPr/>
-        <p:txBody>
-          <a:bodyPr/>
-          <a:lstStyle/>
-          <a:p>
-            <a:fld id="{A9096D49-DAE3-40DE-93E0-41688E0A5016}" type="slidenum">
-              <a:rPr lang="nl-NL" smtClean="0"/>
-              <a:t>34</a:t>
-            </a:fld>
-            <a:endParaRPr lang="nl-NL"/>
-          </a:p>
-        </p:txBody>
-      </p:sp>
-    </p:spTree>
-    <p:extLst>
-      <p:ext uri="{BB962C8B-B14F-4D97-AF65-F5344CB8AC3E}">
-        <p14:creationId xmlns:p14="http://schemas.microsoft.com/office/powerpoint/2010/main" val="3996014260"/>
-      </p:ext>
-    </p:extLst>
-  </p:cSld>
-  <p:clrMapOvr>
-    <a:masterClrMapping/>
-  </p:clrMapOvr>
-  <p:timing>
-    <p:tnLst>
-      <p:par>
-        <p:cTn id="1" dur="indefinite" restart="never" nodeType="tmRoot"/>
-      </p:par>
-    </p:tnLst>
-  </p:timing>
-</p:sld>
-</file>
-
-<file path=ppt/slides/slide35.xml><?xml version="1.0" encoding="utf-8"?>
-<p:sld xmlns:a="http://schemas.openxmlformats.org/drawingml/2006/main" xmlns:r="http://schemas.openxmlformats.org/officeDocument/2006/relationships" xmlns:p="http://schemas.openxmlformats.org/presentationml/2006/main">
-  <p:cSld>
-    <p:spTree>
-      <p:nvGrpSpPr>
-        <p:cNvPr id="1" name=""/>
-        <p:cNvGrpSpPr/>
-        <p:nvPr/>
-      </p:nvGrpSpPr>
-      <p:grpSpPr>
-        <a:xfrm>
-          <a:off x="0" y="0"/>
-          <a:ext cx="0" cy="0"/>
-          <a:chOff x="0" y="0"/>
-          <a:chExt cx="0" cy="0"/>
-        </a:xfrm>
-      </p:grpSpPr>
-      <p:sp>
-        <p:nvSpPr>
           <p:cNvPr id="2" name="Titel 1"/>
           <p:cNvSpPr>
             <a:spLocks noGrp="1"/>
@@ -16784,12 +16532,8 @@
           <a:p>
             <a:pPr algn="ctr"/>
             <a:r>
-              <a:rPr lang="nl-NL" sz="2800" dirty="0" err="1"/>
-              <a:t>y</a:t>
-            </a:r>
-            <a:r>
               <a:rPr lang="nl-NL" sz="2800" dirty="0" err="1" smtClean="0"/>
-              <a:t>our_workspace</a:t>
+              <a:t>workspace</a:t>
             </a:r>
             <a:endParaRPr lang="en-GB" sz="2800" dirty="0"/>
           </a:p>
@@ -16868,47 +16612,38 @@
       </p:cxnSp>
       <p:sp>
         <p:nvSpPr>
-          <p:cNvPr id="15" name="Tekstvak 14"/>
-          <p:cNvSpPr txBox="1"/>
+          <p:cNvPr id="4" name="Rechthoek 3"/>
+          <p:cNvSpPr/>
           <p:nvPr/>
         </p:nvSpPr>
         <p:spPr>
           <a:xfrm>
-            <a:off x="1835696" y="1758396"/>
-            <a:ext cx="5832648" cy="523220"/>
+            <a:off x="3105174" y="1701284"/>
+            <a:ext cx="3008259" cy="461665"/>
           </a:xfrm>
           <a:prstGeom prst="rect">
             <a:avLst/>
           </a:prstGeom>
-          <a:noFill/>
         </p:spPr>
         <p:txBody>
-          <a:bodyPr wrap="square" rtlCol="0">
+          <a:bodyPr wrap="none">
             <a:spAutoFit/>
           </a:bodyPr>
           <a:lstStyle/>
           <a:p>
-            <a:pPr algn="ctr"/>
-            <a:r>
-              <a:rPr lang="nl-NL" sz="2800" dirty="0" err="1"/>
-              <a:t>rosrun</a:t>
-            </a:r>
-            <a:r>
-              <a:rPr lang="nl-NL" sz="2800" dirty="0"/>
-              <a:t> </a:t>
-            </a:r>
-            <a:r>
-              <a:rPr lang="nl-NL" sz="2800" i="1" dirty="0"/>
-              <a:t>&lt;package&gt; &lt;</a:t>
-            </a:r>
-            <a:r>
-              <a:rPr lang="nl-NL" sz="2800" i="1" dirty="0" err="1"/>
-              <a:t>node_name</a:t>
-            </a:r>
-            <a:r>
-              <a:rPr lang="nl-NL" sz="2800" i="1" dirty="0"/>
-              <a:t>&gt;</a:t>
-            </a:r>
+            <a:r>
+              <a:rPr lang="en-GB" sz="2400" b="1" dirty="0" smtClean="0">
+                <a:solidFill>
+                  <a:srgbClr val="0070C0"/>
+                </a:solidFill>
+              </a:rPr>
+              <a:t>$ROS_PACKAGE_PATH</a:t>
+            </a:r>
+            <a:endParaRPr lang="en-GB" sz="2400" b="1" dirty="0">
+              <a:solidFill>
+                <a:srgbClr val="0070C0"/>
+              </a:solidFill>
+            </a:endParaRPr>
           </a:p>
         </p:txBody>
       </p:sp>
@@ -16916,6 +16651,370 @@
     <p:extLst>
       <p:ext uri="{BB962C8B-B14F-4D97-AF65-F5344CB8AC3E}">
         <p14:creationId xmlns:p14="http://schemas.microsoft.com/office/powerpoint/2010/main" val="2207272079"/>
+      </p:ext>
+    </p:extLst>
+  </p:cSld>
+  <p:clrMapOvr>
+    <a:masterClrMapping/>
+  </p:clrMapOvr>
+  <p:timing>
+    <p:tnLst>
+      <p:par>
+        <p:cTn id="1" dur="indefinite" restart="never" nodeType="tmRoot"/>
+      </p:par>
+    </p:tnLst>
+  </p:timing>
+</p:sld>
+</file>
+
+<file path=ppt/slides/slide35.xml><?xml version="1.0" encoding="utf-8"?>
+<p:sld xmlns:a="http://schemas.openxmlformats.org/drawingml/2006/main" xmlns:r="http://schemas.openxmlformats.org/officeDocument/2006/relationships" xmlns:p="http://schemas.openxmlformats.org/presentationml/2006/main">
+  <p:cSld>
+    <p:spTree>
+      <p:nvGrpSpPr>
+        <p:cNvPr id="1" name=""/>
+        <p:cNvGrpSpPr/>
+        <p:nvPr/>
+      </p:nvGrpSpPr>
+      <p:grpSpPr>
+        <a:xfrm>
+          <a:off x="0" y="0"/>
+          <a:ext cx="0" cy="0"/>
+          <a:chOff x="0" y="0"/>
+          <a:chExt cx="0" cy="0"/>
+        </a:xfrm>
+      </p:grpSpPr>
+      <p:sp>
+        <p:nvSpPr>
+          <p:cNvPr id="7" name="Titel 6"/>
+          <p:cNvSpPr>
+            <a:spLocks noGrp="1"/>
+          </p:cNvSpPr>
+          <p:nvPr>
+            <p:ph type="title"/>
+          </p:nvPr>
+        </p:nvSpPr>
+        <p:spPr/>
+        <p:txBody>
+          <a:bodyPr/>
+          <a:lstStyle/>
+          <a:p>
+            <a:r>
+              <a:rPr lang="nl-NL" dirty="0" smtClean="0"/>
+              <a:t>Running a ROS node</a:t>
+            </a:r>
+            <a:endParaRPr lang="en-GB" dirty="0"/>
+          </a:p>
+        </p:txBody>
+      </p:sp>
+      <p:sp>
+        <p:nvSpPr>
+          <p:cNvPr id="8" name="Tijdelijke aanduiding voor inhoud 7"/>
+          <p:cNvSpPr>
+            <a:spLocks noGrp="1"/>
+          </p:cNvSpPr>
+          <p:nvPr>
+            <p:ph idx="1"/>
+          </p:nvPr>
+        </p:nvSpPr>
+        <p:spPr/>
+        <p:txBody>
+          <a:bodyPr/>
+          <a:lstStyle/>
+          <a:p>
+            <a:r>
+              <a:rPr lang="nl-NL" dirty="0">
+                <a:solidFill>
+                  <a:schemeClr val="tx2"/>
+                </a:solidFill>
+              </a:rPr>
+              <a:t>s</a:t>
+            </a:r>
+            <a:r>
+              <a:rPr lang="nl-NL" dirty="0" smtClean="0">
+                <a:solidFill>
+                  <a:schemeClr val="tx2"/>
+                </a:solidFill>
+              </a:rPr>
+              <a:t>ource ~/</a:t>
+            </a:r>
+            <a:r>
+              <a:rPr lang="nl-NL" i="1" dirty="0" smtClean="0">
+                <a:solidFill>
+                  <a:schemeClr val="tx2"/>
+                </a:solidFill>
+              </a:rPr>
+              <a:t>&lt;</a:t>
+            </a:r>
+            <a:r>
+              <a:rPr lang="nl-NL" i="1" dirty="0" err="1" smtClean="0">
+                <a:solidFill>
+                  <a:schemeClr val="tx2"/>
+                </a:solidFill>
+              </a:rPr>
+              <a:t>workspace</a:t>
+            </a:r>
+            <a:r>
+              <a:rPr lang="nl-NL" i="1" dirty="0" smtClean="0">
+                <a:solidFill>
+                  <a:schemeClr val="tx2"/>
+                </a:solidFill>
+              </a:rPr>
+              <a:t>&gt;</a:t>
+            </a:r>
+            <a:r>
+              <a:rPr lang="nl-NL" dirty="0" smtClean="0">
+                <a:solidFill>
+                  <a:schemeClr val="tx2"/>
+                </a:solidFill>
+              </a:rPr>
+              <a:t>/</a:t>
+            </a:r>
+            <a:r>
+              <a:rPr lang="nl-NL" dirty="0" err="1" smtClean="0">
+                <a:solidFill>
+                  <a:schemeClr val="tx2"/>
+                </a:solidFill>
+              </a:rPr>
+              <a:t>devel</a:t>
+            </a:r>
+            <a:r>
+              <a:rPr lang="nl-NL" dirty="0" smtClean="0">
+                <a:solidFill>
+                  <a:schemeClr val="tx2"/>
+                </a:solidFill>
+              </a:rPr>
+              <a:t>/</a:t>
+            </a:r>
+            <a:r>
+              <a:rPr lang="nl-NL" dirty="0" err="1" smtClean="0">
+                <a:solidFill>
+                  <a:schemeClr val="tx2"/>
+                </a:solidFill>
+              </a:rPr>
+              <a:t>setup.bash</a:t>
+            </a:r>
+            <a:endParaRPr lang="nl-NL" dirty="0" smtClean="0">
+              <a:solidFill>
+                <a:schemeClr val="tx2"/>
+              </a:solidFill>
+            </a:endParaRPr>
+          </a:p>
+          <a:p>
+            <a:pPr lvl="1"/>
+            <a:r>
+              <a:rPr lang="nl-NL" dirty="0" smtClean="0"/>
+              <a:t>set </a:t>
+            </a:r>
+            <a:r>
+              <a:rPr lang="nl-NL" dirty="0" smtClean="0"/>
+              <a:t>search </a:t>
+            </a:r>
+            <a:r>
+              <a:rPr lang="nl-NL" dirty="0" err="1" smtClean="0"/>
+              <a:t>path</a:t>
+            </a:r>
+            <a:r>
+              <a:rPr lang="nl-NL" dirty="0" smtClean="0"/>
+              <a:t> </a:t>
+            </a:r>
+            <a:r>
+              <a:rPr lang="nl-NL" dirty="0" err="1" smtClean="0"/>
+              <a:t>to</a:t>
+            </a:r>
+            <a:r>
+              <a:rPr lang="nl-NL" dirty="0" smtClean="0"/>
+              <a:t> start at </a:t>
+            </a:r>
+            <a:r>
+              <a:rPr lang="nl-NL" i="1" dirty="0" err="1" smtClean="0"/>
+              <a:t>workspace</a:t>
+            </a:r>
+            <a:endParaRPr lang="nl-NL" i="1" dirty="0" smtClean="0"/>
+          </a:p>
+          <a:p>
+            <a:pPr lvl="1"/>
+            <a:endParaRPr lang="nl-NL" dirty="0" smtClean="0"/>
+          </a:p>
+          <a:p>
+            <a:r>
+              <a:rPr lang="nl-NL" dirty="0" err="1">
+                <a:solidFill>
+                  <a:schemeClr val="tx2"/>
+                </a:solidFill>
+              </a:rPr>
+              <a:t>r</a:t>
+            </a:r>
+            <a:r>
+              <a:rPr lang="nl-NL" dirty="0" err="1" smtClean="0">
+                <a:solidFill>
+                  <a:schemeClr val="tx2"/>
+                </a:solidFill>
+              </a:rPr>
+              <a:t>oscore</a:t>
+            </a:r>
+            <a:endParaRPr lang="nl-NL" dirty="0" smtClean="0">
+              <a:solidFill>
+                <a:schemeClr val="tx2"/>
+              </a:solidFill>
+            </a:endParaRPr>
+          </a:p>
+          <a:p>
+            <a:pPr lvl="1"/>
+            <a:r>
+              <a:rPr lang="nl-NL" dirty="0" smtClean="0"/>
+              <a:t>start the ROS Master</a:t>
+            </a:r>
+          </a:p>
+          <a:p>
+            <a:pPr lvl="1"/>
+            <a:endParaRPr lang="nl-NL" dirty="0" smtClean="0"/>
+          </a:p>
+          <a:p>
+            <a:r>
+              <a:rPr lang="nl-NL" dirty="0" err="1" smtClean="0">
+                <a:solidFill>
+                  <a:schemeClr val="tx2"/>
+                </a:solidFill>
+              </a:rPr>
+              <a:t>rosrun</a:t>
+            </a:r>
+            <a:r>
+              <a:rPr lang="nl-NL" dirty="0" smtClean="0">
+                <a:solidFill>
+                  <a:schemeClr val="tx2"/>
+                </a:solidFill>
+              </a:rPr>
+              <a:t> </a:t>
+            </a:r>
+            <a:r>
+              <a:rPr lang="nl-NL" i="1" dirty="0" smtClean="0">
+                <a:solidFill>
+                  <a:schemeClr val="tx2"/>
+                </a:solidFill>
+              </a:rPr>
+              <a:t>&lt;package&gt; &lt;</a:t>
+            </a:r>
+            <a:r>
+              <a:rPr lang="nl-NL" i="1" dirty="0" err="1" smtClean="0">
+                <a:solidFill>
+                  <a:schemeClr val="tx2"/>
+                </a:solidFill>
+              </a:rPr>
+              <a:t>node_name</a:t>
+            </a:r>
+            <a:r>
+              <a:rPr lang="nl-NL" i="1" dirty="0" smtClean="0">
+                <a:solidFill>
+                  <a:schemeClr val="tx2"/>
+                </a:solidFill>
+              </a:rPr>
+              <a:t>&gt;</a:t>
+            </a:r>
+          </a:p>
+          <a:p>
+            <a:pPr lvl="1"/>
+            <a:r>
+              <a:rPr lang="nl-NL" dirty="0"/>
+              <a:t>s</a:t>
+            </a:r>
+            <a:r>
+              <a:rPr lang="nl-NL" dirty="0" smtClean="0"/>
+              <a:t>tart the node (</a:t>
+            </a:r>
+            <a:r>
+              <a:rPr lang="nl-NL" dirty="0" err="1" smtClean="0"/>
+              <a:t>and</a:t>
+            </a:r>
+            <a:r>
+              <a:rPr lang="nl-NL" dirty="0" smtClean="0"/>
+              <a:t> </a:t>
+            </a:r>
+            <a:r>
+              <a:rPr lang="nl-NL" dirty="0" err="1" smtClean="0"/>
+              <a:t>its</a:t>
+            </a:r>
+            <a:r>
+              <a:rPr lang="nl-NL" dirty="0" smtClean="0"/>
+              <a:t> topics)</a:t>
+            </a:r>
+            <a:endParaRPr lang="en-GB" dirty="0"/>
+          </a:p>
+        </p:txBody>
+      </p:sp>
+      <p:sp>
+        <p:nvSpPr>
+          <p:cNvPr id="4" name="Tijdelijke aanduiding voor datum 3"/>
+          <p:cNvSpPr>
+            <a:spLocks noGrp="1"/>
+          </p:cNvSpPr>
+          <p:nvPr>
+            <p:ph type="dt" sz="half" idx="10"/>
+          </p:nvPr>
+        </p:nvSpPr>
+        <p:spPr/>
+        <p:txBody>
+          <a:bodyPr/>
+          <a:lstStyle/>
+          <a:p>
+            <a:r>
+              <a:rPr lang="en-US" smtClean="0"/>
+              <a:t>23-4-2015</a:t>
+            </a:r>
+            <a:endParaRPr lang="nl-NL"/>
+          </a:p>
+        </p:txBody>
+      </p:sp>
+      <p:sp>
+        <p:nvSpPr>
+          <p:cNvPr id="5" name="Tijdelijke aanduiding voor voettekst 4"/>
+          <p:cNvSpPr>
+            <a:spLocks noGrp="1"/>
+          </p:cNvSpPr>
+          <p:nvPr>
+            <p:ph type="ftr" sz="quarter" idx="11"/>
+          </p:nvPr>
+        </p:nvSpPr>
+        <p:spPr/>
+        <p:txBody>
+          <a:bodyPr/>
+          <a:lstStyle/>
+          <a:p>
+            <a:r>
+              <a:rPr lang="nl-NL" smtClean="0"/>
+              <a:t>Eric Dortmans / Fontys Hogeschool ICT</a:t>
+            </a:r>
+            <a:endParaRPr lang="nl-NL"/>
+          </a:p>
+        </p:txBody>
+      </p:sp>
+      <p:sp>
+        <p:nvSpPr>
+          <p:cNvPr id="6" name="Tijdelijke aanduiding voor dianummer 5"/>
+          <p:cNvSpPr>
+            <a:spLocks noGrp="1"/>
+          </p:cNvSpPr>
+          <p:nvPr>
+            <p:ph type="sldNum" sz="quarter" idx="12"/>
+          </p:nvPr>
+        </p:nvSpPr>
+        <p:spPr/>
+        <p:txBody>
+          <a:bodyPr/>
+          <a:lstStyle/>
+          <a:p>
+            <a:fld id="{A9096D49-DAE3-40DE-93E0-41688E0A5016}" type="slidenum">
+              <a:rPr lang="nl-NL" smtClean="0"/>
+              <a:t>35</a:t>
+            </a:fld>
+            <a:endParaRPr lang="nl-NL"/>
+          </a:p>
+        </p:txBody>
+      </p:sp>
+    </p:spTree>
+    <p:extLst>
+      <p:ext uri="{BB962C8B-B14F-4D97-AF65-F5344CB8AC3E}">
+        <p14:creationId xmlns:p14="http://schemas.microsoft.com/office/powerpoint/2010/main" val="3996014260"/>
       </p:ext>
     </p:extLst>
   </p:cSld>
@@ -17716,15 +17815,7 @@
             <a:pPr lvl="1"/>
             <a:r>
               <a:rPr lang="nl-NL" dirty="0" smtClean="0"/>
-              <a:t>&lt;tag </a:t>
-            </a:r>
-            <a:r>
-              <a:rPr lang="nl-NL" dirty="0" err="1" smtClean="0"/>
-              <a:t>attribute</a:t>
-            </a:r>
-            <a:r>
-              <a:rPr lang="nl-NL" dirty="0" smtClean="0"/>
-              <a:t>=“…” /&gt;</a:t>
+              <a:t>&lt;tag /&gt;</a:t>
             </a:r>
             <a:endParaRPr lang="nl-NL" dirty="0"/>
           </a:p>
@@ -17732,30 +17823,42 @@
             <a:pPr lvl="1"/>
             <a:r>
               <a:rPr lang="nl-NL" dirty="0" smtClean="0"/>
-              <a:t>&lt;tag </a:t>
-            </a:r>
-            <a:r>
-              <a:rPr lang="nl-NL" dirty="0" err="1" smtClean="0"/>
-              <a:t>attribute</a:t>
-            </a:r>
-            <a:r>
-              <a:rPr lang="nl-NL" dirty="0" smtClean="0"/>
-              <a:t>=“…”&gt; … &lt;/tag&gt;</a:t>
+              <a:t>&lt;tag&gt; </a:t>
+            </a:r>
+            <a:r>
+              <a:rPr lang="nl-NL" dirty="0" smtClean="0"/>
+              <a:t>……… </a:t>
+            </a:r>
+            <a:r>
+              <a:rPr lang="nl-NL" dirty="0" smtClean="0"/>
+              <a:t>&lt;/tag&gt;</a:t>
             </a:r>
           </a:p>
           <a:p>
             <a:pPr lvl="1"/>
             <a:r>
               <a:rPr lang="nl-NL" dirty="0" smtClean="0"/>
-              <a:t>&lt;!-- </a:t>
-            </a:r>
-            <a:r>
-              <a:rPr lang="nl-NL" dirty="0" err="1" smtClean="0"/>
+              <a:t>&lt;!– </a:t>
+            </a:r>
+            <a:r>
+              <a:rPr lang="nl-NL" i="1" dirty="0" err="1" smtClean="0"/>
+              <a:t>some</a:t>
+            </a:r>
+            <a:r>
+              <a:rPr lang="nl-NL" i="1" dirty="0" smtClean="0"/>
+              <a:t> </a:t>
+            </a:r>
+            <a:r>
+              <a:rPr lang="nl-NL" i="1" dirty="0" err="1" smtClean="0"/>
               <a:t>comment</a:t>
             </a:r>
             <a:r>
-              <a:rPr lang="nl-NL" dirty="0" smtClean="0"/>
-              <a:t> --&gt;</a:t>
+              <a:rPr lang="nl-NL" i="1" dirty="0" smtClean="0"/>
+              <a:t> </a:t>
+            </a:r>
+            <a:r>
+              <a:rPr lang="nl-NL" dirty="0" smtClean="0"/>
+              <a:t>--&gt;</a:t>
             </a:r>
             <a:endParaRPr lang="en-GB" dirty="0"/>
           </a:p>
@@ -18300,8 +18403,8 @@
         </p:nvSpPr>
         <p:spPr bwMode="auto">
           <a:xfrm>
-            <a:off x="216023" y="1135778"/>
-            <a:ext cx="8748465" cy="5398886"/>
+            <a:off x="899592" y="1231007"/>
+            <a:ext cx="7704856" cy="5078313"/>
           </a:xfrm>
           <a:prstGeom prst="rect">
             <a:avLst/>
@@ -18339,7 +18442,11 @@
               <a:t>&lt;</a:t>
             </a:r>
             <a:r>
-              <a:rPr lang="nl-NL" dirty="0" err="1"/>
+              <a:rPr lang="nl-NL" dirty="0" err="1">
+                <a:solidFill>
+                  <a:srgbClr val="0070C0"/>
+                </a:solidFill>
+              </a:rPr>
               <a:t>launch</a:t>
             </a:r>
             <a:r>
@@ -18350,7 +18457,61 @@
           <a:p>
             <a:r>
               <a:rPr lang="nl-NL" dirty="0"/>
-              <a:t/>
+              <a:t>    &lt;</a:t>
+            </a:r>
+            <a:r>
+              <a:rPr lang="nl-NL" dirty="0" err="1">
+                <a:solidFill>
+                  <a:srgbClr val="0070C0"/>
+                </a:solidFill>
+              </a:rPr>
+              <a:t>arg</a:t>
+            </a:r>
+            <a:r>
+              <a:rPr lang="nl-NL" dirty="0"/>
+              <a:t> name="model" default="$(</a:t>
+            </a:r>
+            <a:r>
+              <a:rPr lang="nl-NL" dirty="0" err="1"/>
+              <a:t>find</a:t>
+            </a:r>
+            <a:r>
+              <a:rPr lang="nl-NL" dirty="0"/>
+              <a:t> </a:t>
+            </a:r>
+            <a:r>
+              <a:rPr lang="nl-NL" dirty="0" err="1"/>
+              <a:t>robot_urdf</a:t>
+            </a:r>
+            <a:r>
+              <a:rPr lang="nl-NL" dirty="0"/>
+              <a:t>)/</a:t>
+            </a:r>
+            <a:r>
+              <a:rPr lang="nl-NL" dirty="0" err="1"/>
+              <a:t>robot.urdf</a:t>
+            </a:r>
+            <a:r>
+              <a:rPr lang="nl-NL" dirty="0"/>
+              <a:t>"   </a:t>
+            </a:r>
+          </a:p>
+          <a:p>
+            <a:r>
+              <a:rPr lang="nl-NL" dirty="0"/>
+              <a:t>    &lt;</a:t>
+            </a:r>
+            <a:r>
+              <a:rPr lang="nl-NL" dirty="0" err="1">
+                <a:solidFill>
+                  <a:srgbClr val="0070C0"/>
+                </a:solidFill>
+              </a:rPr>
+              <a:t>arg</a:t>
+            </a:r>
+            <a:r>
+              <a:rPr lang="nl-NL" dirty="0"/>
+              <a:t> name="gui" default=“True" /&gt;</a:t>
             </a:r>
             <a:br>
               <a:rPr lang="nl-NL" dirty="0"/>
@@ -18360,50 +18521,40 @@
               <a:t>    &lt;</a:t>
             </a:r>
             <a:r>
+              <a:rPr lang="nl-NL" dirty="0" err="1">
+                <a:solidFill>
+                  <a:srgbClr val="0070C0"/>
+                </a:solidFill>
+              </a:rPr>
+              <a:t>param</a:t>
+            </a:r>
+            <a:r>
+              <a:rPr lang="nl-NL" dirty="0"/>
+              <a:t> name="</a:t>
+            </a:r>
+            <a:r>
+              <a:rPr lang="nl-NL" dirty="0" err="1"/>
+              <a:t>robot_description</a:t>
+            </a:r>
+            <a:r>
+              <a:rPr lang="nl-NL" dirty="0"/>
+              <a:t>“ </a:t>
+            </a:r>
+            <a:r>
+              <a:rPr lang="nl-NL" dirty="0" err="1"/>
+              <a:t>textfile</a:t>
+            </a:r>
+            <a:r>
+              <a:rPr lang="nl-NL" dirty="0"/>
+              <a:t>="$(</a:t>
+            </a:r>
+            <a:r>
               <a:rPr lang="nl-NL" dirty="0" err="1"/>
               <a:t>arg</a:t>
             </a:r>
             <a:r>
               <a:rPr lang="nl-NL" dirty="0"/>
-              <a:t> name="model" default="$(</a:t>
-            </a:r>
-            <a:r>
-              <a:rPr lang="nl-NL" dirty="0" err="1"/>
-              <a:t>find</a:t>
-            </a:r>
-            <a:r>
-              <a:rPr lang="nl-NL" dirty="0"/>
-              <a:t> </a:t>
-            </a:r>
-            <a:r>
-              <a:rPr lang="nl-NL" dirty="0" err="1"/>
-              <a:t>robot_urdf</a:t>
-            </a:r>
-            <a:r>
-              <a:rPr lang="nl-NL" dirty="0"/>
-              <a:t>)/</a:t>
-            </a:r>
-            <a:r>
-              <a:rPr lang="nl-NL" dirty="0" err="1"/>
-              <a:t>robot.urdf</a:t>
-            </a:r>
-            <a:r>
-              <a:rPr lang="nl-NL" dirty="0"/>
-              <a:t>"   </a:t>
-            </a:r>
-          </a:p>
-          <a:p>
-            <a:r>
-              <a:rPr lang="nl-NL" dirty="0"/>
-              <a:t>    &lt;</a:t>
-            </a:r>
-            <a:r>
-              <a:rPr lang="nl-NL" dirty="0" err="1"/>
-              <a:t>arg</a:t>
-            </a:r>
-            <a:r>
-              <a:rPr lang="nl-NL" dirty="0"/>
-              <a:t> name="gui" default=“True" /&gt;</a:t>
+              <a:t> model)"/&gt;</a:t>
             </a:r>
             <a:br>
               <a:rPr lang="nl-NL" dirty="0"/>
@@ -18413,7 +18564,11 @@
               <a:t>    &lt;</a:t>
             </a:r>
             <a:r>
-              <a:rPr lang="nl-NL" dirty="0" err="1"/>
+              <a:rPr lang="nl-NL" dirty="0" err="1">
+                <a:solidFill>
+                  <a:srgbClr val="0070C0"/>
+                </a:solidFill>
+              </a:rPr>
               <a:t>param</a:t>
             </a:r>
             <a:r>
@@ -18422,15 +18577,15 @@
             </a:r>
             <a:r>
               <a:rPr lang="nl-NL" dirty="0" err="1"/>
-              <a:t>robot_description</a:t>
+              <a:t>use_gui</a:t>
             </a:r>
             <a:r>
               <a:rPr lang="nl-NL" dirty="0"/>
-              <a:t>“ </a:t>
+              <a:t>" </a:t>
             </a:r>
             <a:r>
               <a:rPr lang="nl-NL" dirty="0" err="1"/>
-              <a:t>textfile</a:t>
+              <a:t>value</a:t>
             </a:r>
             <a:r>
               <a:rPr lang="nl-NL" dirty="0"/>
@@ -18442,7 +18597,13 @@
             </a:r>
             <a:r>
               <a:rPr lang="nl-NL" dirty="0"/>
-              <a:t> model)"/&gt;</a:t>
+              <a:t> gui)"/&gt;</a:t>
+            </a:r>
+          </a:p>
+          <a:p>
+            <a:r>
+              <a:rPr lang="nl-NL" dirty="0"/>
+              <a:t/>
             </a:r>
             <a:br>
               <a:rPr lang="nl-NL" dirty="0"/>
@@ -18452,8 +18613,12 @@
               <a:t>    &lt;</a:t>
             </a:r>
             <a:r>
-              <a:rPr lang="nl-NL" dirty="0" err="1"/>
-              <a:t>param</a:t>
+              <a:rPr lang="nl-NL" dirty="0">
+                <a:solidFill>
+                  <a:srgbClr val="0070C0"/>
+                </a:solidFill>
+              </a:rPr>
+              <a:t>node</a:t>
             </a:r>
             <a:r>
               <a:rPr lang="nl-NL" dirty="0"/>
@@ -18461,27 +18626,66 @@
             </a:r>
             <a:r>
               <a:rPr lang="nl-NL" dirty="0" err="1"/>
-              <a:t>use_gui</a:t>
+              <a:t>joint_state_publisher</a:t>
             </a:r>
             <a:r>
               <a:rPr lang="nl-NL" dirty="0"/>
               <a:t>" </a:t>
             </a:r>
+            <a:endParaRPr lang="nl-NL" dirty="0" smtClean="0"/>
+          </a:p>
+          <a:p>
+            <a:r>
+              <a:rPr lang="nl-NL" dirty="0" smtClean="0"/>
+              <a:t>	   	</a:t>
+            </a:r>
+            <a:r>
+              <a:rPr lang="nl-NL" dirty="0" err="1" smtClean="0"/>
+              <a:t>pkg</a:t>
+            </a:r>
+            <a:r>
+              <a:rPr lang="nl-NL" dirty="0" smtClean="0"/>
+              <a:t>="</a:t>
+            </a:r>
+            <a:r>
+              <a:rPr lang="nl-NL" dirty="0" err="1" smtClean="0"/>
+              <a:t>joint_state_publisher</a:t>
+            </a:r>
+            <a:r>
+              <a:rPr lang="nl-NL" dirty="0" smtClean="0"/>
+              <a:t>" </a:t>
+            </a:r>
+          </a:p>
+          <a:p>
+            <a:r>
+              <a:rPr lang="nl-NL" dirty="0"/>
+              <a:t>	   	type="</a:t>
+            </a:r>
             <a:r>
               <a:rPr lang="nl-NL" dirty="0" err="1"/>
-              <a:t>value</a:t>
+              <a:t>joint_state_publisher</a:t>
             </a:r>
             <a:r>
               <a:rPr lang="nl-NL" dirty="0"/>
-              <a:t>="$(</a:t>
-            </a:r>
-            <a:r>
-              <a:rPr lang="nl-NL" dirty="0" err="1"/>
-              <a:t>arg</a:t>
-            </a:r>
+              <a:t>" &gt;</a:t>
+            </a:r>
+          </a:p>
+          <a:p>
             <a:r>
               <a:rPr lang="nl-NL" dirty="0"/>
-              <a:t> gui)"/&gt;</a:t>
+              <a:t>    &lt;</a:t>
+            </a:r>
+            <a:r>
+              <a:rPr lang="nl-NL" dirty="0">
+                <a:solidFill>
+                  <a:srgbClr val="0070C0"/>
+                </a:solidFill>
+              </a:rPr>
+              <a:t>/node</a:t>
+            </a:r>
+            <a:r>
+              <a:rPr lang="nl-NL" dirty="0"/>
+              <a:t>&gt;</a:t>
             </a:r>
           </a:p>
           <a:p>
@@ -18494,11 +18698,23 @@
             </a:br>
             <a:r>
               <a:rPr lang="nl-NL" dirty="0"/>
-              <a:t>    &lt;node name="</a:t>
+              <a:t>    &lt;</a:t>
+            </a:r>
+            <a:r>
+              <a:rPr lang="nl-NL" dirty="0">
+                <a:solidFill>
+                  <a:srgbClr val="0070C0"/>
+                </a:solidFill>
+              </a:rPr>
+              <a:t>node</a:t>
+            </a:r>
+            <a:r>
+              <a:rPr lang="nl-NL" dirty="0"/>
+              <a:t> name="</a:t>
             </a:r>
             <a:r>
               <a:rPr lang="nl-NL" dirty="0" err="1"/>
-              <a:t>joint_state_publisher</a:t>
+              <a:t>robot_state_publisher</a:t>
             </a:r>
             <a:r>
               <a:rPr lang="nl-NL" dirty="0"/>
@@ -18508,11 +18724,7 @@
           <a:p>
             <a:r>
               <a:rPr lang="nl-NL" dirty="0"/>
-              <a:t>	 </a:t>
-            </a:r>
-            <a:r>
-              <a:rPr lang="nl-NL" dirty="0"/>
-              <a:t>  	</a:t>
+              <a:t>		</a:t>
             </a:r>
             <a:r>
               <a:rPr lang="nl-NL" dirty="0" err="1"/>
@@ -18524,44 +18736,18 @@
             </a:r>
             <a:r>
               <a:rPr lang="nl-NL" dirty="0" err="1"/>
-              <a:t>joint_state_publisher</a:t>
+              <a:t>robot_state_publisher</a:t>
             </a:r>
             <a:r>
               <a:rPr lang="nl-NL" dirty="0"/>
               <a:t>" </a:t>
-            </a:r>
-          </a:p>
-          <a:p>
-            <a:r>
-              <a:rPr lang="nl-NL" dirty="0"/>
-              <a:t>	   	type="</a:t>
-            </a:r>
-            <a:r>
-              <a:rPr lang="nl-NL" dirty="0" err="1"/>
-              <a:t>joint_state_publisher</a:t>
-            </a:r>
-            <a:r>
-              <a:rPr lang="nl-NL" dirty="0"/>
-              <a:t>" &gt;</a:t>
-            </a:r>
-          </a:p>
-          <a:p>
-            <a:r>
-              <a:rPr lang="nl-NL" dirty="0"/>
-              <a:t>    &lt;/node&gt;</a:t>
-            </a:r>
-          </a:p>
-          <a:p>
-            <a:r>
-              <a:rPr lang="nl-NL" dirty="0"/>
-              <a:t/>
             </a:r>
             <a:br>
               <a:rPr lang="nl-NL" dirty="0"/>
             </a:br>
             <a:r>
               <a:rPr lang="nl-NL" dirty="0"/>
-              <a:t>    &lt;node name="</a:t>
+              <a:t>		type=“</a:t>
             </a:r>
             <a:r>
               <a:rPr lang="nl-NL" dirty="0" err="1"/>
@@ -18569,48 +18755,64 @@
             </a:r>
             <a:r>
               <a:rPr lang="nl-NL" dirty="0"/>
-              <a:t>" </a:t>
+              <a:t>" /&gt;</a:t>
             </a:r>
           </a:p>
           <a:p>
             <a:r>
               <a:rPr lang="nl-NL" dirty="0"/>
-              <a:t>	</a:t>
-            </a:r>
-            <a:r>
-              <a:rPr lang="nl-NL" dirty="0"/>
-              <a:t>	</a:t>
-            </a:r>
-            <a:r>
-              <a:rPr lang="nl-NL" dirty="0" err="1"/>
-              <a:t>pkg</a:t>
-            </a:r>
-            <a:r>
-              <a:rPr lang="nl-NL" dirty="0"/>
-              <a:t>="</a:t>
-            </a:r>
-            <a:r>
-              <a:rPr lang="nl-NL" dirty="0" err="1"/>
-              <a:t>robot_state_publisher</a:t>
-            </a:r>
-            <a:r>
-              <a:rPr lang="nl-NL" dirty="0"/>
-              <a:t>" </a:t>
+              <a:t/>
             </a:r>
             <a:br>
               <a:rPr lang="nl-NL" dirty="0"/>
             </a:br>
             <a:r>
               <a:rPr lang="nl-NL" dirty="0"/>
-              <a:t>		type=“</a:t>
+              <a:t>    &lt;</a:t>
+            </a:r>
+            <a:r>
+              <a:rPr lang="nl-NL" dirty="0">
+                <a:solidFill>
+                  <a:srgbClr val="0070C0"/>
+                </a:solidFill>
+              </a:rPr>
+              <a:t>node</a:t>
+            </a:r>
+            <a:r>
+              <a:rPr lang="nl-NL" dirty="0"/>
+              <a:t> name="</a:t>
             </a:r>
             <a:r>
               <a:rPr lang="nl-NL" dirty="0" err="1"/>
-              <a:t>robot_state_publisher</a:t>
+              <a:t>rviz</a:t>
             </a:r>
             <a:r>
               <a:rPr lang="nl-NL" dirty="0"/>
-              <a:t>" /&gt;</a:t>
+              <a:t>" </a:t>
+            </a:r>
+            <a:r>
+              <a:rPr lang="nl-NL" dirty="0" err="1"/>
+              <a:t>pkg</a:t>
+            </a:r>
+            <a:r>
+              <a:rPr lang="nl-NL" dirty="0"/>
+              <a:t>="</a:t>
+            </a:r>
+            <a:r>
+              <a:rPr lang="nl-NL" dirty="0" err="1"/>
+              <a:t>rviz</a:t>
+            </a:r>
+            <a:r>
+              <a:rPr lang="nl-NL" dirty="0"/>
+              <a:t>" type="</a:t>
+            </a:r>
+            <a:r>
+              <a:rPr lang="nl-NL" dirty="0" err="1"/>
+              <a:t>rviz</a:t>
+            </a:r>
+            <a:r>
+              <a:rPr lang="nl-NL" dirty="0"/>
+              <a:t>"/&gt;</a:t>
             </a:r>
           </a:p>
           <a:p>
@@ -18623,55 +18825,22 @@
             </a:br>
             <a:r>
               <a:rPr lang="nl-NL" dirty="0"/>
-              <a:t>    &lt;node name="</a:t>
-            </a:r>
-            <a:r>
-              <a:rPr lang="nl-NL" dirty="0" err="1"/>
-              <a:t>rviz</a:t>
-            </a:r>
-            <a:r>
-              <a:rPr lang="nl-NL" dirty="0"/>
-              <a:t>" </a:t>
-            </a:r>
-            <a:r>
-              <a:rPr lang="nl-NL" dirty="0" err="1"/>
-              <a:t>pkg</a:t>
-            </a:r>
-            <a:r>
-              <a:rPr lang="nl-NL" dirty="0"/>
-              <a:t>="</a:t>
-            </a:r>
-            <a:r>
-              <a:rPr lang="nl-NL" dirty="0" err="1"/>
-              <a:t>rviz</a:t>
-            </a:r>
-            <a:r>
-              <a:rPr lang="nl-NL" dirty="0"/>
-              <a:t>" type="</a:t>
-            </a:r>
-            <a:r>
-              <a:rPr lang="nl-NL" dirty="0" err="1"/>
-              <a:t>rviz</a:t>
-            </a:r>
-            <a:r>
-              <a:rPr lang="nl-NL" dirty="0"/>
-              <a:t>"/&gt;</a:t>
-            </a:r>
-          </a:p>
-          <a:p>
-            <a:r>
-              <a:rPr lang="nl-NL" dirty="0"/>
-              <a:t/>
-            </a:r>
-            <a:br>
-              <a:rPr lang="nl-NL" dirty="0"/>
-            </a:br>
-            <a:r>
-              <a:rPr lang="nl-NL" dirty="0"/>
-              <a:t>&lt;/</a:t>
-            </a:r>
-            <a:r>
-              <a:rPr lang="nl-NL" dirty="0" err="1"/>
+              <a:t>&lt;</a:t>
+            </a:r>
+            <a:r>
+              <a:rPr lang="nl-NL" dirty="0">
+                <a:solidFill>
+                  <a:srgbClr val="0070C0"/>
+                </a:solidFill>
+              </a:rPr>
+              <a:t>/</a:t>
+            </a:r>
+            <a:r>
+              <a:rPr lang="nl-NL" dirty="0" err="1">
+                <a:solidFill>
+                  <a:srgbClr val="0070C0"/>
+                </a:solidFill>
+              </a:rPr>
               <a:t>launch</a:t>
             </a:r>
             <a:r>
@@ -18781,7 +18950,11 @@
           <a:p>
             <a:r>
               <a:rPr lang="nl-NL" dirty="0" err="1" smtClean="0"/>
-              <a:t>Launching</a:t>
+              <a:t>Launch</a:t>
+            </a:r>
+            <a:r>
+              <a:rPr lang="nl-NL" dirty="0" smtClean="0"/>
+              <a:t> file</a:t>
             </a:r>
             <a:endParaRPr lang="en-GB" dirty="0"/>
           </a:p>
@@ -18797,18 +18970,251 @@
             <p:ph idx="1"/>
           </p:nvPr>
         </p:nvSpPr>
-        <p:spPr/>
-        <p:txBody>
-          <a:bodyPr/>
-          <a:lstStyle/>
-          <a:p>
+        <p:spPr>
+          <a:xfrm>
+            <a:off x="457200" y="1600200"/>
+            <a:ext cx="8686800" cy="4525963"/>
+          </a:xfrm>
+        </p:spPr>
+        <p:txBody>
+          <a:bodyPr>
+            <a:normAutofit/>
+          </a:bodyPr>
+          <a:lstStyle/>
+          <a:p>
+            <a:r>
+              <a:rPr lang="nl-NL" dirty="0" smtClean="0"/>
+              <a:t>&lt;</a:t>
+            </a:r>
+            <a:r>
+              <a:rPr lang="nl-NL" dirty="0" smtClean="0">
+                <a:solidFill>
+                  <a:srgbClr val="0070C0"/>
+                </a:solidFill>
+              </a:rPr>
+              <a:t>node </a:t>
+            </a:r>
             <a:r>
               <a:rPr lang="nl-NL" dirty="0" err="1" smtClean="0">
                 <a:solidFill>
                   <a:srgbClr val="0070C0"/>
                 </a:solidFill>
               </a:rPr>
-              <a:t>roslaunch</a:t>
+              <a:t>pkg</a:t>
+            </a:r>
+            <a:r>
+              <a:rPr lang="nl-NL" dirty="0" smtClean="0">
+                <a:solidFill>
+                  <a:srgbClr val="0070C0"/>
+                </a:solidFill>
+              </a:rPr>
+              <a:t>=“…” type=“…” name=“…”</a:t>
+            </a:r>
+            <a:r>
+              <a:rPr lang="nl-NL" dirty="0" smtClean="0"/>
+              <a:t>&gt;</a:t>
+            </a:r>
+          </a:p>
+          <a:p>
+            <a:pPr lvl="1"/>
+            <a:r>
+              <a:rPr lang="nl-NL" dirty="0" err="1" smtClean="0">
+                <a:solidFill>
+                  <a:srgbClr val="0070C0"/>
+                </a:solidFill>
+              </a:rPr>
+              <a:t>pkg</a:t>
+            </a:r>
+            <a:r>
+              <a:rPr lang="nl-NL" dirty="0" smtClean="0"/>
+              <a:t>=“</a:t>
+            </a:r>
+            <a:r>
+              <a:rPr lang="nl-NL" i="1" dirty="0" smtClean="0"/>
+              <a:t>package name</a:t>
+            </a:r>
+            <a:r>
+              <a:rPr lang="nl-NL" dirty="0" smtClean="0"/>
+              <a:t>”</a:t>
+            </a:r>
+          </a:p>
+          <a:p>
+            <a:pPr lvl="1"/>
+            <a:r>
+              <a:rPr lang="nl-NL" dirty="0" smtClean="0">
+                <a:solidFill>
+                  <a:srgbClr val="0070C0"/>
+                </a:solidFill>
+              </a:rPr>
+              <a:t>type</a:t>
+            </a:r>
+            <a:r>
+              <a:rPr lang="nl-NL" dirty="0" smtClean="0"/>
+              <a:t>=“</a:t>
+            </a:r>
+            <a:r>
+              <a:rPr lang="nl-NL" i="1" dirty="0" smtClean="0"/>
+              <a:t>name </a:t>
+            </a:r>
+            <a:r>
+              <a:rPr lang="nl-NL" i="1" dirty="0"/>
+              <a:t>of </a:t>
+            </a:r>
+            <a:r>
+              <a:rPr lang="nl-NL" i="1" dirty="0" err="1"/>
+              <a:t>executable</a:t>
+            </a:r>
+            <a:r>
+              <a:rPr lang="nl-NL" i="1" dirty="0"/>
+              <a:t> </a:t>
+            </a:r>
+            <a:r>
+              <a:rPr lang="nl-NL" i="1" dirty="0" smtClean="0"/>
+              <a:t>program</a:t>
+            </a:r>
+            <a:r>
+              <a:rPr lang="nl-NL" dirty="0" smtClean="0"/>
+              <a:t>”</a:t>
+            </a:r>
+            <a:endParaRPr lang="nl-NL" dirty="0"/>
+          </a:p>
+          <a:p>
+            <a:pPr lvl="1"/>
+            <a:r>
+              <a:rPr lang="nl-NL" dirty="0" smtClean="0">
+                <a:solidFill>
+                  <a:srgbClr val="0070C0"/>
+                </a:solidFill>
+              </a:rPr>
+              <a:t>name</a:t>
+            </a:r>
+            <a:r>
+              <a:rPr lang="nl-NL" dirty="0" smtClean="0"/>
+              <a:t>:“</a:t>
+            </a:r>
+            <a:r>
+              <a:rPr lang="nl-NL" i="1" dirty="0" err="1" smtClean="0"/>
+              <a:t>unique</a:t>
+            </a:r>
+            <a:r>
+              <a:rPr lang="nl-NL" i="1" dirty="0" smtClean="0"/>
+              <a:t> name of node</a:t>
+            </a:r>
+            <a:r>
+              <a:rPr lang="nl-NL" dirty="0" smtClean="0"/>
+              <a:t>”</a:t>
+            </a:r>
+            <a:endParaRPr lang="nl-NL" dirty="0"/>
+          </a:p>
+          <a:p>
+            <a:r>
+              <a:rPr lang="nl-NL" dirty="0" smtClean="0"/>
+              <a:t>&lt;</a:t>
+            </a:r>
+            <a:r>
+              <a:rPr lang="nl-NL" dirty="0" err="1" smtClean="0">
+                <a:solidFill>
+                  <a:srgbClr val="0070C0"/>
+                </a:solidFill>
+              </a:rPr>
+              <a:t>param</a:t>
+            </a:r>
+            <a:r>
+              <a:rPr lang="nl-NL" dirty="0" smtClean="0">
+                <a:solidFill>
+                  <a:srgbClr val="0070C0"/>
+                </a:solidFill>
+              </a:rPr>
+              <a:t> name=“</a:t>
+            </a:r>
+            <a:r>
+              <a:rPr lang="nl-NL" i="1" dirty="0" smtClean="0"/>
+              <a:t>name</a:t>
+            </a:r>
+            <a:r>
+              <a:rPr lang="nl-NL" dirty="0" smtClean="0">
+                <a:solidFill>
+                  <a:srgbClr val="0070C0"/>
+                </a:solidFill>
+              </a:rPr>
+              <a:t>” </a:t>
+            </a:r>
+            <a:r>
+              <a:rPr lang="nl-NL" dirty="0" err="1" smtClean="0">
+                <a:solidFill>
+                  <a:srgbClr val="0070C0"/>
+                </a:solidFill>
+              </a:rPr>
+              <a:t>value</a:t>
+            </a:r>
+            <a:r>
+              <a:rPr lang="nl-NL" dirty="0" smtClean="0">
+                <a:solidFill>
+                  <a:srgbClr val="0070C0"/>
+                </a:solidFill>
+              </a:rPr>
+              <a:t>=“</a:t>
+            </a:r>
+            <a:r>
+              <a:rPr lang="nl-NL" i="1" dirty="0" err="1" smtClean="0"/>
+              <a:t>value</a:t>
+            </a:r>
+            <a:r>
+              <a:rPr lang="nl-NL" dirty="0" smtClean="0">
+                <a:solidFill>
+                  <a:srgbClr val="0070C0"/>
+                </a:solidFill>
+              </a:rPr>
+              <a:t>”</a:t>
+            </a:r>
+            <a:r>
+              <a:rPr lang="nl-NL" dirty="0" smtClean="0"/>
+              <a:t>&gt;</a:t>
+            </a:r>
+          </a:p>
+          <a:p>
+            <a:pPr lvl="1"/>
+            <a:r>
+              <a:rPr lang="nl-NL" dirty="0" smtClean="0"/>
+              <a:t>Parameter </a:t>
+            </a:r>
+            <a:r>
+              <a:rPr lang="nl-NL" dirty="0" err="1" smtClean="0"/>
+              <a:t>to</a:t>
+            </a:r>
+            <a:r>
+              <a:rPr lang="nl-NL" dirty="0" smtClean="0"/>
+              <a:t> </a:t>
+            </a:r>
+            <a:r>
+              <a:rPr lang="nl-NL" dirty="0" err="1" smtClean="0"/>
+              <a:t>be</a:t>
+            </a:r>
+            <a:r>
+              <a:rPr lang="nl-NL" dirty="0" smtClean="0"/>
+              <a:t> </a:t>
+            </a:r>
+            <a:r>
+              <a:rPr lang="nl-NL" dirty="0" err="1" smtClean="0"/>
+              <a:t>published</a:t>
+            </a:r>
+            <a:r>
+              <a:rPr lang="nl-NL" dirty="0" smtClean="0"/>
+              <a:t> on parameter server</a:t>
+            </a:r>
+          </a:p>
+          <a:p>
+            <a:r>
+              <a:rPr lang="nl-NL" dirty="0" smtClean="0"/>
+              <a:t>&lt;</a:t>
+            </a:r>
+            <a:r>
+              <a:rPr lang="nl-NL" dirty="0" err="1" smtClean="0">
+                <a:solidFill>
+                  <a:srgbClr val="0070C0"/>
+                </a:solidFill>
+              </a:rPr>
+              <a:t>remap</a:t>
             </a:r>
             <a:r>
               <a:rPr lang="nl-NL" dirty="0" smtClean="0">
@@ -18819,34 +19225,81 @@
               <a:t> </a:t>
             </a:r>
             <a:r>
-              <a:rPr lang="nl-NL" i="1" dirty="0" smtClean="0">
+              <a:rPr lang="nl-NL" dirty="0" err="1" smtClean="0">
                 <a:solidFill>
                   <a:srgbClr val="0070C0"/>
                 </a:solidFill>
               </a:rPr>
-              <a:t>&lt;package&gt; &lt;</a:t>
-            </a:r>
-            <a:r>
-              <a:rPr lang="nl-NL" i="1" dirty="0" err="1" smtClean="0">
+              <a:t>from</a:t>
+            </a:r>
+            <a:r>
+              <a:rPr lang="nl-NL" dirty="0" smtClean="0">
                 <a:solidFill>
                   <a:srgbClr val="0070C0"/>
                 </a:solidFill>
               </a:rPr>
-              <a:t>launchfile_name</a:t>
-            </a:r>
-            <a:r>
-              <a:rPr lang="nl-NL" i="1" dirty="0" smtClean="0">
+              <a:t>=“topic” </a:t>
+            </a:r>
+            <a:r>
+              <a:rPr lang="nl-NL" dirty="0" err="1" smtClean="0">
                 <a:solidFill>
                   <a:srgbClr val="0070C0"/>
                 </a:solidFill>
               </a:rPr>
-              <a:t>&gt; </a:t>
-            </a:r>
-            <a:endParaRPr lang="en-GB" i="1" dirty="0">
-              <a:solidFill>
-                <a:srgbClr val="0070C0"/>
-              </a:solidFill>
-            </a:endParaRPr>
+              <a:t>to</a:t>
+            </a:r>
+            <a:r>
+              <a:rPr lang="nl-NL" dirty="0" smtClean="0">
+                <a:solidFill>
+                  <a:srgbClr val="0070C0"/>
+                </a:solidFill>
+              </a:rPr>
+              <a:t>:”</a:t>
+            </a:r>
+            <a:r>
+              <a:rPr lang="nl-NL" dirty="0" err="1" smtClean="0">
+                <a:solidFill>
+                  <a:srgbClr val="0070C0"/>
+                </a:solidFill>
+              </a:rPr>
+              <a:t>other_topic</a:t>
+            </a:r>
+            <a:r>
+              <a:rPr lang="nl-NL" dirty="0" smtClean="0">
+                <a:solidFill>
+                  <a:srgbClr val="0070C0"/>
+                </a:solidFill>
+              </a:rPr>
+              <a:t>” /</a:t>
+            </a:r>
+            <a:r>
+              <a:rPr lang="nl-NL" dirty="0" smtClean="0"/>
+              <a:t>&gt;</a:t>
+            </a:r>
+          </a:p>
+          <a:p>
+            <a:pPr lvl="1"/>
+            <a:r>
+              <a:rPr lang="nl-NL" dirty="0" err="1" smtClean="0"/>
+              <a:t>Plumbing</a:t>
+            </a:r>
+            <a:r>
+              <a:rPr lang="nl-NL" dirty="0" smtClean="0"/>
+              <a:t>: </a:t>
+            </a:r>
+            <a:r>
+              <a:rPr lang="nl-NL" dirty="0" err="1" smtClean="0"/>
+              <a:t>connect</a:t>
+            </a:r>
+            <a:r>
+              <a:rPr lang="nl-NL" dirty="0" smtClean="0"/>
+              <a:t> the topics of the </a:t>
+            </a:r>
+            <a:r>
+              <a:rPr lang="nl-NL" dirty="0" err="1" smtClean="0"/>
+              <a:t>nodes</a:t>
+            </a:r>
+            <a:endParaRPr lang="nl-NL" dirty="0" smtClean="0"/>
           </a:p>
         </p:txBody>
       </p:sp>
@@ -18915,14 +19368,14 @@
               <a:rPr lang="nl-NL" smtClean="0"/>
               <a:t>41</a:t>
             </a:fld>
-            <a:endParaRPr lang="nl-NL"/>
+            <a:endParaRPr lang="nl-NL" dirty="0"/>
           </a:p>
         </p:txBody>
       </p:sp>
     </p:spTree>
     <p:extLst>
       <p:ext uri="{BB962C8B-B14F-4D97-AF65-F5344CB8AC3E}">
-        <p14:creationId xmlns:p14="http://schemas.microsoft.com/office/powerpoint/2010/main" val="1723476260"/>
+        <p14:creationId xmlns:p14="http://schemas.microsoft.com/office/powerpoint/2010/main" val="44296183"/>
       </p:ext>
     </p:extLst>
   </p:cSld>
@@ -18951,7 +19404,7 @@
       </p:grpSpPr>
       <p:sp>
         <p:nvSpPr>
-          <p:cNvPr id="7" name="Titel 6"/>
+          <p:cNvPr id="2" name="Titel 1"/>
           <p:cNvSpPr>
             <a:spLocks noGrp="1"/>
           </p:cNvSpPr>
@@ -18965,16 +19418,8 @@
           <a:lstStyle/>
           <a:p>
             <a:r>
-              <a:rPr lang="nl-NL" dirty="0" smtClean="0"/>
-              <a:t>How </a:t>
-            </a:r>
-            <a:r>
               <a:rPr lang="nl-NL" dirty="0" err="1" smtClean="0"/>
-              <a:t>to</a:t>
-            </a:r>
-            <a:r>
-              <a:rPr lang="nl-NL" dirty="0" smtClean="0"/>
-              <a:t> drive a mobile robot</a:t>
+              <a:t>Launching</a:t>
             </a:r>
             <a:endParaRPr lang="en-GB" dirty="0"/>
           </a:p>
@@ -18982,20 +19427,69 @@
       </p:sp>
       <p:sp>
         <p:nvSpPr>
-          <p:cNvPr id="8" name="Tijdelijke aanduiding voor tekst 7"/>
-          <p:cNvSpPr>
-            <a:spLocks noGrp="1"/>
-          </p:cNvSpPr>
-          <p:nvPr>
-            <p:ph type="body" idx="1"/>
-          </p:nvPr>
-        </p:nvSpPr>
-        <p:spPr/>
+          <p:cNvPr id="3" name="Tijdelijke aanduiding voor inhoud 2"/>
+          <p:cNvSpPr>
+            <a:spLocks noGrp="1"/>
+          </p:cNvSpPr>
+          <p:nvPr>
+            <p:ph idx="1"/>
+          </p:nvPr>
+        </p:nvSpPr>
+        <p:spPr>
+          <a:xfrm>
+            <a:off x="457200" y="1600200"/>
+            <a:ext cx="8435280" cy="4525963"/>
+          </a:xfrm>
+        </p:spPr>
         <p:txBody>
           <a:bodyPr/>
           <a:lstStyle/>
           <a:p>
-            <a:endParaRPr lang="en-GB"/>
+            <a:r>
+              <a:rPr lang="nl-NL" dirty="0" err="1" smtClean="0">
+                <a:solidFill>
+                  <a:srgbClr val="0070C0"/>
+                </a:solidFill>
+              </a:rPr>
+              <a:t>roslaunch</a:t>
+            </a:r>
+            <a:r>
+              <a:rPr lang="nl-NL" dirty="0" smtClean="0">
+                <a:solidFill>
+                  <a:srgbClr val="0070C0"/>
+                </a:solidFill>
+              </a:rPr>
+              <a:t> </a:t>
+            </a:r>
+            <a:r>
+              <a:rPr lang="nl-NL" i="1" dirty="0" smtClean="0"/>
+              <a:t>&lt;package&gt; &lt;</a:t>
+            </a:r>
+            <a:r>
+              <a:rPr lang="nl-NL" i="1" dirty="0" err="1" smtClean="0"/>
+              <a:t>launchfile</a:t>
+            </a:r>
+            <a:r>
+              <a:rPr lang="nl-NL" i="1" dirty="0" smtClean="0"/>
+              <a:t>&gt; &lt;</a:t>
+            </a:r>
+            <a:r>
+              <a:rPr lang="nl-NL" i="1" dirty="0" err="1" smtClean="0"/>
+              <a:t>arg</a:t>
+            </a:r>
+            <a:r>
+              <a:rPr lang="nl-NL" i="1" dirty="0" smtClean="0"/>
+              <a:t>:=</a:t>
+            </a:r>
+            <a:r>
+              <a:rPr lang="nl-NL" i="1" dirty="0" err="1" smtClean="0"/>
+              <a:t>value</a:t>
+            </a:r>
+            <a:r>
+              <a:rPr lang="nl-NL" i="1" dirty="0" smtClean="0"/>
+              <a:t>&gt; </a:t>
+            </a:r>
+            <a:endParaRPr lang="en-GB" i="1" dirty="0"/>
           </a:p>
         </p:txBody>
       </p:sp>
@@ -19071,7 +19565,7 @@
     </p:spTree>
     <p:extLst>
       <p:ext uri="{BB962C8B-B14F-4D97-AF65-F5344CB8AC3E}">
-        <p14:creationId xmlns:p14="http://schemas.microsoft.com/office/powerpoint/2010/main" val="925196481"/>
+        <p14:creationId xmlns:p14="http://schemas.microsoft.com/office/powerpoint/2010/main" val="1723476260"/>
       </p:ext>
     </p:extLst>
   </p:cSld>
@@ -19115,9 +19609,32 @@
           <a:p>
             <a:r>
               <a:rPr lang="nl-NL" dirty="0" smtClean="0"/>
-              <a:t>Mobile Robots</a:t>
+              <a:t>Reference </a:t>
+            </a:r>
+            <a:r>
+              <a:rPr lang="nl-NL" dirty="0" err="1" smtClean="0"/>
+              <a:t>materials</a:t>
             </a:r>
             <a:endParaRPr lang="en-GB" dirty="0"/>
+          </a:p>
+        </p:txBody>
+      </p:sp>
+      <p:sp>
+        <p:nvSpPr>
+          <p:cNvPr id="8" name="Tijdelijke aanduiding voor tekst 7"/>
+          <p:cNvSpPr>
+            <a:spLocks noGrp="1"/>
+          </p:cNvSpPr>
+          <p:nvPr>
+            <p:ph type="body" idx="1"/>
+          </p:nvPr>
+        </p:nvSpPr>
+        <p:spPr/>
+        <p:txBody>
+          <a:bodyPr/>
+          <a:lstStyle/>
+          <a:p>
+            <a:endParaRPr lang="en-GB"/>
           </a:p>
         </p:txBody>
       </p:sp>
@@ -19190,353 +19707,10 @@
           </a:p>
         </p:txBody>
       </p:sp>
-      <p:pic>
-        <p:nvPicPr>
-          <p:cNvPr id="8" name="Picture 24">
-            <a:hlinkClick r:id="rId2"/>
-          </p:cNvPr>
-          <p:cNvPicPr>
-            <a:picLocks noChangeAspect="1" noChangeArrowheads="1"/>
-          </p:cNvPicPr>
-          <p:nvPr/>
-        </p:nvPicPr>
-        <p:blipFill>
-          <a:blip r:embed="rId3">
-            <a:extLst>
-              <a:ext uri="{28A0092B-C50C-407E-A947-70E740481C1C}">
-                <a14:useLocalDpi xmlns:a14="http://schemas.microsoft.com/office/drawing/2010/main" val="0"/>
-              </a:ext>
-            </a:extLst>
-          </a:blip>
-          <a:srcRect/>
-          <a:stretch>
-            <a:fillRect/>
-          </a:stretch>
-        </p:blipFill>
-        <p:spPr bwMode="auto">
-          <a:xfrm>
-            <a:off x="3560326" y="3645024"/>
-            <a:ext cx="1584176" cy="2715730"/>
-          </a:xfrm>
-          <a:prstGeom prst="rect">
-            <a:avLst/>
-          </a:prstGeom>
-          <a:noFill/>
-          <a:ln>
-            <a:noFill/>
-          </a:ln>
-          <a:effectLst/>
-          <a:extLst>
-            <a:ext uri="{909E8E84-426E-40DD-AFC4-6F175D3DCCD1}">
-              <a14:hiddenFill xmlns:a14="http://schemas.microsoft.com/office/drawing/2010/main">
-                <a:solidFill>
-                  <a:schemeClr val="tx1"/>
-                </a:solidFill>
-              </a14:hiddenFill>
-            </a:ext>
-            <a:ext uri="{91240B29-F687-4F45-9708-019B960494DF}">
-              <a14:hiddenLine xmlns:a14="http://schemas.microsoft.com/office/drawing/2010/main" w="9525" algn="ctr">
-                <a:solidFill>
-                  <a:schemeClr val="tx1"/>
-                </a:solidFill>
-                <a:miter lim="800000"/>
-                <a:headEnd/>
-                <a:tailEnd/>
-              </a14:hiddenLine>
-            </a:ext>
-            <a:ext uri="{AF507438-7753-43E0-B8FC-AC1667EBCBE1}">
-              <a14:hiddenEffects xmlns:a14="http://schemas.microsoft.com/office/drawing/2010/main">
-                <a:effectLst>
-                  <a:outerShdw dist="35921" dir="2700000" algn="ctr" rotWithShape="0">
-                    <a:srgbClr val="808080"/>
-                  </a:outerShdw>
-                </a:effectLst>
-              </a14:hiddenEffects>
-            </a:ext>
-          </a:extLst>
-        </p:spPr>
-      </p:pic>
-      <p:pic>
-        <p:nvPicPr>
-          <p:cNvPr id="9" name="Picture 8"/>
-          <p:cNvPicPr>
-            <a:picLocks noChangeAspect="1" noChangeArrowheads="1"/>
-          </p:cNvPicPr>
-          <p:nvPr/>
-        </p:nvPicPr>
-        <p:blipFill>
-          <a:blip r:embed="rId4">
-            <a:extLst>
-              <a:ext uri="{28A0092B-C50C-407E-A947-70E740481C1C}">
-                <a14:useLocalDpi xmlns:a14="http://schemas.microsoft.com/office/drawing/2010/main" val="0"/>
-              </a:ext>
-            </a:extLst>
-          </a:blip>
-          <a:srcRect/>
-          <a:stretch>
-            <a:fillRect/>
-          </a:stretch>
-        </p:blipFill>
-        <p:spPr bwMode="auto">
-          <a:xfrm>
-            <a:off x="5315412" y="1484784"/>
-            <a:ext cx="3360373" cy="2520280"/>
-          </a:xfrm>
-          <a:prstGeom prst="rect">
-            <a:avLst/>
-          </a:prstGeom>
-          <a:noFill/>
-          <a:ln>
-            <a:noFill/>
-          </a:ln>
-          <a:extLst>
-            <a:ext uri="{909E8E84-426E-40DD-AFC4-6F175D3DCCD1}">
-              <a14:hiddenFill xmlns:a14="http://schemas.microsoft.com/office/drawing/2010/main">
-                <a:solidFill>
-                  <a:srgbClr val="FFFFFF"/>
-                </a:solidFill>
-              </a14:hiddenFill>
-            </a:ext>
-            <a:ext uri="{91240B29-F687-4F45-9708-019B960494DF}">
-              <a14:hiddenLine xmlns:a14="http://schemas.microsoft.com/office/drawing/2010/main" w="12700" cap="sq">
-                <a:solidFill>
-                  <a:srgbClr val="000000"/>
-                </a:solidFill>
-                <a:miter lim="800000"/>
-                <a:headEnd type="none" w="sm" len="sm"/>
-                <a:tailEnd type="none" w="sm" len="sm"/>
-              </a14:hiddenLine>
-            </a:ext>
-          </a:extLst>
-        </p:spPr>
-      </p:pic>
-      <p:pic>
-        <p:nvPicPr>
-          <p:cNvPr id="10" name="Picture 5" descr="Picture1">
-            <a:hlinkClick r:id="rId5"/>
-          </p:cNvPr>
-          <p:cNvPicPr>
-            <a:picLocks noChangeAspect="1" noChangeArrowheads="1"/>
-          </p:cNvPicPr>
-          <p:nvPr/>
-        </p:nvPicPr>
-        <p:blipFill>
-          <a:blip r:embed="rId6">
-            <a:extLst>
-              <a:ext uri="{28A0092B-C50C-407E-A947-70E740481C1C}">
-                <a14:useLocalDpi xmlns:a14="http://schemas.microsoft.com/office/drawing/2010/main" val="0"/>
-              </a:ext>
-            </a:extLst>
-          </a:blip>
-          <a:srcRect/>
-          <a:stretch>
-            <a:fillRect/>
-          </a:stretch>
-        </p:blipFill>
-        <p:spPr bwMode="auto">
-          <a:xfrm>
-            <a:off x="157759" y="1436015"/>
-            <a:ext cx="2677683" cy="2480616"/>
-          </a:xfrm>
-          <a:prstGeom prst="rect">
-            <a:avLst/>
-          </a:prstGeom>
-          <a:noFill/>
-          <a:ln>
-            <a:noFill/>
-          </a:ln>
-          <a:extLst>
-            <a:ext uri="{909E8E84-426E-40DD-AFC4-6F175D3DCCD1}">
-              <a14:hiddenFill xmlns:a14="http://schemas.microsoft.com/office/drawing/2010/main">
-                <a:solidFill>
-                  <a:srgbClr val="FFFFFF"/>
-                </a:solidFill>
-              </a14:hiddenFill>
-            </a:ext>
-            <a:ext uri="{91240B29-F687-4F45-9708-019B960494DF}">
-              <a14:hiddenLine xmlns:a14="http://schemas.microsoft.com/office/drawing/2010/main" w="9525">
-                <a:solidFill>
-                  <a:srgbClr val="000000"/>
-                </a:solidFill>
-                <a:miter lim="800000"/>
-                <a:headEnd/>
-                <a:tailEnd/>
-              </a14:hiddenLine>
-            </a:ext>
-          </a:extLst>
-        </p:spPr>
-      </p:pic>
-      <p:pic>
-        <p:nvPicPr>
-          <p:cNvPr id="11" name="Picture 4"/>
-          <p:cNvPicPr>
-            <a:picLocks noChangeAspect="1" noChangeArrowheads="1"/>
-          </p:cNvPicPr>
-          <p:nvPr/>
-        </p:nvPicPr>
-        <p:blipFill>
-          <a:blip r:embed="rId7">
-            <a:extLst>
-              <a:ext uri="{28A0092B-C50C-407E-A947-70E740481C1C}">
-                <a14:useLocalDpi xmlns:a14="http://schemas.microsoft.com/office/drawing/2010/main" val="0"/>
-              </a:ext>
-            </a:extLst>
-          </a:blip>
-          <a:srcRect/>
-          <a:stretch>
-            <a:fillRect/>
-          </a:stretch>
-        </p:blipFill>
-        <p:spPr bwMode="auto">
-          <a:xfrm>
-            <a:off x="5868144" y="4293096"/>
-            <a:ext cx="2605370" cy="2179712"/>
-          </a:xfrm>
-          <a:prstGeom prst="rect">
-            <a:avLst/>
-          </a:prstGeom>
-          <a:noFill/>
-          <a:ln w="9525">
-            <a:solidFill>
-              <a:schemeClr val="tx1"/>
-            </a:solidFill>
-            <a:miter lim="800000"/>
-            <a:headEnd/>
-            <a:tailEnd/>
-          </a:ln>
-          <a:effectLst/>
-          <a:extLst>
-            <a:ext uri="{909E8E84-426E-40DD-AFC4-6F175D3DCCD1}">
-              <a14:hiddenFill xmlns:a14="http://schemas.microsoft.com/office/drawing/2010/main">
-                <a:solidFill>
-                  <a:schemeClr val="accent1"/>
-                </a:solidFill>
-              </a14:hiddenFill>
-            </a:ext>
-            <a:ext uri="{AF507438-7753-43E0-B8FC-AC1667EBCBE1}">
-              <a14:hiddenEffects xmlns:a14="http://schemas.microsoft.com/office/drawing/2010/main">
-                <a:effectLst>
-                  <a:outerShdw dist="35921" dir="2700000" algn="ctr" rotWithShape="0">
-                    <a:schemeClr val="bg2"/>
-                  </a:outerShdw>
-                </a:effectLst>
-              </a14:hiddenEffects>
-            </a:ext>
-          </a:extLst>
-        </p:spPr>
-      </p:pic>
-      <p:pic>
-        <p:nvPicPr>
-          <p:cNvPr id="12" name="Picture 7"/>
-          <p:cNvPicPr>
-            <a:picLocks noChangeAspect="1" noChangeArrowheads="1"/>
-          </p:cNvPicPr>
-          <p:nvPr/>
-        </p:nvPicPr>
-        <p:blipFill>
-          <a:blip r:embed="rId8">
-            <a:extLst>
-              <a:ext uri="{28A0092B-C50C-407E-A947-70E740481C1C}">
-                <a14:useLocalDpi xmlns:a14="http://schemas.microsoft.com/office/drawing/2010/main" val="0"/>
-              </a:ext>
-            </a:extLst>
-          </a:blip>
-          <a:srcRect/>
-          <a:stretch>
-            <a:fillRect/>
-          </a:stretch>
-        </p:blipFill>
-        <p:spPr bwMode="auto">
-          <a:xfrm>
-            <a:off x="616060" y="4293096"/>
-            <a:ext cx="2470870" cy="1879551"/>
-          </a:xfrm>
-          <a:prstGeom prst="rect">
-            <a:avLst/>
-          </a:prstGeom>
-          <a:noFill/>
-          <a:ln>
-            <a:noFill/>
-          </a:ln>
-          <a:extLst>
-            <a:ext uri="{909E8E84-426E-40DD-AFC4-6F175D3DCCD1}">
-              <a14:hiddenFill xmlns:a14="http://schemas.microsoft.com/office/drawing/2010/main">
-                <a:solidFill>
-                  <a:srgbClr val="FFFFFF"/>
-                </a:solidFill>
-              </a14:hiddenFill>
-            </a:ext>
-            <a:ext uri="{91240B29-F687-4F45-9708-019B960494DF}">
-              <a14:hiddenLine xmlns:a14="http://schemas.microsoft.com/office/drawing/2010/main" w="12700" cap="sq">
-                <a:solidFill>
-                  <a:srgbClr val="000000"/>
-                </a:solidFill>
-                <a:miter lim="800000"/>
-                <a:headEnd type="none" w="sm" len="sm"/>
-                <a:tailEnd type="none" w="sm" len="sm"/>
-              </a14:hiddenLine>
-            </a:ext>
-          </a:extLst>
-        </p:spPr>
-      </p:pic>
-      <p:pic>
-        <p:nvPicPr>
-          <p:cNvPr id="13" name="Picture 5" descr="roomba_1"/>
-          <p:cNvPicPr>
-            <a:picLocks noChangeAspect="1" noChangeArrowheads="1"/>
-          </p:cNvPicPr>
-          <p:nvPr/>
-        </p:nvPicPr>
-        <p:blipFill>
-          <a:blip r:embed="rId9">
-            <a:extLst>
-              <a:ext uri="{28A0092B-C50C-407E-A947-70E740481C1C}">
-                <a14:useLocalDpi xmlns:a14="http://schemas.microsoft.com/office/drawing/2010/main" val="0"/>
-              </a:ext>
-            </a:extLst>
-          </a:blip>
-          <a:srcRect/>
-          <a:stretch>
-            <a:fillRect/>
-          </a:stretch>
-        </p:blipFill>
-        <p:spPr bwMode="auto">
-          <a:xfrm>
-            <a:off x="2835442" y="1556792"/>
-            <a:ext cx="2312622" cy="1929493"/>
-          </a:xfrm>
-          <a:prstGeom prst="rect">
-            <a:avLst/>
-          </a:prstGeom>
-          <a:noFill/>
-          <a:ln>
-            <a:noFill/>
-          </a:ln>
-          <a:extLst>
-            <a:ext uri="{909E8E84-426E-40DD-AFC4-6F175D3DCCD1}">
-              <a14:hiddenFill xmlns:a14="http://schemas.microsoft.com/office/drawing/2010/main">
-                <a:solidFill>
-                  <a:srgbClr val="FFFFFF"/>
-                </a:solidFill>
-              </a14:hiddenFill>
-            </a:ext>
-            <a:ext uri="{91240B29-F687-4F45-9708-019B960494DF}">
-              <a14:hiddenLine xmlns:a14="http://schemas.microsoft.com/office/drawing/2010/main" w="9525">
-                <a:solidFill>
-                  <a:srgbClr val="000000"/>
-                </a:solidFill>
-                <a:miter lim="800000"/>
-                <a:headEnd/>
-                <a:tailEnd/>
-              </a14:hiddenLine>
-            </a:ext>
-          </a:extLst>
-        </p:spPr>
-      </p:pic>
     </p:spTree>
     <p:extLst>
       <p:ext uri="{BB962C8B-B14F-4D97-AF65-F5344CB8AC3E}">
-        <p14:creationId xmlns:p14="http://schemas.microsoft.com/office/powerpoint/2010/main" val="3290158274"/>
+        <p14:creationId xmlns:p14="http://schemas.microsoft.com/office/powerpoint/2010/main" val="1079687849"/>
       </p:ext>
     </p:extLst>
   </p:cSld>
@@ -19579,10 +19753,10 @@
           <a:lstStyle/>
           <a:p>
             <a:r>
-              <a:rPr lang="en-US" dirty="0"/>
-              <a:t>DOFs of a Free Body</a:t>
-            </a:r>
-            <a:endParaRPr lang="nl-NL" dirty="0"/>
+              <a:rPr lang="nl-NL" dirty="0" smtClean="0"/>
+              <a:t>ROS Cheatsheet</a:t>
+            </a:r>
+            <a:endParaRPr lang="en-GB" dirty="0"/>
           </a:p>
         </p:txBody>
       </p:sp>
@@ -19598,172 +19772,35 @@
         </p:nvSpPr>
         <p:spPr/>
         <p:txBody>
-          <a:bodyPr/>
-          <a:lstStyle/>
-          <a:p>
-            <a:r>
-              <a:rPr lang="en-US" dirty="0" smtClean="0"/>
-              <a:t>Any unattached </a:t>
-            </a:r>
-            <a:r>
-              <a:rPr lang="en-US" dirty="0"/>
-              <a:t>body in 3D space has </a:t>
-            </a:r>
-            <a:r>
-              <a:rPr lang="en-US" dirty="0" smtClean="0"/>
-              <a:t>6 </a:t>
-            </a:r>
-            <a:r>
-              <a:rPr lang="en-US" dirty="0"/>
-              <a:t>DOFs</a:t>
-            </a:r>
-          </a:p>
-          <a:p>
-            <a:pPr lvl="1"/>
-            <a:r>
-              <a:rPr lang="en-US" dirty="0"/>
-              <a:t>3 for translation: x, y, z</a:t>
-            </a:r>
-          </a:p>
-          <a:p>
-            <a:pPr lvl="1"/>
-            <a:r>
-              <a:rPr lang="en-US" dirty="0"/>
-              <a:t>3 for rotation: roll, pitch, yaw</a:t>
-            </a:r>
-          </a:p>
-          <a:p>
-            <a:endParaRPr lang="nl-NL" dirty="0"/>
-          </a:p>
-        </p:txBody>
-      </p:sp>
-      <p:pic>
-        <p:nvPicPr>
-          <p:cNvPr id="5" name="Picture 4" descr="http://quest.arc.nasa.gov/aero/virtual/demo/aeronautics/tutorial/images/3axis.gif"/>
-          <p:cNvPicPr>
-            <a:picLocks noChangeAspect="1" noChangeArrowheads="1"/>
-          </p:cNvPicPr>
-          <p:nvPr/>
-        </p:nvPicPr>
-        <p:blipFill>
-          <a:blip r:embed="rId2">
-            <a:extLst>
-              <a:ext uri="{28A0092B-C50C-407E-A947-70E740481C1C}">
-                <a14:useLocalDpi xmlns:a14="http://schemas.microsoft.com/office/drawing/2010/main" val="0"/>
-              </a:ext>
-            </a:extLst>
-          </a:blip>
-          <a:srcRect/>
-          <a:stretch>
-            <a:fillRect/>
-          </a:stretch>
-        </p:blipFill>
-        <p:spPr bwMode="auto">
-          <a:xfrm>
-            <a:off x="1115616" y="3212976"/>
-            <a:ext cx="4968552" cy="3477988"/>
-          </a:xfrm>
-          <a:prstGeom prst="rect">
-            <a:avLst/>
-          </a:prstGeom>
-          <a:noFill/>
-          <a:extLst>
-            <a:ext uri="{909E8E84-426E-40DD-AFC4-6F175D3DCCD1}">
-              <a14:hiddenFill xmlns:a14="http://schemas.microsoft.com/office/drawing/2010/main">
-                <a:solidFill>
-                  <a:srgbClr val="FFFFFF"/>
-                </a:solidFill>
-              </a14:hiddenFill>
-            </a:ext>
-          </a:extLst>
-        </p:spPr>
-      </p:pic>
-      <p:pic>
-        <p:nvPicPr>
-          <p:cNvPr id="6" name="Picture 2" descr="https://developer.valvesoftware.com/w/images/7/7e/Roll_pitch_yaw.gif"/>
-          <p:cNvPicPr>
-            <a:picLocks noChangeAspect="1" noChangeArrowheads="1"/>
-          </p:cNvPicPr>
-          <p:nvPr/>
-        </p:nvPicPr>
-        <p:blipFill>
-          <a:blip r:embed="rId3">
-            <a:extLst>
-              <a:ext uri="{28A0092B-C50C-407E-A947-70E740481C1C}">
-                <a14:useLocalDpi xmlns:a14="http://schemas.microsoft.com/office/drawing/2010/main" val="0"/>
-              </a:ext>
-            </a:extLst>
-          </a:blip>
-          <a:srcRect/>
-          <a:stretch>
-            <a:fillRect/>
-          </a:stretch>
-        </p:blipFill>
-        <p:spPr bwMode="auto">
-          <a:xfrm>
-            <a:off x="6588224" y="2348880"/>
-            <a:ext cx="1946523" cy="1946523"/>
-          </a:xfrm>
-          <a:prstGeom prst="rect">
-            <a:avLst/>
-          </a:prstGeom>
-          <a:noFill/>
-          <a:extLst>
-            <a:ext uri="{909E8E84-426E-40DD-AFC4-6F175D3DCCD1}">
-              <a14:hiddenFill xmlns:a14="http://schemas.microsoft.com/office/drawing/2010/main">
-                <a:solidFill>
-                  <a:srgbClr val="FFFFFF"/>
-                </a:solidFill>
-              </a14:hiddenFill>
-            </a:ext>
-          </a:extLst>
-        </p:spPr>
-      </p:pic>
-      <p:pic>
-        <p:nvPicPr>
-          <p:cNvPr id="7" name="Picture 5" descr="D:\SkyDrive\Documents\My Pictures\right_hand_axes.jpg"/>
-          <p:cNvPicPr>
-            <a:picLocks noChangeAspect="1" noChangeArrowheads="1"/>
-          </p:cNvPicPr>
-          <p:nvPr/>
-        </p:nvPicPr>
-        <p:blipFill>
-          <a:blip r:embed="rId4">
-            <a:extLst>
-              <a:ext uri="{28A0092B-C50C-407E-A947-70E740481C1C}">
-                <a14:useLocalDpi xmlns:a14="http://schemas.microsoft.com/office/drawing/2010/main" val="0"/>
-              </a:ext>
-            </a:extLst>
-          </a:blip>
-          <a:srcRect/>
-          <a:stretch>
-            <a:fillRect/>
-          </a:stretch>
-        </p:blipFill>
-        <p:spPr bwMode="auto">
-          <a:xfrm>
-            <a:off x="6085300" y="4437112"/>
-            <a:ext cx="2331809" cy="2168582"/>
-          </a:xfrm>
-          <a:prstGeom prst="rect">
-            <a:avLst/>
-          </a:prstGeom>
-          <a:noFill/>
-          <a:extLst>
-            <a:ext uri="{909E8E84-426E-40DD-AFC4-6F175D3DCCD1}">
-              <a14:hiddenFill xmlns:a14="http://schemas.microsoft.com/office/drawing/2010/main">
-                <a:solidFill>
-                  <a:srgbClr val="FFFFFF"/>
-                </a:solidFill>
-              </a14:hiddenFill>
-            </a:ext>
-          </a:extLst>
-        </p:spPr>
-      </p:pic>
+          <a:bodyPr>
+            <a:normAutofit/>
+          </a:bodyPr>
+          <a:lstStyle/>
+          <a:p>
+            <a:r>
+              <a:rPr lang="en-GB" sz="2800" dirty="0">
+                <a:hlinkClick r:id="rId2"/>
+              </a:rPr>
+              <a:t>http://</a:t>
+            </a:r>
+            <a:r>
+              <a:rPr lang="en-GB" sz="2800" dirty="0" smtClean="0">
+                <a:hlinkClick r:id="rId2"/>
+              </a:rPr>
+              <a:t>www.clearpathrobotics.com/ros-cheat-sheet</a:t>
+            </a:r>
+            <a:r>
+              <a:rPr lang="en-GB" sz="2800" dirty="0" smtClean="0"/>
+              <a:t> </a:t>
+            </a:r>
+            <a:endParaRPr lang="en-GB" sz="2800" dirty="0"/>
+          </a:p>
+        </p:txBody>
+      </p:sp>
     </p:spTree>
     <p:extLst>
       <p:ext uri="{BB962C8B-B14F-4D97-AF65-F5344CB8AC3E}">
-        <p14:creationId xmlns:p14="http://schemas.microsoft.com/office/powerpoint/2010/main" val="2993876447"/>
+        <p14:creationId xmlns:p14="http://schemas.microsoft.com/office/powerpoint/2010/main" val="114031699"/>
       </p:ext>
     </p:extLst>
   </p:cSld>
@@ -19814,558 +19851,206 @@
           <a:p>
             <a:r>
               <a:rPr lang="nl-NL" dirty="0" smtClean="0"/>
-              <a:t>How </a:t>
+              <a:t>ROS Books</a:t>
+            </a:r>
+            <a:endParaRPr lang="en-GB" dirty="0"/>
+          </a:p>
+        </p:txBody>
+      </p:sp>
+      <p:sp>
+        <p:nvSpPr>
+          <p:cNvPr id="3" name="Tijdelijke aanduiding voor inhoud 2"/>
+          <p:cNvSpPr>
+            <a:spLocks noGrp="1"/>
+          </p:cNvSpPr>
+          <p:nvPr>
+            <p:ph idx="1"/>
+          </p:nvPr>
+        </p:nvSpPr>
+        <p:spPr/>
+        <p:txBody>
+          <a:bodyPr/>
+          <a:lstStyle/>
+          <a:p>
+            <a:r>
+              <a:rPr lang="en-GB" dirty="0"/>
+              <a:t>A Gentle Introduction to </a:t>
+            </a:r>
+            <a:r>
+              <a:rPr lang="en-GB" dirty="0" smtClean="0"/>
+              <a:t>ROS</a:t>
+            </a:r>
+          </a:p>
+          <a:p>
+            <a:pPr lvl="1"/>
+            <a:r>
+              <a:rPr lang="en-GB" dirty="0" smtClean="0">
+                <a:hlinkClick r:id="rId2"/>
+              </a:rPr>
+              <a:t>http</a:t>
+            </a:r>
+            <a:r>
+              <a:rPr lang="en-GB" dirty="0">
+                <a:hlinkClick r:id="rId2"/>
+              </a:rPr>
+              <a:t>://www.cse.sc.edu/~jokane/agitr</a:t>
+            </a:r>
+            <a:r>
+              <a:rPr lang="en-GB" dirty="0" smtClean="0">
+                <a:hlinkClick r:id="rId2"/>
+              </a:rPr>
+              <a:t>/</a:t>
+            </a:r>
+            <a:r>
+              <a:rPr lang="en-GB" dirty="0" smtClean="0"/>
+              <a:t> </a:t>
+            </a:r>
+          </a:p>
+          <a:p>
+            <a:pPr lvl="1"/>
+            <a:r>
+              <a:rPr lang="nl-NL" dirty="0" smtClean="0"/>
+              <a:t>C++ </a:t>
             </a:r>
             <a:r>
               <a:rPr lang="nl-NL" dirty="0" err="1" smtClean="0"/>
-              <a:t>to</a:t>
-            </a:r>
-            <a:r>
-              <a:rPr lang="nl-NL" dirty="0" smtClean="0"/>
-              <a:t> drive a mobile robot</a:t>
-            </a:r>
+              <a:t>examples</a:t>
+            </a:r>
+            <a:endParaRPr lang="en-GB" dirty="0" smtClean="0"/>
+          </a:p>
+          <a:p>
+            <a:pPr lvl="1"/>
             <a:endParaRPr lang="nl-NL" dirty="0"/>
           </a:p>
-        </p:txBody>
-      </p:sp>
-      <p:sp>
-        <p:nvSpPr>
-          <p:cNvPr id="3" name="Tijdelijke aanduiding voor inhoud 2"/>
-          <p:cNvSpPr>
-            <a:spLocks noGrp="1"/>
-          </p:cNvSpPr>
-          <p:nvPr>
-            <p:ph idx="1"/>
-          </p:nvPr>
-        </p:nvSpPr>
-        <p:spPr>
-          <a:xfrm>
-            <a:off x="430143" y="1544417"/>
-            <a:ext cx="8229600" cy="4525963"/>
-          </a:xfrm>
-        </p:spPr>
-        <p:txBody>
-          <a:bodyPr>
-            <a:normAutofit/>
-          </a:bodyPr>
-          <a:lstStyle/>
-          <a:p>
-            <a:r>
-              <a:rPr lang="nl-NL" i="1" dirty="0" err="1" smtClean="0"/>
-              <a:t>Moving</a:t>
-            </a:r>
-            <a:r>
-              <a:rPr lang="nl-NL" dirty="0" smtClean="0"/>
-              <a:t>: control </a:t>
+          <a:p>
+            <a:r>
+              <a:rPr lang="en-GB" dirty="0"/>
+              <a:t>ROS By </a:t>
+            </a:r>
+            <a:r>
+              <a:rPr lang="en-GB" dirty="0" smtClean="0"/>
+              <a:t>Example</a:t>
+            </a:r>
+          </a:p>
+          <a:p>
+            <a:pPr lvl="1"/>
+            <a:r>
+              <a:rPr lang="en-GB" dirty="0">
+                <a:hlinkClick r:id="rId3"/>
+              </a:rPr>
+              <a:t>http://</a:t>
+            </a:r>
+            <a:r>
+              <a:rPr lang="en-GB" dirty="0" smtClean="0">
+                <a:hlinkClick r:id="rId3"/>
+              </a:rPr>
+              <a:t>www.lulu.com/spotlight/pirobot</a:t>
+            </a:r>
+            <a:r>
+              <a:rPr lang="en-GB" dirty="0" smtClean="0"/>
+              <a:t> </a:t>
+            </a:r>
+          </a:p>
+          <a:p>
+            <a:pPr lvl="1"/>
+            <a:r>
+              <a:rPr lang="nl-NL" dirty="0" smtClean="0"/>
+              <a:t>Python </a:t>
             </a:r>
             <a:r>
               <a:rPr lang="nl-NL" dirty="0" err="1" smtClean="0"/>
-              <a:t>its</a:t>
-            </a:r>
-            <a:r>
-              <a:rPr lang="nl-NL" dirty="0" smtClean="0"/>
-              <a:t> </a:t>
-            </a:r>
-            <a:r>
-              <a:rPr lang="nl-NL" dirty="0" err="1" smtClean="0"/>
-              <a:t>translation</a:t>
-            </a:r>
-            <a:r>
-              <a:rPr lang="nl-NL" dirty="0" smtClean="0"/>
-              <a:t> </a:t>
-            </a:r>
-            <a:r>
-              <a:rPr lang="nl-NL" dirty="0" err="1" smtClean="0"/>
-              <a:t>velocity</a:t>
-            </a:r>
-            <a:endParaRPr lang="nl-NL" dirty="0" smtClean="0"/>
-          </a:p>
-          <a:p>
-            <a:pPr lvl="1"/>
-            <a:r>
-              <a:rPr lang="nl-NL" i="1" dirty="0" err="1" smtClean="0"/>
-              <a:t>Linear</a:t>
-            </a:r>
-            <a:r>
-              <a:rPr lang="nl-NL" i="1" dirty="0" smtClean="0"/>
-              <a:t> </a:t>
-            </a:r>
-            <a:r>
-              <a:rPr lang="nl-NL" i="1" dirty="0" err="1" smtClean="0"/>
-              <a:t>velocity</a:t>
-            </a:r>
-            <a:r>
-              <a:rPr lang="nl-NL" i="1" dirty="0" smtClean="0"/>
-              <a:t> </a:t>
-            </a:r>
-            <a:r>
-              <a:rPr lang="nl-NL" dirty="0"/>
-              <a:t>in </a:t>
-            </a:r>
-            <a:r>
-              <a:rPr lang="nl-NL" dirty="0" err="1"/>
-              <a:t>x,y,z</a:t>
-            </a:r>
-            <a:r>
-              <a:rPr lang="nl-NL" dirty="0"/>
-              <a:t> </a:t>
-            </a:r>
-            <a:r>
-              <a:rPr lang="nl-NL" dirty="0" err="1"/>
-              <a:t>direction</a:t>
-            </a:r>
-            <a:r>
-              <a:rPr lang="nl-NL" dirty="0"/>
-              <a:t> [m/s</a:t>
-            </a:r>
-            <a:r>
-              <a:rPr lang="nl-NL" dirty="0" smtClean="0"/>
-              <a:t>]</a:t>
-            </a:r>
-          </a:p>
-          <a:p>
-            <a:endParaRPr lang="en-US" dirty="0" smtClean="0"/>
-          </a:p>
-          <a:p>
-            <a:r>
-              <a:rPr lang="en-US" i="1" dirty="0" smtClean="0"/>
-              <a:t>Turning</a:t>
-            </a:r>
-            <a:r>
-              <a:rPr lang="en-US" dirty="0" smtClean="0"/>
-              <a:t>: control its rotation velocity</a:t>
-            </a:r>
-          </a:p>
-          <a:p>
-            <a:pPr lvl="1"/>
-            <a:r>
-              <a:rPr lang="en-US" i="1" dirty="0" smtClean="0"/>
-              <a:t>Angular </a:t>
-            </a:r>
-            <a:r>
-              <a:rPr lang="en-US" i="1" dirty="0"/>
-              <a:t>velocity </a:t>
-            </a:r>
-            <a:r>
-              <a:rPr lang="en-US" dirty="0"/>
-              <a:t>around </a:t>
-            </a:r>
-            <a:r>
-              <a:rPr lang="en-US" dirty="0" err="1"/>
-              <a:t>x,y,z</a:t>
-            </a:r>
-            <a:r>
-              <a:rPr lang="en-US" dirty="0"/>
-              <a:t> axis [rad/s</a:t>
-            </a:r>
-            <a:r>
-              <a:rPr lang="en-US" dirty="0" smtClean="0"/>
-              <a:t>] </a:t>
-            </a:r>
-          </a:p>
-          <a:p>
-            <a:pPr lvl="1"/>
-            <a:endParaRPr lang="en-US" dirty="0"/>
-          </a:p>
-          <a:p>
-            <a:r>
-              <a:rPr lang="en-US" dirty="0" smtClean="0"/>
-              <a:t>Turning while moving forward (making curves)</a:t>
-            </a:r>
-          </a:p>
-          <a:p>
-            <a:pPr lvl="1"/>
-            <a:r>
-              <a:rPr lang="en-US" dirty="0" smtClean="0"/>
-              <a:t>All of the above</a:t>
-            </a:r>
-            <a:endParaRPr lang="en-US" dirty="0"/>
-          </a:p>
-          <a:p>
+              <a:t>examples</a:t>
+            </a:r>
+            <a:endParaRPr lang="en-GB" dirty="0"/>
+          </a:p>
+        </p:txBody>
+      </p:sp>
+      <p:sp>
+        <p:nvSpPr>
+          <p:cNvPr id="4" name="Tijdelijke aanduiding voor voettekst 3"/>
+          <p:cNvSpPr>
+            <a:spLocks noGrp="1"/>
+          </p:cNvSpPr>
+          <p:nvPr>
+            <p:ph type="ftr" sz="quarter" idx="11"/>
+          </p:nvPr>
+        </p:nvSpPr>
+        <p:spPr/>
+        <p:txBody>
+          <a:bodyPr/>
+          <a:lstStyle/>
+          <a:p>
+            <a:r>
+              <a:rPr lang="nl-NL" smtClean="0"/>
+              <a:t>Eric Dortmans / Fontys Hogeschool ICT</a:t>
+            </a:r>
+            <a:endParaRPr lang="nl-NL"/>
+          </a:p>
+        </p:txBody>
+      </p:sp>
+      <p:sp>
+        <p:nvSpPr>
+          <p:cNvPr id="6" name="Tijdelijke aanduiding voor datum 5"/>
+          <p:cNvSpPr>
+            <a:spLocks noGrp="1"/>
+          </p:cNvSpPr>
+          <p:nvPr>
+            <p:ph type="dt" sz="half" idx="10"/>
+          </p:nvPr>
+        </p:nvSpPr>
+        <p:spPr/>
+        <p:txBody>
+          <a:bodyPr/>
+          <a:lstStyle/>
+          <a:p>
+            <a:r>
+              <a:rPr lang="en-US" smtClean="0"/>
+              <a:t>23-4-2015</a:t>
+            </a:r>
+            <a:endParaRPr lang="nl-NL"/>
+          </a:p>
+        </p:txBody>
+      </p:sp>
+      <p:sp>
+        <p:nvSpPr>
+          <p:cNvPr id="5" name="Tijdelijke aanduiding voor dianummer 4"/>
+          <p:cNvSpPr>
+            <a:spLocks noGrp="1"/>
+          </p:cNvSpPr>
+          <p:nvPr>
+            <p:ph type="sldNum" sz="quarter" idx="12"/>
+          </p:nvPr>
+        </p:nvSpPr>
+        <p:spPr/>
+        <p:txBody>
+          <a:bodyPr/>
+          <a:lstStyle/>
+          <a:p>
+            <a:fld id="{A9096D49-DAE3-40DE-93E0-41688E0A5016}" type="slidenum">
+              <a:rPr lang="nl-NL" smtClean="0"/>
+              <a:t>45</a:t>
+            </a:fld>
             <a:endParaRPr lang="nl-NL" dirty="0"/>
-          </a:p>
-        </p:txBody>
-      </p:sp>
-      <p:sp>
-        <p:nvSpPr>
-          <p:cNvPr id="9" name="PIJL-OMLAAG 8"/>
-          <p:cNvSpPr/>
-          <p:nvPr/>
-        </p:nvSpPr>
-        <p:spPr>
-          <a:xfrm flipV="1">
-            <a:off x="7740352" y="1772816"/>
-            <a:ext cx="252028" cy="864096"/>
-          </a:xfrm>
-          <a:prstGeom prst="downArrow">
-            <a:avLst/>
-          </a:prstGeom>
-        </p:spPr>
-        <p:style>
-          <a:lnRef idx="2">
-            <a:schemeClr val="accent1">
-              <a:shade val="50000"/>
-            </a:schemeClr>
-          </a:lnRef>
-          <a:fillRef idx="1">
-            <a:schemeClr val="accent1"/>
-          </a:fillRef>
-          <a:effectRef idx="0">
-            <a:schemeClr val="accent1"/>
-          </a:effectRef>
-          <a:fontRef idx="minor">
-            <a:schemeClr val="lt1"/>
-          </a:fontRef>
-        </p:style>
-        <p:txBody>
-          <a:bodyPr rtlCol="0" anchor="ctr"/>
-          <a:lstStyle/>
-          <a:p>
-            <a:pPr algn="ctr"/>
-            <a:endParaRPr lang="nl-NL"/>
-          </a:p>
-        </p:txBody>
-      </p:sp>
-      <p:sp>
-        <p:nvSpPr>
-          <p:cNvPr id="15" name="PIJL-OMLAAG 14"/>
-          <p:cNvSpPr/>
-          <p:nvPr/>
-        </p:nvSpPr>
-        <p:spPr>
-          <a:xfrm rot="19200000" flipH="1">
-            <a:off x="8017426" y="3912976"/>
-            <a:ext cx="252028" cy="864096"/>
-          </a:xfrm>
-          <a:prstGeom prst="downArrow">
-            <a:avLst/>
-          </a:prstGeom>
-          <a:noFill/>
-        </p:spPr>
-        <p:style>
-          <a:lnRef idx="2">
-            <a:schemeClr val="accent1">
-              <a:shade val="50000"/>
-            </a:schemeClr>
-          </a:lnRef>
-          <a:fillRef idx="1">
-            <a:schemeClr val="accent1"/>
-          </a:fillRef>
-          <a:effectRef idx="0">
-            <a:schemeClr val="accent1"/>
-          </a:effectRef>
-          <a:fontRef idx="minor">
-            <a:schemeClr val="lt1"/>
-          </a:fontRef>
-        </p:style>
-        <p:txBody>
-          <a:bodyPr rtlCol="0" anchor="ctr"/>
-          <a:lstStyle/>
-          <a:p>
-            <a:pPr algn="ctr"/>
-            <a:endParaRPr lang="nl-NL"/>
-          </a:p>
-        </p:txBody>
-      </p:sp>
-      <p:sp>
-        <p:nvSpPr>
-          <p:cNvPr id="16" name="PIJL-OMLAAG 15"/>
-          <p:cNvSpPr/>
-          <p:nvPr/>
-        </p:nvSpPr>
-        <p:spPr>
-          <a:xfrm flipV="1">
-            <a:off x="7769193" y="3226621"/>
-            <a:ext cx="252028" cy="864096"/>
-          </a:xfrm>
-          <a:prstGeom prst="downArrow">
-            <a:avLst/>
-          </a:prstGeom>
-          <a:noFill/>
-        </p:spPr>
-        <p:style>
-          <a:lnRef idx="2">
-            <a:schemeClr val="accent1">
-              <a:shade val="50000"/>
-            </a:schemeClr>
-          </a:lnRef>
-          <a:fillRef idx="1">
-            <a:schemeClr val="accent1"/>
-          </a:fillRef>
-          <a:effectRef idx="0">
-            <a:schemeClr val="accent1"/>
-          </a:effectRef>
-          <a:fontRef idx="minor">
-            <a:schemeClr val="lt1"/>
-          </a:fontRef>
-        </p:style>
-        <p:txBody>
-          <a:bodyPr rtlCol="0" anchor="ctr"/>
-          <a:lstStyle/>
-          <a:p>
-            <a:pPr algn="ctr"/>
-            <a:endParaRPr lang="nl-NL"/>
-          </a:p>
-        </p:txBody>
-      </p:sp>
-      <p:sp>
-        <p:nvSpPr>
-          <p:cNvPr id="20" name="Draaiende pijl 19"/>
-          <p:cNvSpPr/>
-          <p:nvPr/>
-        </p:nvSpPr>
-        <p:spPr>
-          <a:xfrm>
-            <a:off x="7596336" y="5589240"/>
-            <a:ext cx="1224136" cy="1440160"/>
-          </a:xfrm>
-          <a:prstGeom prst="circularArrow">
-            <a:avLst/>
-          </a:prstGeom>
-        </p:spPr>
-        <p:style>
-          <a:lnRef idx="2">
-            <a:schemeClr val="accent1">
-              <a:shade val="50000"/>
-            </a:schemeClr>
-          </a:lnRef>
-          <a:fillRef idx="1">
-            <a:schemeClr val="accent1"/>
-          </a:fillRef>
-          <a:effectRef idx="0">
-            <a:schemeClr val="accent1"/>
-          </a:effectRef>
-          <a:fontRef idx="minor">
-            <a:schemeClr val="lt1"/>
-          </a:fontRef>
-        </p:style>
-        <p:txBody>
-          <a:bodyPr rtlCol="0" anchor="ctr"/>
-          <a:lstStyle/>
-          <a:p>
-            <a:pPr algn="ctr"/>
-            <a:endParaRPr lang="nl-NL">
-              <a:solidFill>
-                <a:schemeClr val="tx1"/>
-              </a:solidFill>
-            </a:endParaRPr>
-          </a:p>
-        </p:txBody>
-      </p:sp>
-      <p:sp>
-        <p:nvSpPr>
-          <p:cNvPr id="23" name="PIJL-OMLAAG 22"/>
-          <p:cNvSpPr/>
-          <p:nvPr/>
-        </p:nvSpPr>
-        <p:spPr>
-          <a:xfrm rot="1320000" flipV="1">
-            <a:off x="7964696" y="3230269"/>
-            <a:ext cx="223780" cy="849460"/>
-          </a:xfrm>
-          <a:prstGeom prst="downArrow">
-            <a:avLst/>
-          </a:prstGeom>
-          <a:noFill/>
-        </p:spPr>
-        <p:style>
-          <a:lnRef idx="2">
-            <a:schemeClr val="accent1">
-              <a:shade val="50000"/>
-            </a:schemeClr>
-          </a:lnRef>
-          <a:fillRef idx="1">
-            <a:schemeClr val="accent1"/>
-          </a:fillRef>
-          <a:effectRef idx="0">
-            <a:schemeClr val="accent1"/>
-          </a:effectRef>
-          <a:fontRef idx="minor">
-            <a:schemeClr val="lt1"/>
-          </a:fontRef>
-        </p:style>
-        <p:txBody>
-          <a:bodyPr rtlCol="0" anchor="ctr"/>
-          <a:lstStyle/>
-          <a:p>
-            <a:pPr algn="ctr"/>
-            <a:endParaRPr lang="nl-NL"/>
-          </a:p>
-        </p:txBody>
-      </p:sp>
-      <p:sp>
-        <p:nvSpPr>
-          <p:cNvPr id="24" name="PIJL-OMLAAG 23"/>
-          <p:cNvSpPr/>
-          <p:nvPr/>
-        </p:nvSpPr>
-        <p:spPr>
-          <a:xfrm rot="3180000" flipV="1">
-            <a:off x="8117096" y="3382669"/>
-            <a:ext cx="223780" cy="849460"/>
-          </a:xfrm>
-          <a:prstGeom prst="downArrow">
-            <a:avLst/>
-          </a:prstGeom>
-          <a:noFill/>
-        </p:spPr>
-        <p:style>
-          <a:lnRef idx="2">
-            <a:schemeClr val="accent1">
-              <a:shade val="50000"/>
-            </a:schemeClr>
-          </a:lnRef>
-          <a:fillRef idx="1">
-            <a:schemeClr val="accent1"/>
-          </a:fillRef>
-          <a:effectRef idx="0">
-            <a:schemeClr val="accent1"/>
-          </a:effectRef>
-          <a:fontRef idx="minor">
-            <a:schemeClr val="lt1"/>
-          </a:fontRef>
-        </p:style>
-        <p:txBody>
-          <a:bodyPr rtlCol="0" anchor="ctr"/>
-          <a:lstStyle/>
-          <a:p>
-            <a:pPr algn="ctr"/>
-            <a:endParaRPr lang="nl-NL"/>
-          </a:p>
-        </p:txBody>
-      </p:sp>
-      <p:sp>
-        <p:nvSpPr>
-          <p:cNvPr id="25" name="PIJL-OMLAAG 24"/>
-          <p:cNvSpPr/>
-          <p:nvPr/>
-        </p:nvSpPr>
-        <p:spPr>
-          <a:xfrm rot="4740000" flipV="1">
-            <a:off x="8176672" y="3605481"/>
-            <a:ext cx="223780" cy="849460"/>
-          </a:xfrm>
-          <a:prstGeom prst="downArrow">
-            <a:avLst/>
-          </a:prstGeom>
-          <a:noFill/>
-        </p:spPr>
-        <p:style>
-          <a:lnRef idx="2">
-            <a:schemeClr val="accent1">
-              <a:shade val="50000"/>
-            </a:schemeClr>
-          </a:lnRef>
-          <a:fillRef idx="1">
-            <a:schemeClr val="accent1"/>
-          </a:fillRef>
-          <a:effectRef idx="0">
-            <a:schemeClr val="accent1"/>
-          </a:effectRef>
-          <a:fontRef idx="minor">
-            <a:schemeClr val="lt1"/>
-          </a:fontRef>
-        </p:style>
-        <p:txBody>
-          <a:bodyPr rtlCol="0" anchor="ctr"/>
-          <a:lstStyle/>
-          <a:p>
-            <a:pPr algn="ctr"/>
-            <a:endParaRPr lang="nl-NL"/>
-          </a:p>
-        </p:txBody>
-      </p:sp>
-      <p:sp>
-        <p:nvSpPr>
-          <p:cNvPr id="26" name="PIJL-OMLAAG 25"/>
-          <p:cNvSpPr/>
-          <p:nvPr/>
-        </p:nvSpPr>
-        <p:spPr>
-          <a:xfrm rot="6660000" flipV="1">
-            <a:off x="8133990" y="3783296"/>
-            <a:ext cx="223780" cy="849460"/>
-          </a:xfrm>
-          <a:prstGeom prst="downArrow">
-            <a:avLst/>
-          </a:prstGeom>
-          <a:noFill/>
-        </p:spPr>
-        <p:style>
-          <a:lnRef idx="2">
-            <a:schemeClr val="accent1">
-              <a:shade val="50000"/>
-            </a:schemeClr>
-          </a:lnRef>
-          <a:fillRef idx="1">
-            <a:schemeClr val="accent1"/>
-          </a:fillRef>
-          <a:effectRef idx="0">
-            <a:schemeClr val="accent1"/>
-          </a:effectRef>
-          <a:fontRef idx="minor">
-            <a:schemeClr val="lt1"/>
-          </a:fontRef>
-        </p:style>
-        <p:txBody>
-          <a:bodyPr rtlCol="0" anchor="ctr"/>
-          <a:lstStyle/>
-          <a:p>
-            <a:pPr algn="ctr"/>
-            <a:endParaRPr lang="nl-NL"/>
-          </a:p>
-        </p:txBody>
-      </p:sp>
-      <p:sp>
-        <p:nvSpPr>
-          <p:cNvPr id="27" name="Ovaal 26"/>
-          <p:cNvSpPr/>
-          <p:nvPr/>
-        </p:nvSpPr>
-        <p:spPr>
-          <a:xfrm>
-            <a:off x="7822444" y="4000662"/>
-            <a:ext cx="210570" cy="153126"/>
-          </a:xfrm>
-          <a:prstGeom prst="ellipse">
-            <a:avLst/>
-          </a:prstGeom>
-        </p:spPr>
-        <p:style>
-          <a:lnRef idx="2">
-            <a:schemeClr val="accent1">
-              <a:shade val="50000"/>
-            </a:schemeClr>
-          </a:lnRef>
-          <a:fillRef idx="1">
-            <a:schemeClr val="accent1"/>
-          </a:fillRef>
-          <a:effectRef idx="0">
-            <a:schemeClr val="accent1"/>
-          </a:effectRef>
-          <a:fontRef idx="minor">
-            <a:schemeClr val="lt1"/>
-          </a:fontRef>
-        </p:style>
-        <p:txBody>
-          <a:bodyPr rtlCol="0" anchor="ctr"/>
-          <a:lstStyle/>
-          <a:p>
-            <a:pPr algn="ctr"/>
-            <a:endParaRPr lang="nl-NL"/>
           </a:p>
         </p:txBody>
       </p:sp>
     </p:spTree>
     <p:extLst>
       <p:ext uri="{BB962C8B-B14F-4D97-AF65-F5344CB8AC3E}">
-        <p14:creationId xmlns:p14="http://schemas.microsoft.com/office/powerpoint/2010/main" val="685250344"/>
+        <p14:creationId xmlns:p14="http://schemas.microsoft.com/office/powerpoint/2010/main" val="641357650"/>
       </p:ext>
     </p:extLst>
   </p:cSld>
   <p:clrMapOvr>
     <a:masterClrMapping/>
   </p:clrMapOvr>
+  <p:timing>
+    <p:tnLst>
+      <p:par>
+        <p:cTn id="1" dur="indefinite" restart="never" nodeType="tmRoot"/>
+      </p:par>
+    </p:tnLst>
+  </p:timing>
 </p:sld>
 </file>
 
@@ -20403,15 +20088,11 @@
           <a:p>
             <a:r>
               <a:rPr lang="nl-NL" dirty="0" smtClean="0"/>
-              <a:t>Drive </a:t>
+              <a:t>ROS </a:t>
             </a:r>
             <a:r>
               <a:rPr lang="nl-NL" dirty="0" err="1" smtClean="0"/>
-              <a:t>any</a:t>
-            </a:r>
-            <a:r>
-              <a:rPr lang="nl-NL" dirty="0" smtClean="0"/>
-              <a:t> Mobile Robot</a:t>
+              <a:t>Tutorials</a:t>
             </a:r>
             <a:endParaRPr lang="nl-NL" dirty="0"/>
           </a:p>
@@ -20427,1068 +20108,135 @@
             <p:ph idx="1"/>
           </p:nvPr>
         </p:nvSpPr>
-        <p:spPr>
-          <a:xfrm>
-            <a:off x="457200" y="1600200"/>
-            <a:ext cx="8229600" cy="4997152"/>
-          </a:xfrm>
-        </p:spPr>
-        <p:txBody>
-          <a:bodyPr>
-            <a:normAutofit fontScale="85000" lnSpcReduction="20000"/>
-          </a:bodyPr>
-          <a:lstStyle/>
-          <a:p>
-            <a:r>
-              <a:rPr lang="en-US" dirty="0" smtClean="0"/>
-              <a:t>A </a:t>
-            </a:r>
-            <a:r>
-              <a:rPr lang="en-US" i="1" dirty="0" err="1" smtClean="0"/>
-              <a:t>robot_node</a:t>
-            </a:r>
-            <a:r>
-              <a:rPr lang="en-US" dirty="0" smtClean="0"/>
-              <a:t> drives the robot platform</a:t>
-            </a:r>
-          </a:p>
-          <a:p>
-            <a:pPr lvl="1"/>
-            <a:r>
-              <a:rPr lang="en-US" dirty="0" smtClean="0"/>
-              <a:t>Subscribed topic</a:t>
-            </a:r>
-            <a:r>
-              <a:rPr lang="en-US" dirty="0"/>
-              <a:t>: </a:t>
-            </a:r>
-            <a:r>
-              <a:rPr lang="en-US" i="1" dirty="0" err="1" smtClean="0"/>
-              <a:t>cmd_vel</a:t>
-            </a:r>
-            <a:endParaRPr lang="en-US" i="1" dirty="0" smtClean="0"/>
-          </a:p>
-          <a:p>
-            <a:pPr lvl="1"/>
-            <a:r>
-              <a:rPr lang="en-US" dirty="0" smtClean="0"/>
-              <a:t>Receives </a:t>
-            </a:r>
-            <a:r>
-              <a:rPr lang="en-US" i="1" dirty="0" smtClean="0"/>
-              <a:t>Twist</a:t>
-            </a:r>
-            <a:r>
-              <a:rPr lang="en-US" dirty="0" smtClean="0"/>
-              <a:t> messages</a:t>
-            </a:r>
-          </a:p>
-          <a:p>
-            <a:pPr lvl="1"/>
-            <a:endParaRPr lang="en-US" i="1" dirty="0"/>
-          </a:p>
-          <a:p>
-            <a:r>
-              <a:rPr lang="en-US" i="1" dirty="0" smtClean="0">
+        <p:spPr/>
+        <p:txBody>
+          <a:bodyPr/>
+          <a:lstStyle/>
+          <a:p>
+            <a:r>
+              <a:rPr lang="nl-NL" dirty="0">
                 <a:hlinkClick r:id="rId2"/>
               </a:rPr>
-              <a:t>geometry_msgs/Twist</a:t>
-            </a:r>
-            <a:endParaRPr lang="en-US" dirty="0" smtClean="0"/>
+              <a:t>http://</a:t>
+            </a:r>
+            <a:r>
+              <a:rPr lang="nl-NL" dirty="0" smtClean="0">
+                <a:hlinkClick r:id="rId2"/>
+              </a:rPr>
+              <a:t>www.ros.org/wiki/ROS/Tutorials</a:t>
+            </a:r>
+            <a:endParaRPr lang="nl-NL" dirty="0" smtClean="0"/>
           </a:p>
           <a:p>
             <a:pPr lvl="1"/>
             <a:r>
-              <a:rPr lang="nl-NL" i="1" dirty="0" err="1" smtClean="0"/>
-              <a:t>Linear</a:t>
-            </a:r>
-            <a:r>
-              <a:rPr lang="nl-NL" dirty="0" smtClean="0"/>
-              <a:t> </a:t>
+              <a:rPr lang="nl-NL" dirty="0" smtClean="0"/>
+              <a:t>Start </a:t>
             </a:r>
             <a:r>
               <a:rPr lang="nl-NL" dirty="0" err="1" smtClean="0"/>
-              <a:t>velocity</a:t>
-            </a:r>
-            <a:r>
-              <a:rPr lang="nl-NL" dirty="0" smtClean="0"/>
-              <a:t> in </a:t>
+              <a:t>here</a:t>
+            </a:r>
+            <a:r>
+              <a:rPr lang="nl-NL" dirty="0" smtClean="0"/>
+              <a:t> …</a:t>
+            </a:r>
+          </a:p>
+          <a:p>
+            <a:pPr lvl="1"/>
+            <a:r>
+              <a:rPr lang="nl-NL" dirty="0" smtClean="0"/>
+              <a:t>C++ </a:t>
             </a:r>
             <a:r>
               <a:rPr lang="nl-NL" dirty="0" err="1" smtClean="0"/>
-              <a:t>x,y,z</a:t>
-            </a:r>
-            <a:r>
-              <a:rPr lang="nl-NL" dirty="0" smtClean="0"/>
-              <a:t> </a:t>
+              <a:t>and</a:t>
+            </a:r>
+            <a:r>
+              <a:rPr lang="nl-NL" dirty="0" smtClean="0"/>
+              <a:t> Python </a:t>
             </a:r>
             <a:r>
               <a:rPr lang="nl-NL" dirty="0" err="1" smtClean="0"/>
-              <a:t>direction</a:t>
-            </a:r>
-            <a:r>
-              <a:rPr lang="nl-NL" dirty="0" smtClean="0"/>
-              <a:t> [m/s]</a:t>
-            </a:r>
-          </a:p>
-          <a:p>
-            <a:pPr lvl="2"/>
-            <a:r>
-              <a:rPr lang="en-US" dirty="0"/>
-              <a:t>Vector3 </a:t>
-            </a:r>
-            <a:r>
-              <a:rPr lang="en-US" dirty="0" smtClean="0"/>
-              <a:t>linear</a:t>
-            </a:r>
-          </a:p>
-          <a:p>
-            <a:pPr lvl="3"/>
-            <a:r>
-              <a:rPr lang="en-US" dirty="0" smtClean="0"/>
-              <a:t>float64 x</a:t>
-            </a:r>
-          </a:p>
-          <a:p>
-            <a:pPr lvl="3"/>
-            <a:r>
-              <a:rPr lang="en-US" dirty="0" smtClean="0"/>
-              <a:t>float64 y</a:t>
-            </a:r>
-          </a:p>
-          <a:p>
-            <a:pPr lvl="3"/>
-            <a:r>
-              <a:rPr lang="en-US" dirty="0" smtClean="0"/>
-              <a:t>float64 </a:t>
-            </a:r>
-            <a:r>
-              <a:rPr lang="en-US" dirty="0"/>
-              <a:t>z</a:t>
-            </a:r>
-          </a:p>
-          <a:p>
-            <a:pPr lvl="1"/>
-            <a:r>
-              <a:rPr lang="nl-NL" i="1" dirty="0" err="1" smtClean="0"/>
-              <a:t>Angular</a:t>
-            </a:r>
-            <a:r>
-              <a:rPr lang="nl-NL" dirty="0" smtClean="0"/>
-              <a:t> </a:t>
-            </a:r>
-            <a:r>
-              <a:rPr lang="nl-NL" dirty="0" err="1" smtClean="0"/>
-              <a:t>velocity</a:t>
-            </a:r>
-            <a:r>
-              <a:rPr lang="nl-NL" dirty="0" smtClean="0"/>
-              <a:t> </a:t>
-            </a:r>
-            <a:r>
-              <a:rPr lang="nl-NL" dirty="0" err="1" smtClean="0"/>
-              <a:t>around</a:t>
-            </a:r>
-            <a:r>
-              <a:rPr lang="nl-NL" dirty="0" smtClean="0"/>
-              <a:t> </a:t>
-            </a:r>
-            <a:r>
-              <a:rPr lang="nl-NL" dirty="0" err="1" smtClean="0"/>
-              <a:t>x,y,z</a:t>
-            </a:r>
-            <a:r>
-              <a:rPr lang="nl-NL" dirty="0" smtClean="0"/>
-              <a:t> </a:t>
-            </a:r>
-            <a:r>
-              <a:rPr lang="nl-NL" dirty="0" err="1" smtClean="0"/>
-              <a:t>axis</a:t>
-            </a:r>
-            <a:r>
-              <a:rPr lang="nl-NL" dirty="0" smtClean="0"/>
-              <a:t> [rad/s]</a:t>
-            </a:r>
-          </a:p>
-          <a:p>
-            <a:pPr lvl="2"/>
-            <a:r>
-              <a:rPr lang="nl-NL" dirty="0"/>
-              <a:t>Vector3 </a:t>
-            </a:r>
-            <a:r>
-              <a:rPr lang="nl-NL" dirty="0" err="1" smtClean="0"/>
-              <a:t>angular</a:t>
-            </a:r>
-            <a:endParaRPr lang="nl-NL" dirty="0" smtClean="0"/>
-          </a:p>
-          <a:p>
-            <a:pPr lvl="3"/>
-            <a:r>
-              <a:rPr lang="nl-NL" dirty="0" smtClean="0"/>
-              <a:t>float64 x 	</a:t>
-            </a:r>
-            <a:r>
-              <a:rPr lang="nl-NL" i="1" dirty="0" smtClean="0"/>
-              <a:t>(</a:t>
-            </a:r>
-            <a:r>
-              <a:rPr lang="nl-NL" i="1" dirty="0" err="1" smtClean="0"/>
-              <a:t>Roll</a:t>
-            </a:r>
-            <a:r>
-              <a:rPr lang="nl-NL" i="1" dirty="0" smtClean="0"/>
-              <a:t>)</a:t>
-            </a:r>
-          </a:p>
-          <a:p>
-            <a:pPr lvl="3"/>
-            <a:r>
-              <a:rPr lang="nl-NL" dirty="0" smtClean="0"/>
-              <a:t>float64 y 	</a:t>
-            </a:r>
-            <a:r>
-              <a:rPr lang="nl-NL" i="1" dirty="0" smtClean="0"/>
-              <a:t>(Pitch)</a:t>
-            </a:r>
-          </a:p>
-          <a:p>
-            <a:pPr lvl="3"/>
-            <a:r>
-              <a:rPr lang="nl-NL" dirty="0" smtClean="0"/>
-              <a:t>float64 </a:t>
-            </a:r>
-            <a:r>
-              <a:rPr lang="nl-NL" dirty="0" err="1" smtClean="0"/>
-              <a:t>z</a:t>
-            </a:r>
-            <a:r>
-              <a:rPr lang="nl-NL" dirty="0" smtClean="0"/>
-              <a:t> 	</a:t>
-            </a:r>
-            <a:r>
-              <a:rPr lang="nl-NL" i="1" dirty="0" smtClean="0"/>
-              <a:t>(</a:t>
-            </a:r>
-            <a:r>
-              <a:rPr lang="nl-NL" i="1" dirty="0" err="1" smtClean="0"/>
-              <a:t>Yaw</a:t>
-            </a:r>
-            <a:r>
-              <a:rPr lang="nl-NL" i="1" dirty="0" smtClean="0"/>
-              <a:t>)</a:t>
-            </a:r>
-            <a:endParaRPr lang="nl-NL" i="1" dirty="0"/>
-          </a:p>
-        </p:txBody>
-      </p:sp>
-      <p:sp>
-        <p:nvSpPr>
-          <p:cNvPr id="4" name="Ovaal 3"/>
-          <p:cNvSpPr/>
-          <p:nvPr/>
-        </p:nvSpPr>
-        <p:spPr>
-          <a:xfrm>
-            <a:off x="6876256" y="3384894"/>
-            <a:ext cx="2088232" cy="1584176"/>
-          </a:xfrm>
-          <a:prstGeom prst="ellipse">
-            <a:avLst/>
-          </a:prstGeom>
-        </p:spPr>
-        <p:style>
-          <a:lnRef idx="2">
-            <a:schemeClr val="accent1">
-              <a:shade val="50000"/>
-            </a:schemeClr>
-          </a:lnRef>
-          <a:fillRef idx="1">
-            <a:schemeClr val="accent1"/>
-          </a:fillRef>
-          <a:effectRef idx="0">
-            <a:schemeClr val="accent1"/>
-          </a:effectRef>
-          <a:fontRef idx="minor">
-            <a:schemeClr val="lt1"/>
-          </a:fontRef>
-        </p:style>
-        <p:txBody>
-          <a:bodyPr rtlCol="0" anchor="ctr"/>
-          <a:lstStyle/>
-          <a:p>
-            <a:pPr algn="ctr"/>
-            <a:r>
-              <a:rPr lang="nl-NL" sz="2000" b="1" dirty="0" err="1"/>
-              <a:t>r</a:t>
-            </a:r>
-            <a:r>
-              <a:rPr lang="nl-NL" sz="2000" b="1" dirty="0" err="1" smtClean="0"/>
-              <a:t>obot_node</a:t>
-            </a:r>
-            <a:endParaRPr lang="nl-NL" sz="2000" b="1" dirty="0"/>
-          </a:p>
-        </p:txBody>
-      </p:sp>
-      <p:cxnSp>
-        <p:nvCxnSpPr>
-          <p:cNvPr id="7" name="Rechte verbindingslijn met pijl 6"/>
-          <p:cNvCxnSpPr>
-            <a:stCxn id="9" idx="2"/>
-            <a:endCxn id="4" idx="0"/>
-          </p:cNvCxnSpPr>
-          <p:nvPr/>
-        </p:nvCxnSpPr>
-        <p:spPr>
-          <a:xfrm>
-            <a:off x="7914811" y="2738537"/>
-            <a:ext cx="5561" cy="646357"/>
-          </a:xfrm>
-          <a:prstGeom prst="straightConnector1">
-            <a:avLst/>
-          </a:prstGeom>
-          <a:ln>
-            <a:tailEnd type="arrow"/>
-          </a:ln>
-        </p:spPr>
-        <p:style>
-          <a:lnRef idx="3">
-            <a:schemeClr val="accent1"/>
-          </a:lnRef>
-          <a:fillRef idx="0">
-            <a:schemeClr val="accent1"/>
-          </a:fillRef>
-          <a:effectRef idx="2">
-            <a:schemeClr val="accent1"/>
-          </a:effectRef>
-          <a:fontRef idx="minor">
-            <a:schemeClr val="tx1"/>
-          </a:fontRef>
-        </p:style>
-      </p:cxnSp>
-      <p:sp>
-        <p:nvSpPr>
-          <p:cNvPr id="9" name="Tekstvak 8"/>
-          <p:cNvSpPr txBox="1"/>
-          <p:nvPr/>
-        </p:nvSpPr>
-        <p:spPr>
-          <a:xfrm>
-            <a:off x="6906699" y="2276872"/>
-            <a:ext cx="2016224" cy="461665"/>
-          </a:xfrm>
-          <a:prstGeom prst="rect">
-            <a:avLst/>
-          </a:prstGeom>
-          <a:noFill/>
-        </p:spPr>
-        <p:txBody>
-          <a:bodyPr wrap="square" rtlCol="0">
-            <a:spAutoFit/>
-          </a:bodyPr>
-          <a:lstStyle/>
-          <a:p>
-            <a:pPr algn="ctr"/>
-            <a:r>
-              <a:rPr lang="nl-NL" sz="2400" b="1" dirty="0" err="1" smtClean="0">
-                <a:solidFill>
-                  <a:schemeClr val="accent1"/>
-                </a:solidFill>
-              </a:rPr>
-              <a:t>cmd_vel</a:t>
-            </a:r>
-            <a:endParaRPr lang="nl-NL" sz="2400" b="1" dirty="0">
-              <a:solidFill>
-                <a:schemeClr val="accent1"/>
-              </a:solidFill>
-            </a:endParaRPr>
-          </a:p>
-        </p:txBody>
-      </p:sp>
-      <p:cxnSp>
-        <p:nvCxnSpPr>
-          <p:cNvPr id="15" name="Rechte verbindingslijn met pijl 14"/>
-          <p:cNvCxnSpPr>
-            <a:stCxn id="4" idx="4"/>
-          </p:cNvCxnSpPr>
-          <p:nvPr/>
-        </p:nvCxnSpPr>
-        <p:spPr>
-          <a:xfrm>
-            <a:off x="7920372" y="4969070"/>
-            <a:ext cx="0" cy="644432"/>
-          </a:xfrm>
-          <a:prstGeom prst="straightConnector1">
-            <a:avLst/>
-          </a:prstGeom>
-          <a:ln>
-            <a:tailEnd type="arrow"/>
-          </a:ln>
-        </p:spPr>
-        <p:style>
-          <a:lnRef idx="3">
-            <a:schemeClr val="accent1"/>
-          </a:lnRef>
-          <a:fillRef idx="0">
-            <a:schemeClr val="accent1"/>
-          </a:fillRef>
-          <a:effectRef idx="2">
-            <a:schemeClr val="accent1"/>
-          </a:effectRef>
-          <a:fontRef idx="minor">
-            <a:schemeClr val="tx1"/>
-          </a:fontRef>
-        </p:style>
-      </p:cxnSp>
-      <p:sp>
-        <p:nvSpPr>
-          <p:cNvPr id="23" name="Tekstvak 22"/>
-          <p:cNvSpPr txBox="1"/>
-          <p:nvPr/>
-        </p:nvSpPr>
-        <p:spPr>
-          <a:xfrm>
-            <a:off x="7164288" y="5613502"/>
-            <a:ext cx="1512168" cy="461665"/>
-          </a:xfrm>
-          <a:prstGeom prst="rect">
-            <a:avLst/>
-          </a:prstGeom>
-          <a:noFill/>
-        </p:spPr>
-        <p:txBody>
-          <a:bodyPr wrap="square" rtlCol="0">
-            <a:spAutoFit/>
-          </a:bodyPr>
-          <a:lstStyle/>
-          <a:p>
-            <a:pPr algn="ctr"/>
-            <a:r>
-              <a:rPr lang="nl-NL" sz="2400" b="1" dirty="0" smtClean="0">
-                <a:solidFill>
-                  <a:schemeClr val="accent1"/>
-                </a:solidFill>
-              </a:rPr>
-              <a:t>ROBOT</a:t>
-            </a:r>
-            <a:endParaRPr lang="nl-NL" sz="2400" b="1" dirty="0">
-              <a:solidFill>
-                <a:schemeClr val="accent1"/>
-              </a:solidFill>
-            </a:endParaRPr>
-          </a:p>
-        </p:txBody>
-      </p:sp>
-      <p:sp>
-        <p:nvSpPr>
-          <p:cNvPr id="10" name="Tekstvak 9"/>
-          <p:cNvSpPr txBox="1"/>
-          <p:nvPr/>
-        </p:nvSpPr>
-        <p:spPr>
-          <a:xfrm>
-            <a:off x="7740352" y="2752392"/>
-            <a:ext cx="1224136" cy="461665"/>
-          </a:xfrm>
-          <a:prstGeom prst="rect">
-            <a:avLst/>
-          </a:prstGeom>
-          <a:noFill/>
-        </p:spPr>
-        <p:txBody>
-          <a:bodyPr wrap="square" rtlCol="0">
-            <a:spAutoFit/>
-          </a:bodyPr>
-          <a:lstStyle/>
-          <a:p>
-            <a:pPr algn="ctr"/>
-            <a:r>
-              <a:rPr lang="nl-NL" sz="2400" b="1" i="1" dirty="0" smtClean="0">
-                <a:solidFill>
-                  <a:srgbClr val="C00000"/>
-                </a:solidFill>
-              </a:rPr>
-              <a:t>Twist</a:t>
-            </a:r>
-            <a:endParaRPr lang="nl-NL" sz="2400" b="1" i="1" dirty="0">
-              <a:solidFill>
-                <a:srgbClr val="C00000"/>
-              </a:solidFill>
-            </a:endParaRPr>
-          </a:p>
-        </p:txBody>
-      </p:sp>
-      <p:sp>
-        <p:nvSpPr>
-          <p:cNvPr id="5" name="Rechthoek 4"/>
-          <p:cNvSpPr/>
-          <p:nvPr/>
-        </p:nvSpPr>
-        <p:spPr>
-          <a:xfrm>
-            <a:off x="7270519" y="2305408"/>
-            <a:ext cx="1296144" cy="403512"/>
-          </a:xfrm>
-          <a:prstGeom prst="rect">
-            <a:avLst/>
-          </a:prstGeom>
-          <a:noFill/>
-        </p:spPr>
-        <p:style>
-          <a:lnRef idx="2">
-            <a:schemeClr val="accent1">
-              <a:shade val="50000"/>
-            </a:schemeClr>
-          </a:lnRef>
-          <a:fillRef idx="1">
-            <a:schemeClr val="accent1"/>
-          </a:fillRef>
-          <a:effectRef idx="0">
-            <a:schemeClr val="accent1"/>
-          </a:effectRef>
-          <a:fontRef idx="minor">
-            <a:schemeClr val="lt1"/>
-          </a:fontRef>
-        </p:style>
-        <p:txBody>
-          <a:bodyPr rtlCol="0" anchor="ctr"/>
-          <a:lstStyle/>
-          <a:p>
-            <a:pPr algn="ctr"/>
-            <a:endParaRPr lang="en-GB"/>
+              <a:t>examples</a:t>
+            </a:r>
+            <a:endParaRPr lang="nl-NL" dirty="0"/>
+          </a:p>
+        </p:txBody>
+      </p:sp>
+      <p:sp>
+        <p:nvSpPr>
+          <p:cNvPr id="4" name="Tijdelijke aanduiding voor voettekst 3"/>
+          <p:cNvSpPr>
+            <a:spLocks noGrp="1"/>
+          </p:cNvSpPr>
+          <p:nvPr>
+            <p:ph type="ftr" sz="quarter" idx="11"/>
+          </p:nvPr>
+        </p:nvSpPr>
+        <p:spPr/>
+        <p:txBody>
+          <a:bodyPr/>
+          <a:lstStyle/>
+          <a:p>
+            <a:r>
+              <a:rPr lang="nl-NL" smtClean="0"/>
+              <a:t>Eric Dortmans / Fontys Hogeschool ICT</a:t>
+            </a:r>
+            <a:endParaRPr lang="nl-NL"/>
+          </a:p>
+        </p:txBody>
+      </p:sp>
+      <p:sp>
+        <p:nvSpPr>
+          <p:cNvPr id="6" name="Tijdelijke aanduiding voor datum 5"/>
+          <p:cNvSpPr>
+            <a:spLocks noGrp="1"/>
+          </p:cNvSpPr>
+          <p:nvPr>
+            <p:ph type="dt" sz="half" idx="10"/>
+          </p:nvPr>
+        </p:nvSpPr>
+        <p:spPr/>
+        <p:txBody>
+          <a:bodyPr/>
+          <a:lstStyle/>
+          <a:p>
+            <a:r>
+              <a:rPr lang="en-US" smtClean="0"/>
+              <a:t>23-4-2015</a:t>
+            </a:r>
+            <a:endParaRPr lang="nl-NL"/>
+          </a:p>
+        </p:txBody>
+      </p:sp>
+      <p:sp>
+        <p:nvSpPr>
+          <p:cNvPr id="5" name="Tijdelijke aanduiding voor dianummer 4"/>
+          <p:cNvSpPr>
+            <a:spLocks noGrp="1"/>
+          </p:cNvSpPr>
+          <p:nvPr>
+            <p:ph type="sldNum" sz="quarter" idx="12"/>
+          </p:nvPr>
+        </p:nvSpPr>
+        <p:spPr/>
+        <p:txBody>
+          <a:bodyPr/>
+          <a:lstStyle/>
+          <a:p>
+            <a:fld id="{A9096D49-DAE3-40DE-93E0-41688E0A5016}" type="slidenum">
+              <a:rPr lang="nl-NL" smtClean="0"/>
+              <a:t>46</a:t>
+            </a:fld>
+            <a:endParaRPr lang="nl-NL"/>
           </a:p>
         </p:txBody>
       </p:sp>
     </p:spTree>
     <p:extLst>
       <p:ext uri="{BB962C8B-B14F-4D97-AF65-F5344CB8AC3E}">
-        <p14:creationId xmlns:p14="http://schemas.microsoft.com/office/powerpoint/2010/main" val="2295692728"/>
-      </p:ext>
-    </p:extLst>
-  </p:cSld>
-  <p:clrMapOvr>
-    <a:masterClrMapping/>
-  </p:clrMapOvr>
-  <p:timing>
-    <p:tnLst>
-      <p:par>
-        <p:cTn id="1" dur="indefinite" restart="never" nodeType="tmRoot"/>
-      </p:par>
-    </p:tnLst>
-  </p:timing>
-</p:sld>
-</file>
-
-<file path=ppt/slides/slide47.xml><?xml version="1.0" encoding="utf-8"?>
-<p:sld xmlns:a="http://schemas.openxmlformats.org/drawingml/2006/main" xmlns:r="http://schemas.openxmlformats.org/officeDocument/2006/relationships" xmlns:p="http://schemas.openxmlformats.org/presentationml/2006/main">
-  <p:cSld>
-    <p:spTree>
-      <p:nvGrpSpPr>
-        <p:cNvPr id="1" name=""/>
-        <p:cNvGrpSpPr/>
-        <p:nvPr/>
-      </p:nvGrpSpPr>
-      <p:grpSpPr>
-        <a:xfrm>
-          <a:off x="0" y="0"/>
-          <a:ext cx="0" cy="0"/>
-          <a:chOff x="0" y="0"/>
-          <a:chExt cx="0" cy="0"/>
-        </a:xfrm>
-      </p:grpSpPr>
-      <p:sp>
-        <p:nvSpPr>
-          <p:cNvPr id="4" name="Titel 3"/>
-          <p:cNvSpPr>
-            <a:spLocks noGrp="1"/>
-          </p:cNvSpPr>
-          <p:nvPr>
-            <p:ph type="title"/>
-          </p:nvPr>
-        </p:nvSpPr>
-        <p:spPr/>
-        <p:txBody>
-          <a:bodyPr/>
-          <a:lstStyle/>
-          <a:p>
-            <a:r>
-              <a:rPr lang="nl-NL" dirty="0" smtClean="0"/>
-              <a:t>Drive </a:t>
-            </a:r>
-            <a:r>
-              <a:rPr lang="nl-NL" dirty="0"/>
-              <a:t>a </a:t>
-            </a:r>
-            <a:r>
-              <a:rPr lang="nl-NL" dirty="0" smtClean="0"/>
-              <a:t>2-wheel Mobile Robot</a:t>
-            </a:r>
-            <a:endParaRPr lang="nl-NL" dirty="0"/>
-          </a:p>
-        </p:txBody>
-      </p:sp>
-      <p:sp>
-        <p:nvSpPr>
-          <p:cNvPr id="3" name="Tijdelijke aanduiding voor inhoud 2"/>
-          <p:cNvSpPr>
-            <a:spLocks noGrp="1"/>
-          </p:cNvSpPr>
-          <p:nvPr>
-            <p:ph idx="1"/>
-          </p:nvPr>
-        </p:nvSpPr>
-        <p:spPr/>
-        <p:txBody>
-          <a:bodyPr>
-            <a:normAutofit/>
-          </a:bodyPr>
-          <a:lstStyle/>
-          <a:p>
-            <a:r>
-              <a:rPr lang="en-US" dirty="0"/>
-              <a:t>C</a:t>
-            </a:r>
-            <a:r>
-              <a:rPr lang="en-US" dirty="0" smtClean="0"/>
-              <a:t>an only move </a:t>
-            </a:r>
-            <a:r>
-              <a:rPr lang="en-US" dirty="0"/>
-              <a:t>in X </a:t>
-            </a:r>
-            <a:r>
-              <a:rPr lang="en-US" dirty="0" smtClean="0"/>
-              <a:t>direction and rotate </a:t>
-            </a:r>
-            <a:r>
-              <a:rPr lang="en-US" dirty="0"/>
-              <a:t>around </a:t>
-            </a:r>
-            <a:r>
-              <a:rPr lang="en-US" dirty="0" smtClean="0"/>
-              <a:t>Z</a:t>
-            </a:r>
-          </a:p>
-          <a:p>
-            <a:pPr lvl="1"/>
-            <a:r>
-              <a:rPr lang="en-US" dirty="0" err="1" smtClean="0"/>
-              <a:t>linear.y</a:t>
-            </a:r>
-            <a:r>
-              <a:rPr lang="en-US" dirty="0" smtClean="0"/>
-              <a:t> </a:t>
-            </a:r>
-            <a:r>
-              <a:rPr lang="en-US" dirty="0"/>
-              <a:t>= 0</a:t>
-            </a:r>
-          </a:p>
-          <a:p>
-            <a:pPr lvl="1"/>
-            <a:r>
-              <a:rPr lang="en-US" dirty="0" err="1"/>
-              <a:t>linear.z</a:t>
-            </a:r>
-            <a:r>
-              <a:rPr lang="en-US" dirty="0"/>
-              <a:t> = 0</a:t>
-            </a:r>
-          </a:p>
-          <a:p>
-            <a:pPr lvl="1"/>
-            <a:r>
-              <a:rPr lang="en-US" dirty="0" err="1"/>
-              <a:t>angular.x</a:t>
-            </a:r>
-            <a:r>
-              <a:rPr lang="en-US" dirty="0"/>
-              <a:t> = 0</a:t>
-            </a:r>
-          </a:p>
-          <a:p>
-            <a:pPr lvl="1"/>
-            <a:r>
-              <a:rPr lang="en-US" dirty="0" err="1"/>
-              <a:t>angular.y</a:t>
-            </a:r>
-            <a:r>
-              <a:rPr lang="en-US" dirty="0"/>
-              <a:t> = 0</a:t>
-            </a:r>
-          </a:p>
-          <a:p>
-            <a:endParaRPr lang="nl-NL" dirty="0" smtClean="0"/>
-          </a:p>
-          <a:p>
-            <a:endParaRPr lang="nl-NL" dirty="0" smtClean="0"/>
-          </a:p>
-          <a:p>
-            <a:endParaRPr lang="nl-NL" dirty="0"/>
-          </a:p>
-        </p:txBody>
-      </p:sp>
-      <p:pic>
-        <p:nvPicPr>
-          <p:cNvPr id="1026" name="Picture 2"/>
-          <p:cNvPicPr>
-            <a:picLocks noChangeAspect="1" noChangeArrowheads="1"/>
-          </p:cNvPicPr>
-          <p:nvPr/>
-        </p:nvPicPr>
-        <p:blipFill>
-          <a:blip r:embed="rId2">
-            <a:extLst>
-              <a:ext uri="{28A0092B-C50C-407E-A947-70E740481C1C}">
-                <a14:useLocalDpi xmlns:a14="http://schemas.microsoft.com/office/drawing/2010/main" val="0"/>
-              </a:ext>
-            </a:extLst>
-          </a:blip>
-          <a:srcRect/>
-          <a:stretch>
-            <a:fillRect/>
-          </a:stretch>
-        </p:blipFill>
-        <p:spPr bwMode="auto">
-          <a:xfrm>
-            <a:off x="4319972" y="2565648"/>
-            <a:ext cx="4686139" cy="2761991"/>
-          </a:xfrm>
-          <a:prstGeom prst="rect">
-            <a:avLst/>
-          </a:prstGeom>
-          <a:noFill/>
-          <a:ln>
-            <a:noFill/>
-          </a:ln>
-          <a:effectLst/>
-          <a:extLst>
-            <a:ext uri="{909E8E84-426E-40DD-AFC4-6F175D3DCCD1}">
-              <a14:hiddenFill xmlns:a14="http://schemas.microsoft.com/office/drawing/2010/main">
-                <a:solidFill>
-                  <a:schemeClr val="accent1"/>
-                </a:solidFill>
-              </a14:hiddenFill>
-            </a:ext>
-            <a:ext uri="{91240B29-F687-4F45-9708-019B960494DF}">
-              <a14:hiddenLine xmlns:a14="http://schemas.microsoft.com/office/drawing/2010/main" w="9525">
-                <a:solidFill>
-                  <a:schemeClr val="tx1"/>
-                </a:solidFill>
-                <a:miter lim="800000"/>
-                <a:headEnd/>
-                <a:tailEnd/>
-              </a14:hiddenLine>
-            </a:ext>
-            <a:ext uri="{AF507438-7753-43E0-B8FC-AC1667EBCBE1}">
-              <a14:hiddenEffects xmlns:a14="http://schemas.microsoft.com/office/drawing/2010/main">
-                <a:effectLst>
-                  <a:outerShdw dist="35921" dir="2700000" algn="ctr" rotWithShape="0">
-                    <a:schemeClr val="bg2"/>
-                  </a:outerShdw>
-                </a:effectLst>
-              </a14:hiddenEffects>
-            </a:ext>
-          </a:extLst>
-        </p:spPr>
-      </p:pic>
-      <p:sp>
-        <p:nvSpPr>
-          <p:cNvPr id="2" name="Rechthoek 1"/>
-          <p:cNvSpPr/>
-          <p:nvPr/>
-        </p:nvSpPr>
-        <p:spPr>
-          <a:xfrm>
-            <a:off x="1187624" y="6044991"/>
-            <a:ext cx="6264696" cy="369332"/>
-          </a:xfrm>
-          <a:prstGeom prst="rect">
-            <a:avLst/>
-          </a:prstGeom>
-        </p:spPr>
-        <p:txBody>
-          <a:bodyPr wrap="square">
-            <a:spAutoFit/>
-          </a:bodyPr>
-          <a:lstStyle/>
-          <a:p>
-            <a:r>
-              <a:rPr lang="en-GB" dirty="0" smtClean="0"/>
-              <a:t>See: </a:t>
-            </a:r>
-            <a:r>
-              <a:rPr lang="en-GB" dirty="0" smtClean="0">
-                <a:hlinkClick r:id="rId3"/>
-              </a:rPr>
-              <a:t>http</a:t>
-            </a:r>
-            <a:r>
-              <a:rPr lang="en-GB" dirty="0">
-                <a:hlinkClick r:id="rId3"/>
-              </a:rPr>
-              <a:t>://</a:t>
-            </a:r>
-            <a:r>
-              <a:rPr lang="en-GB" dirty="0" smtClean="0">
-                <a:hlinkClick r:id="rId3"/>
-              </a:rPr>
-              <a:t>wiki.ros.org/ROS/Tutorials/UnderstandingTopics</a:t>
-            </a:r>
-            <a:r>
-              <a:rPr lang="en-GB" dirty="0" smtClean="0"/>
-              <a:t>  </a:t>
-            </a:r>
-            <a:endParaRPr lang="en-GB" dirty="0"/>
-          </a:p>
-        </p:txBody>
-      </p:sp>
-    </p:spTree>
-    <p:extLst>
-      <p:ext uri="{BB962C8B-B14F-4D97-AF65-F5344CB8AC3E}">
-        <p14:creationId xmlns:p14="http://schemas.microsoft.com/office/powerpoint/2010/main" val="1833711520"/>
-      </p:ext>
-    </p:extLst>
-  </p:cSld>
-  <p:clrMapOvr>
-    <a:masterClrMapping/>
-  </p:clrMapOvr>
-  <p:timing>
-    <p:tnLst>
-      <p:par>
-        <p:cTn id="1" dur="indefinite" restart="never" nodeType="tmRoot"/>
-      </p:par>
-    </p:tnLst>
-  </p:timing>
-</p:sld>
-</file>
-
-<file path=ppt/slides/slide48.xml><?xml version="1.0" encoding="utf-8"?>
-<p:sld xmlns:a="http://schemas.openxmlformats.org/drawingml/2006/main" xmlns:r="http://schemas.openxmlformats.org/officeDocument/2006/relationships" xmlns:p="http://schemas.openxmlformats.org/presentationml/2006/main">
-  <p:cSld>
-    <p:spTree>
-      <p:nvGrpSpPr>
-        <p:cNvPr id="1" name=""/>
-        <p:cNvGrpSpPr/>
-        <p:nvPr/>
-      </p:nvGrpSpPr>
-      <p:grpSpPr>
-        <a:xfrm>
-          <a:off x="0" y="0"/>
-          <a:ext cx="0" cy="0"/>
-          <a:chOff x="0" y="0"/>
-          <a:chExt cx="0" cy="0"/>
-        </a:xfrm>
-      </p:grpSpPr>
-      <p:sp>
-        <p:nvSpPr>
-          <p:cNvPr id="7" name="Titel 6"/>
-          <p:cNvSpPr>
-            <a:spLocks noGrp="1"/>
-          </p:cNvSpPr>
-          <p:nvPr>
-            <p:ph type="title"/>
-          </p:nvPr>
-        </p:nvSpPr>
-        <p:spPr/>
-        <p:txBody>
-          <a:bodyPr/>
-          <a:lstStyle/>
-          <a:p>
-            <a:r>
-              <a:rPr lang="nl-NL" dirty="0" smtClean="0"/>
-              <a:t>Reference </a:t>
-            </a:r>
-            <a:r>
-              <a:rPr lang="nl-NL" dirty="0" err="1" smtClean="0"/>
-              <a:t>materials</a:t>
-            </a:r>
-            <a:endParaRPr lang="en-GB" dirty="0"/>
-          </a:p>
-        </p:txBody>
-      </p:sp>
-      <p:sp>
-        <p:nvSpPr>
-          <p:cNvPr id="8" name="Tijdelijke aanduiding voor tekst 7"/>
-          <p:cNvSpPr>
-            <a:spLocks noGrp="1"/>
-          </p:cNvSpPr>
-          <p:nvPr>
-            <p:ph type="body" idx="1"/>
-          </p:nvPr>
-        </p:nvSpPr>
-        <p:spPr/>
-        <p:txBody>
-          <a:bodyPr/>
-          <a:lstStyle/>
-          <a:p>
-            <a:endParaRPr lang="en-GB"/>
-          </a:p>
-        </p:txBody>
-      </p:sp>
-      <p:sp>
-        <p:nvSpPr>
-          <p:cNvPr id="4" name="Tijdelijke aanduiding voor datum 3"/>
-          <p:cNvSpPr>
-            <a:spLocks noGrp="1"/>
-          </p:cNvSpPr>
-          <p:nvPr>
-            <p:ph type="dt" sz="half" idx="10"/>
-          </p:nvPr>
-        </p:nvSpPr>
-        <p:spPr/>
-        <p:txBody>
-          <a:bodyPr/>
-          <a:lstStyle/>
-          <a:p>
-            <a:r>
-              <a:rPr lang="en-US" smtClean="0"/>
-              <a:t>23-4-2015</a:t>
-            </a:r>
-            <a:endParaRPr lang="nl-NL"/>
-          </a:p>
-        </p:txBody>
-      </p:sp>
-      <p:sp>
-        <p:nvSpPr>
-          <p:cNvPr id="5" name="Tijdelijke aanduiding voor voettekst 4"/>
-          <p:cNvSpPr>
-            <a:spLocks noGrp="1"/>
-          </p:cNvSpPr>
-          <p:nvPr>
-            <p:ph type="ftr" sz="quarter" idx="11"/>
-          </p:nvPr>
-        </p:nvSpPr>
-        <p:spPr/>
-        <p:txBody>
-          <a:bodyPr/>
-          <a:lstStyle/>
-          <a:p>
-            <a:r>
-              <a:rPr lang="nl-NL" smtClean="0"/>
-              <a:t>Eric Dortmans / Fontys Hogeschool ICT</a:t>
-            </a:r>
-            <a:endParaRPr lang="nl-NL"/>
-          </a:p>
-        </p:txBody>
-      </p:sp>
-      <p:sp>
-        <p:nvSpPr>
-          <p:cNvPr id="6" name="Tijdelijke aanduiding voor dianummer 5"/>
-          <p:cNvSpPr>
-            <a:spLocks noGrp="1"/>
-          </p:cNvSpPr>
-          <p:nvPr>
-            <p:ph type="sldNum" sz="quarter" idx="12"/>
-          </p:nvPr>
-        </p:nvSpPr>
-        <p:spPr/>
-        <p:txBody>
-          <a:bodyPr/>
-          <a:lstStyle/>
-          <a:p>
-            <a:fld id="{A9096D49-DAE3-40DE-93E0-41688E0A5016}" type="slidenum">
-              <a:rPr lang="nl-NL" smtClean="0"/>
-              <a:t>48</a:t>
-            </a:fld>
-            <a:endParaRPr lang="nl-NL"/>
-          </a:p>
-        </p:txBody>
-      </p:sp>
-    </p:spTree>
-    <p:extLst>
-      <p:ext uri="{BB962C8B-B14F-4D97-AF65-F5344CB8AC3E}">
-        <p14:creationId xmlns:p14="http://schemas.microsoft.com/office/powerpoint/2010/main" val="1079687849"/>
-      </p:ext>
-    </p:extLst>
-  </p:cSld>
-  <p:clrMapOvr>
-    <a:masterClrMapping/>
-  </p:clrMapOvr>
-</p:sld>
-</file>
-
-<file path=ppt/slides/slide49.xml><?xml version="1.0" encoding="utf-8"?>
-<p:sld xmlns:a="http://schemas.openxmlformats.org/drawingml/2006/main" xmlns:r="http://schemas.openxmlformats.org/officeDocument/2006/relationships" xmlns:p="http://schemas.openxmlformats.org/presentationml/2006/main">
-  <p:cSld>
-    <p:spTree>
-      <p:nvGrpSpPr>
-        <p:cNvPr id="1" name=""/>
-        <p:cNvGrpSpPr/>
-        <p:nvPr/>
-      </p:nvGrpSpPr>
-      <p:grpSpPr>
-        <a:xfrm>
-          <a:off x="0" y="0"/>
-          <a:ext cx="0" cy="0"/>
-          <a:chOff x="0" y="0"/>
-          <a:chExt cx="0" cy="0"/>
-        </a:xfrm>
-      </p:grpSpPr>
-      <p:sp>
-        <p:nvSpPr>
-          <p:cNvPr id="2" name="Titel 1"/>
-          <p:cNvSpPr>
-            <a:spLocks noGrp="1"/>
-          </p:cNvSpPr>
-          <p:nvPr>
-            <p:ph type="title"/>
-          </p:nvPr>
-        </p:nvSpPr>
-        <p:spPr/>
-        <p:txBody>
-          <a:bodyPr/>
-          <a:lstStyle/>
-          <a:p>
-            <a:r>
-              <a:rPr lang="nl-NL" dirty="0" smtClean="0"/>
-              <a:t>ROS Cheatsheet</a:t>
-            </a:r>
-            <a:endParaRPr lang="en-GB" dirty="0"/>
-          </a:p>
-        </p:txBody>
-      </p:sp>
-      <p:sp>
-        <p:nvSpPr>
-          <p:cNvPr id="3" name="Tijdelijke aanduiding voor inhoud 2"/>
-          <p:cNvSpPr>
-            <a:spLocks noGrp="1"/>
-          </p:cNvSpPr>
-          <p:nvPr>
-            <p:ph idx="1"/>
-          </p:nvPr>
-        </p:nvSpPr>
-        <p:spPr/>
-        <p:txBody>
-          <a:bodyPr>
-            <a:normAutofit/>
-          </a:bodyPr>
-          <a:lstStyle/>
-          <a:p>
-            <a:r>
-              <a:rPr lang="en-GB" sz="2800" dirty="0">
-                <a:hlinkClick r:id="rId2"/>
-              </a:rPr>
-              <a:t>http://</a:t>
-            </a:r>
-            <a:r>
-              <a:rPr lang="en-GB" sz="2800" dirty="0" smtClean="0">
-                <a:hlinkClick r:id="rId2"/>
-              </a:rPr>
-              <a:t>www.clearpathrobotics.com/ros-cheat-sheet</a:t>
-            </a:r>
-            <a:r>
-              <a:rPr lang="en-GB" sz="2800" dirty="0" smtClean="0"/>
-              <a:t> </a:t>
-            </a:r>
-            <a:endParaRPr lang="en-GB" sz="2800" dirty="0"/>
-          </a:p>
-        </p:txBody>
-      </p:sp>
-    </p:spTree>
-    <p:extLst>
-      <p:ext uri="{BB962C8B-B14F-4D97-AF65-F5344CB8AC3E}">
-        <p14:creationId xmlns:p14="http://schemas.microsoft.com/office/powerpoint/2010/main" val="114031699"/>
+        <p14:creationId xmlns:p14="http://schemas.microsoft.com/office/powerpoint/2010/main" val="665972279"/>
       </p:ext>
     </p:extLst>
   </p:cSld>
@@ -21570,7 +20318,19 @@
             </a:r>
             <a:r>
               <a:rPr lang="en-GB" dirty="0"/>
-              <a:t>Robot Operating System (ROS) is a set of software libraries and tools that help you build robot applications. From drivers to state-of-the-art algorithms, and with powerful developer tools, ROS has what you need for your next robotics project. And it's all open source</a:t>
+              <a:t>Robot Operating System (ROS) is a </a:t>
+            </a:r>
+            <a:r>
+              <a:rPr lang="en-GB" dirty="0">
+                <a:solidFill>
+                  <a:srgbClr val="0070C0"/>
+                </a:solidFill>
+              </a:rPr>
+              <a:t>set of software libraries and tools that help you build robot applications</a:t>
+            </a:r>
+            <a:r>
+              <a:rPr lang="en-GB" dirty="0"/>
+              <a:t>. From drivers to state-of-the-art algorithms, and with powerful developer tools, ROS has what you need for your next robotics project. And it's all open source</a:t>
             </a:r>
             <a:r>
               <a:rPr lang="en-GB" dirty="0" smtClean="0"/>
@@ -21660,442 +20420,6 @@
     <p:extLst>
       <p:ext uri="{BB962C8B-B14F-4D97-AF65-F5344CB8AC3E}">
         <p14:creationId xmlns:p14="http://schemas.microsoft.com/office/powerpoint/2010/main" val="368327045"/>
-      </p:ext>
-    </p:extLst>
-  </p:cSld>
-  <p:clrMapOvr>
-    <a:masterClrMapping/>
-  </p:clrMapOvr>
-  <p:timing>
-    <p:tnLst>
-      <p:par>
-        <p:cTn id="1" dur="indefinite" restart="never" nodeType="tmRoot"/>
-      </p:par>
-    </p:tnLst>
-  </p:timing>
-</p:sld>
-</file>
-
-<file path=ppt/slides/slide50.xml><?xml version="1.0" encoding="utf-8"?>
-<p:sld xmlns:a="http://schemas.openxmlformats.org/drawingml/2006/main" xmlns:r="http://schemas.openxmlformats.org/officeDocument/2006/relationships" xmlns:p="http://schemas.openxmlformats.org/presentationml/2006/main">
-  <p:cSld>
-    <p:spTree>
-      <p:nvGrpSpPr>
-        <p:cNvPr id="1" name=""/>
-        <p:cNvGrpSpPr/>
-        <p:nvPr/>
-      </p:nvGrpSpPr>
-      <p:grpSpPr>
-        <a:xfrm>
-          <a:off x="0" y="0"/>
-          <a:ext cx="0" cy="0"/>
-          <a:chOff x="0" y="0"/>
-          <a:chExt cx="0" cy="0"/>
-        </a:xfrm>
-      </p:grpSpPr>
-      <p:sp>
-        <p:nvSpPr>
-          <p:cNvPr id="2" name="Titel 1"/>
-          <p:cNvSpPr>
-            <a:spLocks noGrp="1"/>
-          </p:cNvSpPr>
-          <p:nvPr>
-            <p:ph type="title"/>
-          </p:nvPr>
-        </p:nvSpPr>
-        <p:spPr/>
-        <p:txBody>
-          <a:bodyPr/>
-          <a:lstStyle/>
-          <a:p>
-            <a:r>
-              <a:rPr lang="nl-NL" dirty="0" smtClean="0"/>
-              <a:t>ROS Books</a:t>
-            </a:r>
-            <a:endParaRPr lang="en-GB" dirty="0"/>
-          </a:p>
-        </p:txBody>
-      </p:sp>
-      <p:sp>
-        <p:nvSpPr>
-          <p:cNvPr id="3" name="Tijdelijke aanduiding voor inhoud 2"/>
-          <p:cNvSpPr>
-            <a:spLocks noGrp="1"/>
-          </p:cNvSpPr>
-          <p:nvPr>
-            <p:ph idx="1"/>
-          </p:nvPr>
-        </p:nvSpPr>
-        <p:spPr/>
-        <p:txBody>
-          <a:bodyPr/>
-          <a:lstStyle/>
-          <a:p>
-            <a:r>
-              <a:rPr lang="en-GB" dirty="0"/>
-              <a:t>A Gentle Introduction to </a:t>
-            </a:r>
-            <a:r>
-              <a:rPr lang="en-GB" dirty="0" smtClean="0"/>
-              <a:t>ROS</a:t>
-            </a:r>
-          </a:p>
-          <a:p>
-            <a:pPr lvl="1"/>
-            <a:r>
-              <a:rPr lang="en-GB" dirty="0" smtClean="0">
-                <a:hlinkClick r:id="rId2"/>
-              </a:rPr>
-              <a:t>http</a:t>
-            </a:r>
-            <a:r>
-              <a:rPr lang="en-GB" dirty="0">
-                <a:hlinkClick r:id="rId2"/>
-              </a:rPr>
-              <a:t>://www.cse.sc.edu/~jokane/agitr</a:t>
-            </a:r>
-            <a:r>
-              <a:rPr lang="en-GB" dirty="0" smtClean="0">
-                <a:hlinkClick r:id="rId2"/>
-              </a:rPr>
-              <a:t>/</a:t>
-            </a:r>
-            <a:r>
-              <a:rPr lang="en-GB" dirty="0" smtClean="0"/>
-              <a:t> </a:t>
-            </a:r>
-          </a:p>
-          <a:p>
-            <a:pPr lvl="1"/>
-            <a:r>
-              <a:rPr lang="nl-NL" dirty="0" smtClean="0"/>
-              <a:t>C++ </a:t>
-            </a:r>
-            <a:r>
-              <a:rPr lang="nl-NL" dirty="0" err="1" smtClean="0"/>
-              <a:t>examples</a:t>
-            </a:r>
-            <a:endParaRPr lang="en-GB" dirty="0" smtClean="0"/>
-          </a:p>
-          <a:p>
-            <a:pPr lvl="1"/>
-            <a:endParaRPr lang="nl-NL" dirty="0"/>
-          </a:p>
-          <a:p>
-            <a:r>
-              <a:rPr lang="en-GB" dirty="0"/>
-              <a:t>ROS By </a:t>
-            </a:r>
-            <a:r>
-              <a:rPr lang="en-GB" dirty="0" smtClean="0"/>
-              <a:t>Example</a:t>
-            </a:r>
-          </a:p>
-          <a:p>
-            <a:pPr lvl="1"/>
-            <a:r>
-              <a:rPr lang="en-GB" dirty="0">
-                <a:hlinkClick r:id="rId3"/>
-              </a:rPr>
-              <a:t>http://</a:t>
-            </a:r>
-            <a:r>
-              <a:rPr lang="en-GB" dirty="0" smtClean="0">
-                <a:hlinkClick r:id="rId3"/>
-              </a:rPr>
-              <a:t>www.lulu.com/spotlight/pirobot</a:t>
-            </a:r>
-            <a:r>
-              <a:rPr lang="en-GB" dirty="0" smtClean="0"/>
-              <a:t> </a:t>
-            </a:r>
-          </a:p>
-          <a:p>
-            <a:pPr lvl="1"/>
-            <a:r>
-              <a:rPr lang="nl-NL" dirty="0" smtClean="0"/>
-              <a:t>Python </a:t>
-            </a:r>
-            <a:r>
-              <a:rPr lang="nl-NL" dirty="0" err="1" smtClean="0"/>
-              <a:t>examples</a:t>
-            </a:r>
-            <a:endParaRPr lang="en-GB" dirty="0"/>
-          </a:p>
-        </p:txBody>
-      </p:sp>
-      <p:sp>
-        <p:nvSpPr>
-          <p:cNvPr id="4" name="Tijdelijke aanduiding voor voettekst 3"/>
-          <p:cNvSpPr>
-            <a:spLocks noGrp="1"/>
-          </p:cNvSpPr>
-          <p:nvPr>
-            <p:ph type="ftr" sz="quarter" idx="11"/>
-          </p:nvPr>
-        </p:nvSpPr>
-        <p:spPr/>
-        <p:txBody>
-          <a:bodyPr/>
-          <a:lstStyle/>
-          <a:p>
-            <a:r>
-              <a:rPr lang="nl-NL" smtClean="0"/>
-              <a:t>Eric Dortmans / Fontys Hogeschool ICT</a:t>
-            </a:r>
-            <a:endParaRPr lang="nl-NL"/>
-          </a:p>
-        </p:txBody>
-      </p:sp>
-      <p:sp>
-        <p:nvSpPr>
-          <p:cNvPr id="6" name="Tijdelijke aanduiding voor datum 5"/>
-          <p:cNvSpPr>
-            <a:spLocks noGrp="1"/>
-          </p:cNvSpPr>
-          <p:nvPr>
-            <p:ph type="dt" sz="half" idx="10"/>
-          </p:nvPr>
-        </p:nvSpPr>
-        <p:spPr/>
-        <p:txBody>
-          <a:bodyPr/>
-          <a:lstStyle/>
-          <a:p>
-            <a:r>
-              <a:rPr lang="en-US" smtClean="0"/>
-              <a:t>23-4-2015</a:t>
-            </a:r>
-            <a:endParaRPr lang="nl-NL"/>
-          </a:p>
-        </p:txBody>
-      </p:sp>
-      <p:sp>
-        <p:nvSpPr>
-          <p:cNvPr id="5" name="Tijdelijke aanduiding voor dianummer 4"/>
-          <p:cNvSpPr>
-            <a:spLocks noGrp="1"/>
-          </p:cNvSpPr>
-          <p:nvPr>
-            <p:ph type="sldNum" sz="quarter" idx="12"/>
-          </p:nvPr>
-        </p:nvSpPr>
-        <p:spPr/>
-        <p:txBody>
-          <a:bodyPr/>
-          <a:lstStyle/>
-          <a:p>
-            <a:fld id="{A9096D49-DAE3-40DE-93E0-41688E0A5016}" type="slidenum">
-              <a:rPr lang="nl-NL" smtClean="0"/>
-              <a:t>50</a:t>
-            </a:fld>
-            <a:endParaRPr lang="nl-NL" dirty="0"/>
-          </a:p>
-        </p:txBody>
-      </p:sp>
-    </p:spTree>
-    <p:extLst>
-      <p:ext uri="{BB962C8B-B14F-4D97-AF65-F5344CB8AC3E}">
-        <p14:creationId xmlns:p14="http://schemas.microsoft.com/office/powerpoint/2010/main" val="641357650"/>
-      </p:ext>
-    </p:extLst>
-  </p:cSld>
-  <p:clrMapOvr>
-    <a:masterClrMapping/>
-  </p:clrMapOvr>
-  <p:timing>
-    <p:tnLst>
-      <p:par>
-        <p:cTn id="1" dur="indefinite" restart="never" nodeType="tmRoot"/>
-      </p:par>
-    </p:tnLst>
-  </p:timing>
-</p:sld>
-</file>
-
-<file path=ppt/slides/slide51.xml><?xml version="1.0" encoding="utf-8"?>
-<p:sld xmlns:a="http://schemas.openxmlformats.org/drawingml/2006/main" xmlns:r="http://schemas.openxmlformats.org/officeDocument/2006/relationships" xmlns:p="http://schemas.openxmlformats.org/presentationml/2006/main">
-  <p:cSld>
-    <p:spTree>
-      <p:nvGrpSpPr>
-        <p:cNvPr id="1" name=""/>
-        <p:cNvGrpSpPr/>
-        <p:nvPr/>
-      </p:nvGrpSpPr>
-      <p:grpSpPr>
-        <a:xfrm>
-          <a:off x="0" y="0"/>
-          <a:ext cx="0" cy="0"/>
-          <a:chOff x="0" y="0"/>
-          <a:chExt cx="0" cy="0"/>
-        </a:xfrm>
-      </p:grpSpPr>
-      <p:sp>
-        <p:nvSpPr>
-          <p:cNvPr id="2" name="Titel 1"/>
-          <p:cNvSpPr>
-            <a:spLocks noGrp="1"/>
-          </p:cNvSpPr>
-          <p:nvPr>
-            <p:ph type="title"/>
-          </p:nvPr>
-        </p:nvSpPr>
-        <p:spPr/>
-        <p:txBody>
-          <a:bodyPr/>
-          <a:lstStyle/>
-          <a:p>
-            <a:r>
-              <a:rPr lang="nl-NL" dirty="0" smtClean="0"/>
-              <a:t>ROS </a:t>
-            </a:r>
-            <a:r>
-              <a:rPr lang="nl-NL" dirty="0" err="1" smtClean="0"/>
-              <a:t>Tutorials</a:t>
-            </a:r>
-            <a:endParaRPr lang="nl-NL" dirty="0"/>
-          </a:p>
-        </p:txBody>
-      </p:sp>
-      <p:sp>
-        <p:nvSpPr>
-          <p:cNvPr id="3" name="Tijdelijke aanduiding voor inhoud 2"/>
-          <p:cNvSpPr>
-            <a:spLocks noGrp="1"/>
-          </p:cNvSpPr>
-          <p:nvPr>
-            <p:ph idx="1"/>
-          </p:nvPr>
-        </p:nvSpPr>
-        <p:spPr/>
-        <p:txBody>
-          <a:bodyPr/>
-          <a:lstStyle/>
-          <a:p>
-            <a:r>
-              <a:rPr lang="nl-NL" dirty="0">
-                <a:hlinkClick r:id="rId2"/>
-              </a:rPr>
-              <a:t>http://</a:t>
-            </a:r>
-            <a:r>
-              <a:rPr lang="nl-NL" dirty="0" smtClean="0">
-                <a:hlinkClick r:id="rId2"/>
-              </a:rPr>
-              <a:t>www.ros.org/wiki/ROS/Tutorials</a:t>
-            </a:r>
-            <a:endParaRPr lang="nl-NL" dirty="0" smtClean="0"/>
-          </a:p>
-          <a:p>
-            <a:pPr lvl="1"/>
-            <a:r>
-              <a:rPr lang="nl-NL" dirty="0" smtClean="0"/>
-              <a:t>Start </a:t>
-            </a:r>
-            <a:r>
-              <a:rPr lang="nl-NL" dirty="0" err="1" smtClean="0"/>
-              <a:t>here</a:t>
-            </a:r>
-            <a:r>
-              <a:rPr lang="nl-NL" dirty="0" smtClean="0"/>
-              <a:t> …</a:t>
-            </a:r>
-          </a:p>
-          <a:p>
-            <a:pPr lvl="1"/>
-            <a:r>
-              <a:rPr lang="nl-NL" dirty="0" smtClean="0"/>
-              <a:t>C++ </a:t>
-            </a:r>
-            <a:r>
-              <a:rPr lang="nl-NL" dirty="0" err="1" smtClean="0"/>
-              <a:t>and</a:t>
-            </a:r>
-            <a:r>
-              <a:rPr lang="nl-NL" dirty="0" smtClean="0"/>
-              <a:t> Python </a:t>
-            </a:r>
-            <a:r>
-              <a:rPr lang="nl-NL" dirty="0" err="1" smtClean="0"/>
-              <a:t>examples</a:t>
-            </a:r>
-            <a:endParaRPr lang="nl-NL" dirty="0"/>
-          </a:p>
-        </p:txBody>
-      </p:sp>
-      <p:sp>
-        <p:nvSpPr>
-          <p:cNvPr id="4" name="Tijdelijke aanduiding voor voettekst 3"/>
-          <p:cNvSpPr>
-            <a:spLocks noGrp="1"/>
-          </p:cNvSpPr>
-          <p:nvPr>
-            <p:ph type="ftr" sz="quarter" idx="11"/>
-          </p:nvPr>
-        </p:nvSpPr>
-        <p:spPr/>
-        <p:txBody>
-          <a:bodyPr/>
-          <a:lstStyle/>
-          <a:p>
-            <a:r>
-              <a:rPr lang="nl-NL" smtClean="0"/>
-              <a:t>Eric Dortmans / Fontys Hogeschool ICT</a:t>
-            </a:r>
-            <a:endParaRPr lang="nl-NL"/>
-          </a:p>
-        </p:txBody>
-      </p:sp>
-      <p:sp>
-        <p:nvSpPr>
-          <p:cNvPr id="6" name="Tijdelijke aanduiding voor datum 5"/>
-          <p:cNvSpPr>
-            <a:spLocks noGrp="1"/>
-          </p:cNvSpPr>
-          <p:nvPr>
-            <p:ph type="dt" sz="half" idx="10"/>
-          </p:nvPr>
-        </p:nvSpPr>
-        <p:spPr/>
-        <p:txBody>
-          <a:bodyPr/>
-          <a:lstStyle/>
-          <a:p>
-            <a:r>
-              <a:rPr lang="en-US" smtClean="0"/>
-              <a:t>23-4-2015</a:t>
-            </a:r>
-            <a:endParaRPr lang="nl-NL"/>
-          </a:p>
-        </p:txBody>
-      </p:sp>
-      <p:sp>
-        <p:nvSpPr>
-          <p:cNvPr id="5" name="Tijdelijke aanduiding voor dianummer 4"/>
-          <p:cNvSpPr>
-            <a:spLocks noGrp="1"/>
-          </p:cNvSpPr>
-          <p:nvPr>
-            <p:ph type="sldNum" sz="quarter" idx="12"/>
-          </p:nvPr>
-        </p:nvSpPr>
-        <p:spPr/>
-        <p:txBody>
-          <a:bodyPr/>
-          <a:lstStyle/>
-          <a:p>
-            <a:fld id="{A9096D49-DAE3-40DE-93E0-41688E0A5016}" type="slidenum">
-              <a:rPr lang="nl-NL" smtClean="0"/>
-              <a:t>51</a:t>
-            </a:fld>
-            <a:endParaRPr lang="nl-NL"/>
-          </a:p>
-        </p:txBody>
-      </p:sp>
-    </p:spTree>
-    <p:extLst>
-      <p:ext uri="{BB962C8B-B14F-4D97-AF65-F5344CB8AC3E}">
-        <p14:creationId xmlns:p14="http://schemas.microsoft.com/office/powerpoint/2010/main" val="665972279"/>
       </p:ext>
     </p:extLst>
   </p:cSld>

--- a/deel1.pptx
+++ b/deel1.pptx
@@ -237,7 +237,7 @@
           <a:p>
             <a:fld id="{26950E59-91FA-400F-9B65-5FF464248520}" type="datetimeFigureOut">
               <a:rPr lang="nl-NL" smtClean="0"/>
-              <a:t>28-4-2015</a:t>
+              <a:t>14-5-2015</a:t>
             </a:fld>
             <a:endParaRPr lang="nl-NL"/>
           </a:p>
@@ -11015,11 +11015,6 @@
               </a:rPr>
               <a:t>/…</a:t>
             </a:r>
-            <a:endParaRPr lang="nl-NL" dirty="0" smtClean="0">
-              <a:solidFill>
-                <a:srgbClr val="0070C0"/>
-              </a:solidFill>
-            </a:endParaRPr>
           </a:p>
           <a:p>
             <a:pPr marL="457200" lvl="1" indent="0">
@@ -11150,7 +11145,6 @@
               <a:rPr lang="nl-NL" dirty="0" smtClean="0"/>
               <a:t>&gt;/…</a:t>
             </a:r>
-            <a:endParaRPr lang="nl-NL" dirty="0" smtClean="0"/>
           </a:p>
           <a:p>
             <a:pPr marL="457200" lvl="1" indent="0">
@@ -11195,11 +11189,7 @@
             </a:r>
             <a:r>
               <a:rPr lang="nl-NL" dirty="0" smtClean="0"/>
-              <a:t> </a:t>
-            </a:r>
-            <a:r>
-              <a:rPr lang="nl-NL" dirty="0" smtClean="0"/>
-              <a:t>in </a:t>
+              <a:t> in </a:t>
             </a:r>
             <a:r>
               <a:rPr lang="nl-NL" dirty="0" err="1" smtClean="0"/>
@@ -11929,15 +11919,7 @@
             </a:r>
             <a:r>
               <a:rPr lang="nl-NL" dirty="0" smtClean="0"/>
-              <a:t>rive </a:t>
-            </a:r>
-            <a:r>
-              <a:rPr lang="nl-NL" dirty="0" smtClean="0"/>
-              <a:t>a mobile </a:t>
-            </a:r>
-            <a:r>
-              <a:rPr lang="nl-NL" dirty="0" smtClean="0"/>
-              <a:t>robot </a:t>
+              <a:t>rive a mobile robot </a:t>
             </a:r>
             <a:r>
               <a:rPr lang="nl-NL" dirty="0" err="1" smtClean="0"/>
@@ -11961,11 +11943,7 @@
             </a:r>
             <a:r>
               <a:rPr lang="nl-NL" dirty="0" smtClean="0"/>
-              <a:t> </a:t>
-            </a:r>
-            <a:r>
-              <a:rPr lang="nl-NL" dirty="0" smtClean="0"/>
-              <a:t>camera</a:t>
+              <a:t> camera</a:t>
             </a:r>
             <a:endParaRPr lang="en-GB" dirty="0"/>
           </a:p>
@@ -15278,11 +15256,7 @@
             </a:r>
             <a:r>
               <a:rPr lang="nl-NL" dirty="0" smtClean="0"/>
-              <a:t>ROS </a:t>
-            </a:r>
-            <a:r>
-              <a:rPr lang="nl-NL" dirty="0" smtClean="0"/>
-              <a:t>packages</a:t>
+              <a:t>ROS packages</a:t>
             </a:r>
           </a:p>
           <a:p>
@@ -16804,11 +16778,7 @@
             <a:pPr lvl="1"/>
             <a:r>
               <a:rPr lang="nl-NL" dirty="0" smtClean="0"/>
-              <a:t>set </a:t>
-            </a:r>
-            <a:r>
-              <a:rPr lang="nl-NL" dirty="0" smtClean="0"/>
-              <a:t>search </a:t>
+              <a:t>set search </a:t>
             </a:r>
             <a:r>
               <a:rPr lang="nl-NL" dirty="0" err="1" smtClean="0"/>
@@ -17823,15 +17793,7 @@
             <a:pPr lvl="1"/>
             <a:r>
               <a:rPr lang="nl-NL" dirty="0" smtClean="0"/>
-              <a:t>&lt;tag&gt; </a:t>
-            </a:r>
-            <a:r>
-              <a:rPr lang="nl-NL" dirty="0" smtClean="0"/>
-              <a:t>……… </a:t>
-            </a:r>
-            <a:r>
-              <a:rPr lang="nl-NL" dirty="0" smtClean="0"/>
-              <a:t>&lt;/tag&gt;</a:t>
+              <a:t>&lt;tag&gt; ……… &lt;/tag&gt;</a:t>
             </a:r>
           </a:p>
           <a:p>
@@ -19572,6 +19534,13 @@
   <p:clrMapOvr>
     <a:masterClrMapping/>
   </p:clrMapOvr>
+  <p:timing>
+    <p:tnLst>
+      <p:par>
+        <p:cTn id="1" dur="indefinite" restart="never" nodeType="tmRoot"/>
+      </p:par>
+    </p:tnLst>
+  </p:timing>
 </p:sld>
 </file>
 
@@ -19717,6 +19686,13 @@
   <p:clrMapOvr>
     <a:masterClrMapping/>
   </p:clrMapOvr>
+  <p:timing>
+    <p:tnLst>
+      <p:par>
+        <p:cTn id="1" dur="indefinite" restart="never" nodeType="tmRoot"/>
+      </p:par>
+    </p:tnLst>
+  </p:timing>
 </p:sld>
 </file>
 
@@ -19781,18 +19757,17 @@
               <a:rPr lang="en-GB" sz="2800" dirty="0">
                 <a:hlinkClick r:id="rId2"/>
               </a:rPr>
-              <a:t>http://</a:t>
+              <a:t>https://</a:t>
             </a:r>
             <a:r>
               <a:rPr lang="en-GB" sz="2800" dirty="0" smtClean="0">
                 <a:hlinkClick r:id="rId2"/>
               </a:rPr>
-              <a:t>www.clearpathrobotics.com/ros-cheat-sheet</a:t>
-            </a:r>
-            <a:r>
-              <a:rPr lang="en-GB" sz="2800" dirty="0" smtClean="0"/>
-              <a:t> </a:t>
-            </a:r>
+              <a:t>github.com/ros/cheatsheet/releases/download/0.0.1/ROScheatsheet_catkin.pdf</a:t>
+            </a:r>
+            <a:endParaRPr lang="en-GB" sz="2800" dirty="0" smtClean="0"/>
+          </a:p>
+          <a:p>
             <a:endParaRPr lang="en-GB" sz="2800" dirty="0"/>
           </a:p>
         </p:txBody>
